--- a/pptx/chap03.pptx
+++ b/pptx/chap03.pptx
@@ -2,10 +2,10 @@
 <file path=ppt/presentation.xml><?xml version="1.0" encoding="utf-8"?>
 <p:presentation xmlns:a="http://schemas.openxmlformats.org/drawingml/2006/main" xmlns:r="http://schemas.openxmlformats.org/officeDocument/2006/relationships" xmlns:p="http://schemas.openxmlformats.org/presentationml/2006/main" saveSubsetFonts="1">
   <p:sldMasterIdLst>
-    <p:sldMasterId id="2147483648" r:id="rId1"/>
+    <p:sldMasterId id="2147483660" r:id="rId1"/>
   </p:sldMasterIdLst>
   <p:sldIdLst>
-    <p:sldId id="257" r:id="rId2"/>
+    <p:sldId id="287" r:id="rId2"/>
     <p:sldId id="264" r:id="rId3"/>
     <p:sldId id="268" r:id="rId4"/>
     <p:sldId id="265" r:id="rId5"/>
@@ -16,14 +16,14 @@
     <p:sldId id="274" r:id="rId10"/>
     <p:sldId id="269" r:id="rId11"/>
   </p:sldIdLst>
-  <p:sldSz cx="9144000" cy="6858000" type="screen4x3"/>
+  <p:sldSz cx="12192000" cy="6858000"/>
   <p:notesSz cx="6858000" cy="9144000"/>
   <p:defaultTextStyle>
     <a:defPPr>
-      <a:defRPr lang="ja-JP"/>
+      <a:defRPr lang="en-US"/>
     </a:defPPr>
-    <a:lvl1pPr marL="0" algn="l" defTabSz="914400" rtl="0" eaLnBrk="1" latinLnBrk="0" hangingPunct="1">
-      <a:defRPr kumimoji="1" sz="1800" kern="1200">
+    <a:lvl1pPr marL="0" algn="l" defTabSz="457200" rtl="0" eaLnBrk="1" latinLnBrk="0" hangingPunct="1">
+      <a:defRPr sz="1800" kern="1200">
         <a:solidFill>
           <a:schemeClr val="tx1"/>
         </a:solidFill>
@@ -32,8 +32,8 @@
         <a:cs typeface="+mn-cs"/>
       </a:defRPr>
     </a:lvl1pPr>
-    <a:lvl2pPr marL="457200" algn="l" defTabSz="914400" rtl="0" eaLnBrk="1" latinLnBrk="0" hangingPunct="1">
-      <a:defRPr kumimoji="1" sz="1800" kern="1200">
+    <a:lvl2pPr marL="457200" algn="l" defTabSz="457200" rtl="0" eaLnBrk="1" latinLnBrk="0" hangingPunct="1">
+      <a:defRPr sz="1800" kern="1200">
         <a:solidFill>
           <a:schemeClr val="tx1"/>
         </a:solidFill>
@@ -42,8 +42,8 @@
         <a:cs typeface="+mn-cs"/>
       </a:defRPr>
     </a:lvl2pPr>
-    <a:lvl3pPr marL="914400" algn="l" defTabSz="914400" rtl="0" eaLnBrk="1" latinLnBrk="0" hangingPunct="1">
-      <a:defRPr kumimoji="1" sz="1800" kern="1200">
+    <a:lvl3pPr marL="914400" algn="l" defTabSz="457200" rtl="0" eaLnBrk="1" latinLnBrk="0" hangingPunct="1">
+      <a:defRPr sz="1800" kern="1200">
         <a:solidFill>
           <a:schemeClr val="tx1"/>
         </a:solidFill>
@@ -52,8 +52,8 @@
         <a:cs typeface="+mn-cs"/>
       </a:defRPr>
     </a:lvl3pPr>
-    <a:lvl4pPr marL="1371600" algn="l" defTabSz="914400" rtl="0" eaLnBrk="1" latinLnBrk="0" hangingPunct="1">
-      <a:defRPr kumimoji="1" sz="1800" kern="1200">
+    <a:lvl4pPr marL="1371600" algn="l" defTabSz="457200" rtl="0" eaLnBrk="1" latinLnBrk="0" hangingPunct="1">
+      <a:defRPr sz="1800" kern="1200">
         <a:solidFill>
           <a:schemeClr val="tx1"/>
         </a:solidFill>
@@ -62,8 +62,8 @@
         <a:cs typeface="+mn-cs"/>
       </a:defRPr>
     </a:lvl4pPr>
-    <a:lvl5pPr marL="1828800" algn="l" defTabSz="914400" rtl="0" eaLnBrk="1" latinLnBrk="0" hangingPunct="1">
-      <a:defRPr kumimoji="1" sz="1800" kern="1200">
+    <a:lvl5pPr marL="1828800" algn="l" defTabSz="457200" rtl="0" eaLnBrk="1" latinLnBrk="0" hangingPunct="1">
+      <a:defRPr sz="1800" kern="1200">
         <a:solidFill>
           <a:schemeClr val="tx1"/>
         </a:solidFill>
@@ -72,8 +72,8 @@
         <a:cs typeface="+mn-cs"/>
       </a:defRPr>
     </a:lvl5pPr>
-    <a:lvl6pPr marL="2286000" algn="l" defTabSz="914400" rtl="0" eaLnBrk="1" latinLnBrk="0" hangingPunct="1">
-      <a:defRPr kumimoji="1" sz="1800" kern="1200">
+    <a:lvl6pPr marL="2286000" algn="l" defTabSz="457200" rtl="0" eaLnBrk="1" latinLnBrk="0" hangingPunct="1">
+      <a:defRPr sz="1800" kern="1200">
         <a:solidFill>
           <a:schemeClr val="tx1"/>
         </a:solidFill>
@@ -82,8 +82,8 @@
         <a:cs typeface="+mn-cs"/>
       </a:defRPr>
     </a:lvl6pPr>
-    <a:lvl7pPr marL="2743200" algn="l" defTabSz="914400" rtl="0" eaLnBrk="1" latinLnBrk="0" hangingPunct="1">
-      <a:defRPr kumimoji="1" sz="1800" kern="1200">
+    <a:lvl7pPr marL="2743200" algn="l" defTabSz="457200" rtl="0" eaLnBrk="1" latinLnBrk="0" hangingPunct="1">
+      <a:defRPr sz="1800" kern="1200">
         <a:solidFill>
           <a:schemeClr val="tx1"/>
         </a:solidFill>
@@ -92,8 +92,8 @@
         <a:cs typeface="+mn-cs"/>
       </a:defRPr>
     </a:lvl7pPr>
-    <a:lvl8pPr marL="3200400" algn="l" defTabSz="914400" rtl="0" eaLnBrk="1" latinLnBrk="0" hangingPunct="1">
-      <a:defRPr kumimoji="1" sz="1800" kern="1200">
+    <a:lvl8pPr marL="3200400" algn="l" defTabSz="457200" rtl="0" eaLnBrk="1" latinLnBrk="0" hangingPunct="1">
+      <a:defRPr sz="1800" kern="1200">
         <a:solidFill>
           <a:schemeClr val="tx1"/>
         </a:solidFill>
@@ -102,8 +102,8 @@
         <a:cs typeface="+mn-cs"/>
       </a:defRPr>
     </a:lvl8pPr>
-    <a:lvl9pPr marL="3657600" algn="l" defTabSz="914400" rtl="0" eaLnBrk="1" latinLnBrk="0" hangingPunct="1">
-      <a:defRPr kumimoji="1" sz="1800" kern="1200">
+    <a:lvl9pPr marL="3657600" algn="l" defTabSz="457200" rtl="0" eaLnBrk="1" latinLnBrk="0" hangingPunct="1">
+      <a:defRPr sz="1800" kern="1200">
         <a:solidFill>
           <a:schemeClr val="tx1"/>
         </a:solidFill>
@@ -119,10 +119,6 @@
     </p:ext>
   </p:extLst>
 </p:presentation>
-</file>
-
-<file path=ppt/revisionInfo.xml><?xml version="1.0" encoding="utf-8"?>
-<p1510:revInfo xmlns:a="http://schemas.openxmlformats.org/drawingml/2006/main" xmlns:r="http://schemas.openxmlformats.org/officeDocument/2006/relationships" xmlns:p1510="http://schemas.microsoft.com/office/powerpoint/2015/10/main"/>
 </file>
 
 <file path=ppt/slideLayouts/slideLayout1.xml><?xml version="1.0" encoding="utf-8"?>
@@ -144,13 +140,7 @@
       </p:grpSpPr>
       <p:sp>
         <p:nvSpPr>
-          <p:cNvPr id="2" name="タイトル 1">
-            <a:extLst>
-              <a:ext uri="{FF2B5EF4-FFF2-40B4-BE49-F238E27FC236}">
-                <a16:creationId xmlns:a16="http://schemas.microsoft.com/office/drawing/2014/main" id="{490F5702-5D73-444E-8951-B738CBD0E5BE}"/>
-              </a:ext>
-            </a:extLst>
-          </p:cNvPr>
+          <p:cNvPr id="2" name="Title 1"/>
           <p:cNvSpPr>
             <a:spLocks noGrp="1"/>
           </p:cNvSpPr>
@@ -160,8 +150,8 @@
         </p:nvSpPr>
         <p:spPr>
           <a:xfrm>
-            <a:off x="1143000" y="1122363"/>
-            <a:ext cx="6858000" cy="2387600"/>
+            <a:off x="1524000" y="1122363"/>
+            <a:ext cx="9144000" cy="2387600"/>
           </a:xfrm>
         </p:spPr>
         <p:txBody>
@@ -173,21 +163,16 @@
           </a:lstStyle>
           <a:p>
             <a:r>
-              <a:rPr kumimoji="1" lang="ja-JP" altLang="en-US"/>
+              <a:rPr lang="ja-JP" altLang="en-US"/>
               <a:t>マスター タイトルの書式設定</a:t>
             </a:r>
-          </a:p>
-        </p:txBody>
-      </p:sp>
-      <p:sp>
-        <p:nvSpPr>
-          <p:cNvPr id="3" name="サブタイトル 2">
-            <a:extLst>
-              <a:ext uri="{FF2B5EF4-FFF2-40B4-BE49-F238E27FC236}">
-                <a16:creationId xmlns:a16="http://schemas.microsoft.com/office/drawing/2014/main" id="{92151FC2-914A-40A1-AFA3-889561BB0D24}"/>
-              </a:ext>
-            </a:extLst>
-          </p:cNvPr>
+            <a:endParaRPr lang="en-US" dirty="0"/>
+          </a:p>
+        </p:txBody>
+      </p:sp>
+      <p:sp>
+        <p:nvSpPr>
+          <p:cNvPr id="3" name="Subtitle 2"/>
           <p:cNvSpPr>
             <a:spLocks noGrp="1"/>
           </p:cNvSpPr>
@@ -197,8 +182,8 @@
         </p:nvSpPr>
         <p:spPr>
           <a:xfrm>
-            <a:off x="1143000" y="3602038"/>
-            <a:ext cx="6858000" cy="1655762"/>
+            <a:off x="1524000" y="3602038"/>
+            <a:ext cx="9144000" cy="1655762"/>
           </a:xfrm>
         </p:spPr>
         <p:txBody>
@@ -243,21 +228,16 @@
           </a:lstStyle>
           <a:p>
             <a:r>
-              <a:rPr kumimoji="1" lang="ja-JP" altLang="en-US"/>
+              <a:rPr lang="ja-JP" altLang="en-US"/>
               <a:t>マスター サブタイトルの書式設定</a:t>
             </a:r>
-          </a:p>
-        </p:txBody>
-      </p:sp>
-      <p:sp>
-        <p:nvSpPr>
-          <p:cNvPr id="4" name="日付プレースホルダー 3">
-            <a:extLst>
-              <a:ext uri="{FF2B5EF4-FFF2-40B4-BE49-F238E27FC236}">
-                <a16:creationId xmlns:a16="http://schemas.microsoft.com/office/drawing/2014/main" id="{A5871356-BBC6-4101-A899-68ED57221D85}"/>
-              </a:ext>
-            </a:extLst>
-          </p:cNvPr>
+            <a:endParaRPr lang="en-US" dirty="0"/>
+          </a:p>
+        </p:txBody>
+      </p:sp>
+      <p:sp>
+        <p:nvSpPr>
+          <p:cNvPr id="4" name="Date Placeholder 3"/>
           <p:cNvSpPr>
             <a:spLocks noGrp="1"/>
           </p:cNvSpPr>
@@ -272,7 +252,7 @@
           <a:p>
             <a:fld id="{BCC3470B-979D-4AC3-9CEF-E2615858CE2E}" type="datetimeFigureOut">
               <a:rPr kumimoji="1" lang="ja-JP" altLang="en-US" smtClean="0"/>
-              <a:t>2017/9/9</a:t>
+              <a:t>2023/8/25</a:t>
             </a:fld>
             <a:endParaRPr kumimoji="1" lang="ja-JP" altLang="en-US"/>
           </a:p>
@@ -280,13 +260,7 @@
       </p:sp>
       <p:sp>
         <p:nvSpPr>
-          <p:cNvPr id="5" name="フッター プレースホルダー 4">
-            <a:extLst>
-              <a:ext uri="{FF2B5EF4-FFF2-40B4-BE49-F238E27FC236}">
-                <a16:creationId xmlns:a16="http://schemas.microsoft.com/office/drawing/2014/main" id="{1A645758-572A-4888-B100-B96321DE5302}"/>
-              </a:ext>
-            </a:extLst>
-          </p:cNvPr>
+          <p:cNvPr id="5" name="Footer Placeholder 4"/>
           <p:cNvSpPr>
             <a:spLocks noGrp="1"/>
           </p:cNvSpPr>
@@ -305,13 +279,7 @@
       </p:sp>
       <p:sp>
         <p:nvSpPr>
-          <p:cNvPr id="6" name="スライド番号プレースホルダー 5">
-            <a:extLst>
-              <a:ext uri="{FF2B5EF4-FFF2-40B4-BE49-F238E27FC236}">
-                <a16:creationId xmlns:a16="http://schemas.microsoft.com/office/drawing/2014/main" id="{EDAF273E-F96B-4748-B86E-108E6C4C6FD0}"/>
-              </a:ext>
-            </a:extLst>
-          </p:cNvPr>
+          <p:cNvPr id="6" name="Slide Number Placeholder 5"/>
           <p:cNvSpPr>
             <a:spLocks noGrp="1"/>
           </p:cNvSpPr>
@@ -335,7 +303,7 @@
     </p:spTree>
     <p:extLst>
       <p:ext uri="{BB962C8B-B14F-4D97-AF65-F5344CB8AC3E}">
-        <p14:creationId xmlns:p14="http://schemas.microsoft.com/office/powerpoint/2010/main" val="816187851"/>
+        <p14:creationId xmlns:p14="http://schemas.microsoft.com/office/powerpoint/2010/main" val="1085798108"/>
       </p:ext>
     </p:extLst>
   </p:cSld>
@@ -364,13 +332,7 @@
       </p:grpSpPr>
       <p:sp>
         <p:nvSpPr>
-          <p:cNvPr id="2" name="タイトル 1">
-            <a:extLst>
-              <a:ext uri="{FF2B5EF4-FFF2-40B4-BE49-F238E27FC236}">
-                <a16:creationId xmlns:a16="http://schemas.microsoft.com/office/drawing/2014/main" id="{19326C56-05B2-4045-A427-F214C2579896}"/>
-              </a:ext>
-            </a:extLst>
-          </p:cNvPr>
+          <p:cNvPr id="2" name="Title 1"/>
           <p:cNvSpPr>
             <a:spLocks noGrp="1"/>
           </p:cNvSpPr>
@@ -384,21 +346,16 @@
           <a:lstStyle/>
           <a:p>
             <a:r>
-              <a:rPr kumimoji="1" lang="ja-JP" altLang="en-US"/>
+              <a:rPr lang="ja-JP" altLang="en-US"/>
               <a:t>マスター タイトルの書式設定</a:t>
             </a:r>
-          </a:p>
-        </p:txBody>
-      </p:sp>
-      <p:sp>
-        <p:nvSpPr>
-          <p:cNvPr id="3" name="縦書きテキスト プレースホルダー 2">
-            <a:extLst>
-              <a:ext uri="{FF2B5EF4-FFF2-40B4-BE49-F238E27FC236}">
-                <a16:creationId xmlns:a16="http://schemas.microsoft.com/office/drawing/2014/main" id="{CF53802B-347E-4462-8C96-469EB0800092}"/>
-              </a:ext>
-            </a:extLst>
-          </p:cNvPr>
+            <a:endParaRPr lang="en-US" dirty="0"/>
+          </a:p>
+        </p:txBody>
+      </p:sp>
+      <p:sp>
+        <p:nvSpPr>
+          <p:cNvPr id="3" name="Vertical Text Placeholder 2"/>
           <p:cNvSpPr>
             <a:spLocks noGrp="1"/>
           </p:cNvSpPr>
@@ -413,81 +370,76 @@
           <a:p>
             <a:pPr lvl="0"/>
             <a:r>
-              <a:rPr kumimoji="1" lang="ja-JP" altLang="en-US"/>
+              <a:rPr lang="ja-JP" altLang="en-US"/>
               <a:t>マスター テキストの書式設定</a:t>
             </a:r>
           </a:p>
           <a:p>
             <a:pPr lvl="1"/>
             <a:r>
-              <a:rPr kumimoji="1" lang="ja-JP" altLang="en-US"/>
+              <a:rPr lang="ja-JP" altLang="en-US"/>
               <a:t>第 </a:t>
             </a:r>
             <a:r>
-              <a:rPr kumimoji="1" lang="en-US" altLang="ja-JP"/>
+              <a:rPr lang="en-US" altLang="ja-JP"/>
               <a:t>2 </a:t>
             </a:r>
             <a:r>
-              <a:rPr kumimoji="1" lang="ja-JP" altLang="en-US"/>
+              <a:rPr lang="ja-JP" altLang="en-US"/>
               <a:t>レベル</a:t>
             </a:r>
           </a:p>
           <a:p>
             <a:pPr lvl="2"/>
             <a:r>
-              <a:rPr kumimoji="1" lang="ja-JP" altLang="en-US"/>
+              <a:rPr lang="ja-JP" altLang="en-US"/>
               <a:t>第 </a:t>
             </a:r>
             <a:r>
-              <a:rPr kumimoji="1" lang="en-US" altLang="ja-JP"/>
+              <a:rPr lang="en-US" altLang="ja-JP"/>
               <a:t>3 </a:t>
             </a:r>
             <a:r>
-              <a:rPr kumimoji="1" lang="ja-JP" altLang="en-US"/>
+              <a:rPr lang="ja-JP" altLang="en-US"/>
               <a:t>レベル</a:t>
             </a:r>
           </a:p>
           <a:p>
             <a:pPr lvl="3"/>
             <a:r>
-              <a:rPr kumimoji="1" lang="ja-JP" altLang="en-US"/>
+              <a:rPr lang="ja-JP" altLang="en-US"/>
               <a:t>第 </a:t>
             </a:r>
             <a:r>
-              <a:rPr kumimoji="1" lang="en-US" altLang="ja-JP"/>
+              <a:rPr lang="en-US" altLang="ja-JP"/>
               <a:t>4 </a:t>
             </a:r>
             <a:r>
-              <a:rPr kumimoji="1" lang="ja-JP" altLang="en-US"/>
+              <a:rPr lang="ja-JP" altLang="en-US"/>
               <a:t>レベル</a:t>
             </a:r>
           </a:p>
           <a:p>
             <a:pPr lvl="4"/>
             <a:r>
-              <a:rPr kumimoji="1" lang="ja-JP" altLang="en-US"/>
+              <a:rPr lang="ja-JP" altLang="en-US"/>
               <a:t>第 </a:t>
             </a:r>
             <a:r>
-              <a:rPr kumimoji="1" lang="en-US" altLang="ja-JP"/>
+              <a:rPr lang="en-US" altLang="ja-JP"/>
               <a:t>5 </a:t>
             </a:r>
             <a:r>
-              <a:rPr kumimoji="1" lang="ja-JP" altLang="en-US"/>
+              <a:rPr lang="ja-JP" altLang="en-US"/>
               <a:t>レベル</a:t>
             </a:r>
-          </a:p>
-        </p:txBody>
-      </p:sp>
-      <p:sp>
-        <p:nvSpPr>
-          <p:cNvPr id="4" name="日付プレースホルダー 3">
-            <a:extLst>
-              <a:ext uri="{FF2B5EF4-FFF2-40B4-BE49-F238E27FC236}">
-                <a16:creationId xmlns:a16="http://schemas.microsoft.com/office/drawing/2014/main" id="{8784DDE4-33A8-4813-93FC-E4AD3B1CE7AD}"/>
-              </a:ext>
-            </a:extLst>
-          </p:cNvPr>
+            <a:endParaRPr lang="en-US" dirty="0"/>
+          </a:p>
+        </p:txBody>
+      </p:sp>
+      <p:sp>
+        <p:nvSpPr>
+          <p:cNvPr id="4" name="Date Placeholder 3"/>
           <p:cNvSpPr>
             <a:spLocks noGrp="1"/>
           </p:cNvSpPr>
@@ -502,7 +454,7 @@
           <a:p>
             <a:fld id="{BCC3470B-979D-4AC3-9CEF-E2615858CE2E}" type="datetimeFigureOut">
               <a:rPr kumimoji="1" lang="ja-JP" altLang="en-US" smtClean="0"/>
-              <a:t>2017/9/9</a:t>
+              <a:t>2023/8/25</a:t>
             </a:fld>
             <a:endParaRPr kumimoji="1" lang="ja-JP" altLang="en-US"/>
           </a:p>
@@ -510,13 +462,7 @@
       </p:sp>
       <p:sp>
         <p:nvSpPr>
-          <p:cNvPr id="5" name="フッター プレースホルダー 4">
-            <a:extLst>
-              <a:ext uri="{FF2B5EF4-FFF2-40B4-BE49-F238E27FC236}">
-                <a16:creationId xmlns:a16="http://schemas.microsoft.com/office/drawing/2014/main" id="{E3502423-BA24-4C5A-B6C2-E8442A0053D1}"/>
-              </a:ext>
-            </a:extLst>
-          </p:cNvPr>
+          <p:cNvPr id="5" name="Footer Placeholder 4"/>
           <p:cNvSpPr>
             <a:spLocks noGrp="1"/>
           </p:cNvSpPr>
@@ -535,13 +481,7 @@
       </p:sp>
       <p:sp>
         <p:nvSpPr>
-          <p:cNvPr id="6" name="スライド番号プレースホルダー 5">
-            <a:extLst>
-              <a:ext uri="{FF2B5EF4-FFF2-40B4-BE49-F238E27FC236}">
-                <a16:creationId xmlns:a16="http://schemas.microsoft.com/office/drawing/2014/main" id="{F2781BD3-6ED3-44FD-8E72-04E946C69C01}"/>
-              </a:ext>
-            </a:extLst>
-          </p:cNvPr>
+          <p:cNvPr id="6" name="Slide Number Placeholder 5"/>
           <p:cNvSpPr>
             <a:spLocks noGrp="1"/>
           </p:cNvSpPr>
@@ -565,7 +505,7 @@
     </p:spTree>
     <p:extLst>
       <p:ext uri="{BB962C8B-B14F-4D97-AF65-F5344CB8AC3E}">
-        <p14:creationId xmlns:p14="http://schemas.microsoft.com/office/powerpoint/2010/main" val="397647011"/>
+        <p14:creationId xmlns:p14="http://schemas.microsoft.com/office/powerpoint/2010/main" val="1885904856"/>
       </p:ext>
     </p:extLst>
   </p:cSld>
@@ -594,13 +534,7 @@
       </p:grpSpPr>
       <p:sp>
         <p:nvSpPr>
-          <p:cNvPr id="2" name="縦書きタイトル 1">
-            <a:extLst>
-              <a:ext uri="{FF2B5EF4-FFF2-40B4-BE49-F238E27FC236}">
-                <a16:creationId xmlns:a16="http://schemas.microsoft.com/office/drawing/2014/main" id="{017A9D40-9D15-450D-82F8-D655384016D5}"/>
-              </a:ext>
-            </a:extLst>
-          </p:cNvPr>
+          <p:cNvPr id="2" name="Vertical Title 1"/>
           <p:cNvSpPr>
             <a:spLocks noGrp="1"/>
           </p:cNvSpPr>
@@ -610,8 +544,8 @@
         </p:nvSpPr>
         <p:spPr>
           <a:xfrm>
-            <a:off x="6543675" y="365125"/>
-            <a:ext cx="1971675" cy="5811838"/>
+            <a:off x="8724900" y="365125"/>
+            <a:ext cx="2628900" cy="5811838"/>
           </a:xfrm>
         </p:spPr>
         <p:txBody>
@@ -619,21 +553,16 @@
           <a:lstStyle/>
           <a:p>
             <a:r>
-              <a:rPr kumimoji="1" lang="ja-JP" altLang="en-US"/>
+              <a:rPr lang="ja-JP" altLang="en-US"/>
               <a:t>マスター タイトルの書式設定</a:t>
             </a:r>
-          </a:p>
-        </p:txBody>
-      </p:sp>
-      <p:sp>
-        <p:nvSpPr>
-          <p:cNvPr id="3" name="縦書きテキスト プレースホルダー 2">
-            <a:extLst>
-              <a:ext uri="{FF2B5EF4-FFF2-40B4-BE49-F238E27FC236}">
-                <a16:creationId xmlns:a16="http://schemas.microsoft.com/office/drawing/2014/main" id="{5DAC8398-BD6E-46E7-9AD6-7AFEC6690000}"/>
-              </a:ext>
-            </a:extLst>
-          </p:cNvPr>
+            <a:endParaRPr lang="en-US" dirty="0"/>
+          </a:p>
+        </p:txBody>
+      </p:sp>
+      <p:sp>
+        <p:nvSpPr>
+          <p:cNvPr id="3" name="Vertical Text Placeholder 2"/>
           <p:cNvSpPr>
             <a:spLocks noGrp="1"/>
           </p:cNvSpPr>
@@ -643,8 +572,8 @@
         </p:nvSpPr>
         <p:spPr>
           <a:xfrm>
-            <a:off x="628650" y="365125"/>
-            <a:ext cx="5800725" cy="5811838"/>
+            <a:off x="838200" y="365125"/>
+            <a:ext cx="7734300" cy="5811838"/>
           </a:xfrm>
         </p:spPr>
         <p:txBody>
@@ -653,81 +582,76 @@
           <a:p>
             <a:pPr lvl="0"/>
             <a:r>
-              <a:rPr kumimoji="1" lang="ja-JP" altLang="en-US"/>
+              <a:rPr lang="ja-JP" altLang="en-US"/>
               <a:t>マスター テキストの書式設定</a:t>
             </a:r>
           </a:p>
           <a:p>
             <a:pPr lvl="1"/>
             <a:r>
-              <a:rPr kumimoji="1" lang="ja-JP" altLang="en-US"/>
+              <a:rPr lang="ja-JP" altLang="en-US"/>
               <a:t>第 </a:t>
             </a:r>
             <a:r>
-              <a:rPr kumimoji="1" lang="en-US" altLang="ja-JP"/>
+              <a:rPr lang="en-US" altLang="ja-JP"/>
               <a:t>2 </a:t>
             </a:r>
             <a:r>
-              <a:rPr kumimoji="1" lang="ja-JP" altLang="en-US"/>
+              <a:rPr lang="ja-JP" altLang="en-US"/>
               <a:t>レベル</a:t>
             </a:r>
           </a:p>
           <a:p>
             <a:pPr lvl="2"/>
             <a:r>
-              <a:rPr kumimoji="1" lang="ja-JP" altLang="en-US"/>
+              <a:rPr lang="ja-JP" altLang="en-US"/>
               <a:t>第 </a:t>
             </a:r>
             <a:r>
-              <a:rPr kumimoji="1" lang="en-US" altLang="ja-JP"/>
+              <a:rPr lang="en-US" altLang="ja-JP"/>
               <a:t>3 </a:t>
             </a:r>
             <a:r>
-              <a:rPr kumimoji="1" lang="ja-JP" altLang="en-US"/>
+              <a:rPr lang="ja-JP" altLang="en-US"/>
               <a:t>レベル</a:t>
             </a:r>
           </a:p>
           <a:p>
             <a:pPr lvl="3"/>
             <a:r>
-              <a:rPr kumimoji="1" lang="ja-JP" altLang="en-US"/>
+              <a:rPr lang="ja-JP" altLang="en-US"/>
               <a:t>第 </a:t>
             </a:r>
             <a:r>
-              <a:rPr kumimoji="1" lang="en-US" altLang="ja-JP"/>
+              <a:rPr lang="en-US" altLang="ja-JP"/>
               <a:t>4 </a:t>
             </a:r>
             <a:r>
-              <a:rPr kumimoji="1" lang="ja-JP" altLang="en-US"/>
+              <a:rPr lang="ja-JP" altLang="en-US"/>
               <a:t>レベル</a:t>
             </a:r>
           </a:p>
           <a:p>
             <a:pPr lvl="4"/>
             <a:r>
-              <a:rPr kumimoji="1" lang="ja-JP" altLang="en-US"/>
+              <a:rPr lang="ja-JP" altLang="en-US"/>
               <a:t>第 </a:t>
             </a:r>
             <a:r>
-              <a:rPr kumimoji="1" lang="en-US" altLang="ja-JP"/>
+              <a:rPr lang="en-US" altLang="ja-JP"/>
               <a:t>5 </a:t>
             </a:r>
             <a:r>
-              <a:rPr kumimoji="1" lang="ja-JP" altLang="en-US"/>
+              <a:rPr lang="ja-JP" altLang="en-US"/>
               <a:t>レベル</a:t>
             </a:r>
-          </a:p>
-        </p:txBody>
-      </p:sp>
-      <p:sp>
-        <p:nvSpPr>
-          <p:cNvPr id="4" name="日付プレースホルダー 3">
-            <a:extLst>
-              <a:ext uri="{FF2B5EF4-FFF2-40B4-BE49-F238E27FC236}">
-                <a16:creationId xmlns:a16="http://schemas.microsoft.com/office/drawing/2014/main" id="{6FDBFB86-749B-427D-A94D-7E724F8A4B87}"/>
-              </a:ext>
-            </a:extLst>
-          </p:cNvPr>
+            <a:endParaRPr lang="en-US" dirty="0"/>
+          </a:p>
+        </p:txBody>
+      </p:sp>
+      <p:sp>
+        <p:nvSpPr>
+          <p:cNvPr id="4" name="Date Placeholder 3"/>
           <p:cNvSpPr>
             <a:spLocks noGrp="1"/>
           </p:cNvSpPr>
@@ -742,7 +666,7 @@
           <a:p>
             <a:fld id="{BCC3470B-979D-4AC3-9CEF-E2615858CE2E}" type="datetimeFigureOut">
               <a:rPr kumimoji="1" lang="ja-JP" altLang="en-US" smtClean="0"/>
-              <a:t>2017/9/9</a:t>
+              <a:t>2023/8/25</a:t>
             </a:fld>
             <a:endParaRPr kumimoji="1" lang="ja-JP" altLang="en-US"/>
           </a:p>
@@ -750,13 +674,7 @@
       </p:sp>
       <p:sp>
         <p:nvSpPr>
-          <p:cNvPr id="5" name="フッター プレースホルダー 4">
-            <a:extLst>
-              <a:ext uri="{FF2B5EF4-FFF2-40B4-BE49-F238E27FC236}">
-                <a16:creationId xmlns:a16="http://schemas.microsoft.com/office/drawing/2014/main" id="{46D97FC8-D55E-481F-831E-8B0923FAC4A8}"/>
-              </a:ext>
-            </a:extLst>
-          </p:cNvPr>
+          <p:cNvPr id="5" name="Footer Placeholder 4"/>
           <p:cNvSpPr>
             <a:spLocks noGrp="1"/>
           </p:cNvSpPr>
@@ -775,13 +693,7 @@
       </p:sp>
       <p:sp>
         <p:nvSpPr>
-          <p:cNvPr id="6" name="スライド番号プレースホルダー 5">
-            <a:extLst>
-              <a:ext uri="{FF2B5EF4-FFF2-40B4-BE49-F238E27FC236}">
-                <a16:creationId xmlns:a16="http://schemas.microsoft.com/office/drawing/2014/main" id="{00D79B48-AC5C-4428-AC16-9C5205B7981C}"/>
-              </a:ext>
-            </a:extLst>
-          </p:cNvPr>
+          <p:cNvPr id="6" name="Slide Number Placeholder 5"/>
           <p:cNvSpPr>
             <a:spLocks noGrp="1"/>
           </p:cNvSpPr>
@@ -805,7 +717,7 @@
     </p:spTree>
     <p:extLst>
       <p:ext uri="{BB962C8B-B14F-4D97-AF65-F5344CB8AC3E}">
-        <p14:creationId xmlns:p14="http://schemas.microsoft.com/office/powerpoint/2010/main" val="1659054291"/>
+        <p14:creationId xmlns:p14="http://schemas.microsoft.com/office/powerpoint/2010/main" val="2077328855"/>
       </p:ext>
     </p:extLst>
   </p:cSld>
@@ -834,13 +746,7 @@
       </p:grpSpPr>
       <p:sp>
         <p:nvSpPr>
-          <p:cNvPr id="2" name="タイトル 1">
-            <a:extLst>
-              <a:ext uri="{FF2B5EF4-FFF2-40B4-BE49-F238E27FC236}">
-                <a16:creationId xmlns:a16="http://schemas.microsoft.com/office/drawing/2014/main" id="{758DFCA2-5DB0-4083-8B4C-8DE6F01C0D39}"/>
-              </a:ext>
-            </a:extLst>
-          </p:cNvPr>
+          <p:cNvPr id="2" name="Title 1"/>
           <p:cNvSpPr>
             <a:spLocks noGrp="1"/>
           </p:cNvSpPr>
@@ -854,21 +760,16 @@
           <a:lstStyle/>
           <a:p>
             <a:r>
-              <a:rPr kumimoji="1" lang="ja-JP" altLang="en-US"/>
+              <a:rPr lang="ja-JP" altLang="en-US"/>
               <a:t>マスター タイトルの書式設定</a:t>
             </a:r>
-          </a:p>
-        </p:txBody>
-      </p:sp>
-      <p:sp>
-        <p:nvSpPr>
-          <p:cNvPr id="3" name="コンテンツ プレースホルダー 2">
-            <a:extLst>
-              <a:ext uri="{FF2B5EF4-FFF2-40B4-BE49-F238E27FC236}">
-                <a16:creationId xmlns:a16="http://schemas.microsoft.com/office/drawing/2014/main" id="{FFBDDB16-CBD2-4229-9A15-50C8AE44729F}"/>
-              </a:ext>
-            </a:extLst>
-          </p:cNvPr>
+            <a:endParaRPr lang="en-US" dirty="0"/>
+          </a:p>
+        </p:txBody>
+      </p:sp>
+      <p:sp>
+        <p:nvSpPr>
+          <p:cNvPr id="3" name="Content Placeholder 2"/>
           <p:cNvSpPr>
             <a:spLocks noGrp="1"/>
           </p:cNvSpPr>
@@ -883,81 +784,76 @@
           <a:p>
             <a:pPr lvl="0"/>
             <a:r>
-              <a:rPr kumimoji="1" lang="ja-JP" altLang="en-US"/>
+              <a:rPr lang="ja-JP" altLang="en-US"/>
               <a:t>マスター テキストの書式設定</a:t>
             </a:r>
           </a:p>
           <a:p>
             <a:pPr lvl="1"/>
             <a:r>
-              <a:rPr kumimoji="1" lang="ja-JP" altLang="en-US"/>
+              <a:rPr lang="ja-JP" altLang="en-US"/>
               <a:t>第 </a:t>
             </a:r>
             <a:r>
-              <a:rPr kumimoji="1" lang="en-US" altLang="ja-JP"/>
+              <a:rPr lang="en-US" altLang="ja-JP"/>
               <a:t>2 </a:t>
             </a:r>
             <a:r>
-              <a:rPr kumimoji="1" lang="ja-JP" altLang="en-US"/>
+              <a:rPr lang="ja-JP" altLang="en-US"/>
               <a:t>レベル</a:t>
             </a:r>
           </a:p>
           <a:p>
             <a:pPr lvl="2"/>
             <a:r>
-              <a:rPr kumimoji="1" lang="ja-JP" altLang="en-US"/>
+              <a:rPr lang="ja-JP" altLang="en-US"/>
               <a:t>第 </a:t>
             </a:r>
             <a:r>
-              <a:rPr kumimoji="1" lang="en-US" altLang="ja-JP"/>
+              <a:rPr lang="en-US" altLang="ja-JP"/>
               <a:t>3 </a:t>
             </a:r>
             <a:r>
-              <a:rPr kumimoji="1" lang="ja-JP" altLang="en-US"/>
+              <a:rPr lang="ja-JP" altLang="en-US"/>
               <a:t>レベル</a:t>
             </a:r>
           </a:p>
           <a:p>
             <a:pPr lvl="3"/>
             <a:r>
-              <a:rPr kumimoji="1" lang="ja-JP" altLang="en-US"/>
+              <a:rPr lang="ja-JP" altLang="en-US"/>
               <a:t>第 </a:t>
             </a:r>
             <a:r>
-              <a:rPr kumimoji="1" lang="en-US" altLang="ja-JP"/>
+              <a:rPr lang="en-US" altLang="ja-JP"/>
               <a:t>4 </a:t>
             </a:r>
             <a:r>
-              <a:rPr kumimoji="1" lang="ja-JP" altLang="en-US"/>
+              <a:rPr lang="ja-JP" altLang="en-US"/>
               <a:t>レベル</a:t>
             </a:r>
           </a:p>
           <a:p>
             <a:pPr lvl="4"/>
             <a:r>
-              <a:rPr kumimoji="1" lang="ja-JP" altLang="en-US"/>
+              <a:rPr lang="ja-JP" altLang="en-US"/>
               <a:t>第 </a:t>
             </a:r>
             <a:r>
-              <a:rPr kumimoji="1" lang="en-US" altLang="ja-JP"/>
+              <a:rPr lang="en-US" altLang="ja-JP"/>
               <a:t>5 </a:t>
             </a:r>
             <a:r>
-              <a:rPr kumimoji="1" lang="ja-JP" altLang="en-US"/>
+              <a:rPr lang="ja-JP" altLang="en-US"/>
               <a:t>レベル</a:t>
             </a:r>
-          </a:p>
-        </p:txBody>
-      </p:sp>
-      <p:sp>
-        <p:nvSpPr>
-          <p:cNvPr id="4" name="日付プレースホルダー 3">
-            <a:extLst>
-              <a:ext uri="{FF2B5EF4-FFF2-40B4-BE49-F238E27FC236}">
-                <a16:creationId xmlns:a16="http://schemas.microsoft.com/office/drawing/2014/main" id="{66DBD40E-5A76-4B4A-929F-470B9C12BFEE}"/>
-              </a:ext>
-            </a:extLst>
-          </p:cNvPr>
+            <a:endParaRPr lang="en-US" dirty="0"/>
+          </a:p>
+        </p:txBody>
+      </p:sp>
+      <p:sp>
+        <p:nvSpPr>
+          <p:cNvPr id="4" name="Date Placeholder 3"/>
           <p:cNvSpPr>
             <a:spLocks noGrp="1"/>
           </p:cNvSpPr>
@@ -972,7 +868,7 @@
           <a:p>
             <a:fld id="{BCC3470B-979D-4AC3-9CEF-E2615858CE2E}" type="datetimeFigureOut">
               <a:rPr kumimoji="1" lang="ja-JP" altLang="en-US" smtClean="0"/>
-              <a:t>2017/9/9</a:t>
+              <a:t>2023/8/25</a:t>
             </a:fld>
             <a:endParaRPr kumimoji="1" lang="ja-JP" altLang="en-US"/>
           </a:p>
@@ -980,13 +876,7 @@
       </p:sp>
       <p:sp>
         <p:nvSpPr>
-          <p:cNvPr id="5" name="フッター プレースホルダー 4">
-            <a:extLst>
-              <a:ext uri="{FF2B5EF4-FFF2-40B4-BE49-F238E27FC236}">
-                <a16:creationId xmlns:a16="http://schemas.microsoft.com/office/drawing/2014/main" id="{C4CE8CE3-F56A-499A-9503-84B870215EF8}"/>
-              </a:ext>
-            </a:extLst>
-          </p:cNvPr>
+          <p:cNvPr id="5" name="Footer Placeholder 4"/>
           <p:cNvSpPr>
             <a:spLocks noGrp="1"/>
           </p:cNvSpPr>
@@ -1005,13 +895,7 @@
       </p:sp>
       <p:sp>
         <p:nvSpPr>
-          <p:cNvPr id="6" name="スライド番号プレースホルダー 5">
-            <a:extLst>
-              <a:ext uri="{FF2B5EF4-FFF2-40B4-BE49-F238E27FC236}">
-                <a16:creationId xmlns:a16="http://schemas.microsoft.com/office/drawing/2014/main" id="{D922B388-1193-4540-9148-7A8F8D10B037}"/>
-              </a:ext>
-            </a:extLst>
-          </p:cNvPr>
+          <p:cNvPr id="6" name="Slide Number Placeholder 5"/>
           <p:cNvSpPr>
             <a:spLocks noGrp="1"/>
           </p:cNvSpPr>
@@ -1035,7 +919,7 @@
     </p:spTree>
     <p:extLst>
       <p:ext uri="{BB962C8B-B14F-4D97-AF65-F5344CB8AC3E}">
-        <p14:creationId xmlns:p14="http://schemas.microsoft.com/office/powerpoint/2010/main" val="3885293980"/>
+        <p14:creationId xmlns:p14="http://schemas.microsoft.com/office/powerpoint/2010/main" val="2572017047"/>
       </p:ext>
     </p:extLst>
   </p:cSld>
@@ -1064,13 +948,7 @@
       </p:grpSpPr>
       <p:sp>
         <p:nvSpPr>
-          <p:cNvPr id="2" name="タイトル 1">
-            <a:extLst>
-              <a:ext uri="{FF2B5EF4-FFF2-40B4-BE49-F238E27FC236}">
-                <a16:creationId xmlns:a16="http://schemas.microsoft.com/office/drawing/2014/main" id="{08E6B0ED-6C85-42C7-A913-4B82433E7B70}"/>
-              </a:ext>
-            </a:extLst>
-          </p:cNvPr>
+          <p:cNvPr id="2" name="Title 1"/>
           <p:cNvSpPr>
             <a:spLocks noGrp="1"/>
           </p:cNvSpPr>
@@ -1080,8 +958,8 @@
         </p:nvSpPr>
         <p:spPr>
           <a:xfrm>
-            <a:off x="623888" y="1709739"/>
-            <a:ext cx="7886700" cy="2852737"/>
+            <a:off x="831850" y="1709738"/>
+            <a:ext cx="10515600" cy="2852737"/>
           </a:xfrm>
         </p:spPr>
         <p:txBody>
@@ -1093,21 +971,16 @@
           </a:lstStyle>
           <a:p>
             <a:r>
-              <a:rPr kumimoji="1" lang="ja-JP" altLang="en-US"/>
+              <a:rPr lang="ja-JP" altLang="en-US"/>
               <a:t>マスター タイトルの書式設定</a:t>
             </a:r>
-          </a:p>
-        </p:txBody>
-      </p:sp>
-      <p:sp>
-        <p:nvSpPr>
-          <p:cNvPr id="3" name="テキスト プレースホルダー 2">
-            <a:extLst>
-              <a:ext uri="{FF2B5EF4-FFF2-40B4-BE49-F238E27FC236}">
-                <a16:creationId xmlns:a16="http://schemas.microsoft.com/office/drawing/2014/main" id="{246121B5-1DE4-4D5A-91F2-C7E49C42F30B}"/>
-              </a:ext>
-            </a:extLst>
-          </p:cNvPr>
+            <a:endParaRPr lang="en-US" dirty="0"/>
+          </a:p>
+        </p:txBody>
+      </p:sp>
+      <p:sp>
+        <p:nvSpPr>
+          <p:cNvPr id="3" name="Text Placeholder 2"/>
           <p:cNvSpPr>
             <a:spLocks noGrp="1"/>
           </p:cNvSpPr>
@@ -1117,8 +990,8 @@
         </p:nvSpPr>
         <p:spPr>
           <a:xfrm>
-            <a:off x="623888" y="4589464"/>
-            <a:ext cx="7886700" cy="1500187"/>
+            <a:off x="831850" y="4589463"/>
+            <a:ext cx="10515600" cy="1500187"/>
           </a:xfrm>
         </p:spPr>
         <p:txBody>
@@ -1218,7 +1091,7 @@
           <a:p>
             <a:pPr lvl="0"/>
             <a:r>
-              <a:rPr kumimoji="1" lang="ja-JP" altLang="en-US"/>
+              <a:rPr lang="ja-JP" altLang="en-US"/>
               <a:t>マスター テキストの書式設定</a:t>
             </a:r>
           </a:p>
@@ -1226,13 +1099,7 @@
       </p:sp>
       <p:sp>
         <p:nvSpPr>
-          <p:cNvPr id="4" name="日付プレースホルダー 3">
-            <a:extLst>
-              <a:ext uri="{FF2B5EF4-FFF2-40B4-BE49-F238E27FC236}">
-                <a16:creationId xmlns:a16="http://schemas.microsoft.com/office/drawing/2014/main" id="{554E865C-62F8-48F9-B5FF-DA5BC3EF1A2F}"/>
-              </a:ext>
-            </a:extLst>
-          </p:cNvPr>
+          <p:cNvPr id="4" name="Date Placeholder 3"/>
           <p:cNvSpPr>
             <a:spLocks noGrp="1"/>
           </p:cNvSpPr>
@@ -1247,7 +1114,7 @@
           <a:p>
             <a:fld id="{BCC3470B-979D-4AC3-9CEF-E2615858CE2E}" type="datetimeFigureOut">
               <a:rPr kumimoji="1" lang="ja-JP" altLang="en-US" smtClean="0"/>
-              <a:t>2017/9/9</a:t>
+              <a:t>2023/8/25</a:t>
             </a:fld>
             <a:endParaRPr kumimoji="1" lang="ja-JP" altLang="en-US"/>
           </a:p>
@@ -1255,13 +1122,7 @@
       </p:sp>
       <p:sp>
         <p:nvSpPr>
-          <p:cNvPr id="5" name="フッター プレースホルダー 4">
-            <a:extLst>
-              <a:ext uri="{FF2B5EF4-FFF2-40B4-BE49-F238E27FC236}">
-                <a16:creationId xmlns:a16="http://schemas.microsoft.com/office/drawing/2014/main" id="{01BA77F4-B8A8-433C-946F-4ABCE1772AC8}"/>
-              </a:ext>
-            </a:extLst>
-          </p:cNvPr>
+          <p:cNvPr id="5" name="Footer Placeholder 4"/>
           <p:cNvSpPr>
             <a:spLocks noGrp="1"/>
           </p:cNvSpPr>
@@ -1280,13 +1141,7 @@
       </p:sp>
       <p:sp>
         <p:nvSpPr>
-          <p:cNvPr id="6" name="スライド番号プレースホルダー 5">
-            <a:extLst>
-              <a:ext uri="{FF2B5EF4-FFF2-40B4-BE49-F238E27FC236}">
-                <a16:creationId xmlns:a16="http://schemas.microsoft.com/office/drawing/2014/main" id="{9E6B1CEE-CC91-4610-81F7-D40D5BF90C69}"/>
-              </a:ext>
-            </a:extLst>
-          </p:cNvPr>
+          <p:cNvPr id="6" name="Slide Number Placeholder 5"/>
           <p:cNvSpPr>
             <a:spLocks noGrp="1"/>
           </p:cNvSpPr>
@@ -1310,7 +1165,7 @@
     </p:spTree>
     <p:extLst>
       <p:ext uri="{BB962C8B-B14F-4D97-AF65-F5344CB8AC3E}">
-        <p14:creationId xmlns:p14="http://schemas.microsoft.com/office/powerpoint/2010/main" val="3050166243"/>
+        <p14:creationId xmlns:p14="http://schemas.microsoft.com/office/powerpoint/2010/main" val="1880847661"/>
       </p:ext>
     </p:extLst>
   </p:cSld>
@@ -1339,13 +1194,7 @@
       </p:grpSpPr>
       <p:sp>
         <p:nvSpPr>
-          <p:cNvPr id="2" name="タイトル 1">
-            <a:extLst>
-              <a:ext uri="{FF2B5EF4-FFF2-40B4-BE49-F238E27FC236}">
-                <a16:creationId xmlns:a16="http://schemas.microsoft.com/office/drawing/2014/main" id="{6DF9C5A6-3160-47E1-9F76-C0517AE74B65}"/>
-              </a:ext>
-            </a:extLst>
-          </p:cNvPr>
+          <p:cNvPr id="2" name="Title 1"/>
           <p:cNvSpPr>
             <a:spLocks noGrp="1"/>
           </p:cNvSpPr>
@@ -1359,21 +1208,16 @@
           <a:lstStyle/>
           <a:p>
             <a:r>
-              <a:rPr kumimoji="1" lang="ja-JP" altLang="en-US"/>
+              <a:rPr lang="ja-JP" altLang="en-US"/>
               <a:t>マスター タイトルの書式設定</a:t>
             </a:r>
-          </a:p>
-        </p:txBody>
-      </p:sp>
-      <p:sp>
-        <p:nvSpPr>
-          <p:cNvPr id="3" name="コンテンツ プレースホルダー 2">
-            <a:extLst>
-              <a:ext uri="{FF2B5EF4-FFF2-40B4-BE49-F238E27FC236}">
-                <a16:creationId xmlns:a16="http://schemas.microsoft.com/office/drawing/2014/main" id="{E1CFB188-D041-4220-AC8D-BC555D2B95A5}"/>
-              </a:ext>
-            </a:extLst>
-          </p:cNvPr>
+            <a:endParaRPr lang="en-US" dirty="0"/>
+          </a:p>
+        </p:txBody>
+      </p:sp>
+      <p:sp>
+        <p:nvSpPr>
+          <p:cNvPr id="3" name="Content Placeholder 2"/>
           <p:cNvSpPr>
             <a:spLocks noGrp="1"/>
           </p:cNvSpPr>
@@ -1383,8 +1227,8 @@
         </p:nvSpPr>
         <p:spPr>
           <a:xfrm>
-            <a:off x="628650" y="1825625"/>
-            <a:ext cx="3886200" cy="4351338"/>
+            <a:off x="838200" y="1825625"/>
+            <a:ext cx="5181600" cy="4351338"/>
           </a:xfrm>
         </p:spPr>
         <p:txBody>
@@ -1393,81 +1237,76 @@
           <a:p>
             <a:pPr lvl="0"/>
             <a:r>
-              <a:rPr kumimoji="1" lang="ja-JP" altLang="en-US"/>
+              <a:rPr lang="ja-JP" altLang="en-US"/>
               <a:t>マスター テキストの書式設定</a:t>
             </a:r>
           </a:p>
           <a:p>
             <a:pPr lvl="1"/>
             <a:r>
-              <a:rPr kumimoji="1" lang="ja-JP" altLang="en-US"/>
+              <a:rPr lang="ja-JP" altLang="en-US"/>
               <a:t>第 </a:t>
             </a:r>
             <a:r>
-              <a:rPr kumimoji="1" lang="en-US" altLang="ja-JP"/>
+              <a:rPr lang="en-US" altLang="ja-JP"/>
               <a:t>2 </a:t>
             </a:r>
             <a:r>
-              <a:rPr kumimoji="1" lang="ja-JP" altLang="en-US"/>
+              <a:rPr lang="ja-JP" altLang="en-US"/>
               <a:t>レベル</a:t>
             </a:r>
           </a:p>
           <a:p>
             <a:pPr lvl="2"/>
             <a:r>
-              <a:rPr kumimoji="1" lang="ja-JP" altLang="en-US"/>
+              <a:rPr lang="ja-JP" altLang="en-US"/>
               <a:t>第 </a:t>
             </a:r>
             <a:r>
-              <a:rPr kumimoji="1" lang="en-US" altLang="ja-JP"/>
+              <a:rPr lang="en-US" altLang="ja-JP"/>
               <a:t>3 </a:t>
             </a:r>
             <a:r>
-              <a:rPr kumimoji="1" lang="ja-JP" altLang="en-US"/>
+              <a:rPr lang="ja-JP" altLang="en-US"/>
               <a:t>レベル</a:t>
             </a:r>
           </a:p>
           <a:p>
             <a:pPr lvl="3"/>
             <a:r>
-              <a:rPr kumimoji="1" lang="ja-JP" altLang="en-US"/>
+              <a:rPr lang="ja-JP" altLang="en-US"/>
               <a:t>第 </a:t>
             </a:r>
             <a:r>
-              <a:rPr kumimoji="1" lang="en-US" altLang="ja-JP"/>
+              <a:rPr lang="en-US" altLang="ja-JP"/>
               <a:t>4 </a:t>
             </a:r>
             <a:r>
-              <a:rPr kumimoji="1" lang="ja-JP" altLang="en-US"/>
+              <a:rPr lang="ja-JP" altLang="en-US"/>
               <a:t>レベル</a:t>
             </a:r>
           </a:p>
           <a:p>
             <a:pPr lvl="4"/>
             <a:r>
-              <a:rPr kumimoji="1" lang="ja-JP" altLang="en-US"/>
+              <a:rPr lang="ja-JP" altLang="en-US"/>
               <a:t>第 </a:t>
             </a:r>
             <a:r>
-              <a:rPr kumimoji="1" lang="en-US" altLang="ja-JP"/>
+              <a:rPr lang="en-US" altLang="ja-JP"/>
               <a:t>5 </a:t>
             </a:r>
             <a:r>
-              <a:rPr kumimoji="1" lang="ja-JP" altLang="en-US"/>
+              <a:rPr lang="ja-JP" altLang="en-US"/>
               <a:t>レベル</a:t>
             </a:r>
-          </a:p>
-        </p:txBody>
-      </p:sp>
-      <p:sp>
-        <p:nvSpPr>
-          <p:cNvPr id="4" name="コンテンツ プレースホルダー 3">
-            <a:extLst>
-              <a:ext uri="{FF2B5EF4-FFF2-40B4-BE49-F238E27FC236}">
-                <a16:creationId xmlns:a16="http://schemas.microsoft.com/office/drawing/2014/main" id="{BB0DA848-D05A-4CC8-88F9-8978C8AEF3F2}"/>
-              </a:ext>
-            </a:extLst>
-          </p:cNvPr>
+            <a:endParaRPr lang="en-US" dirty="0"/>
+          </a:p>
+        </p:txBody>
+      </p:sp>
+      <p:sp>
+        <p:nvSpPr>
+          <p:cNvPr id="4" name="Content Placeholder 3"/>
           <p:cNvSpPr>
             <a:spLocks noGrp="1"/>
           </p:cNvSpPr>
@@ -1477,8 +1316,8 @@
         </p:nvSpPr>
         <p:spPr>
           <a:xfrm>
-            <a:off x="4629150" y="1825625"/>
-            <a:ext cx="3886200" cy="4351338"/>
+            <a:off x="6172200" y="1825625"/>
+            <a:ext cx="5181600" cy="4351338"/>
           </a:xfrm>
         </p:spPr>
         <p:txBody>
@@ -1487,81 +1326,76 @@
           <a:p>
             <a:pPr lvl="0"/>
             <a:r>
-              <a:rPr kumimoji="1" lang="ja-JP" altLang="en-US"/>
+              <a:rPr lang="ja-JP" altLang="en-US"/>
               <a:t>マスター テキストの書式設定</a:t>
             </a:r>
           </a:p>
           <a:p>
             <a:pPr lvl="1"/>
             <a:r>
-              <a:rPr kumimoji="1" lang="ja-JP" altLang="en-US"/>
+              <a:rPr lang="ja-JP" altLang="en-US"/>
               <a:t>第 </a:t>
             </a:r>
             <a:r>
-              <a:rPr kumimoji="1" lang="en-US" altLang="ja-JP"/>
+              <a:rPr lang="en-US" altLang="ja-JP"/>
               <a:t>2 </a:t>
             </a:r>
             <a:r>
-              <a:rPr kumimoji="1" lang="ja-JP" altLang="en-US"/>
+              <a:rPr lang="ja-JP" altLang="en-US"/>
               <a:t>レベル</a:t>
             </a:r>
           </a:p>
           <a:p>
             <a:pPr lvl="2"/>
             <a:r>
-              <a:rPr kumimoji="1" lang="ja-JP" altLang="en-US"/>
+              <a:rPr lang="ja-JP" altLang="en-US"/>
               <a:t>第 </a:t>
             </a:r>
             <a:r>
-              <a:rPr kumimoji="1" lang="en-US" altLang="ja-JP"/>
+              <a:rPr lang="en-US" altLang="ja-JP"/>
               <a:t>3 </a:t>
             </a:r>
             <a:r>
-              <a:rPr kumimoji="1" lang="ja-JP" altLang="en-US"/>
+              <a:rPr lang="ja-JP" altLang="en-US"/>
               <a:t>レベル</a:t>
             </a:r>
           </a:p>
           <a:p>
             <a:pPr lvl="3"/>
             <a:r>
-              <a:rPr kumimoji="1" lang="ja-JP" altLang="en-US"/>
+              <a:rPr lang="ja-JP" altLang="en-US"/>
               <a:t>第 </a:t>
             </a:r>
             <a:r>
-              <a:rPr kumimoji="1" lang="en-US" altLang="ja-JP"/>
+              <a:rPr lang="en-US" altLang="ja-JP"/>
               <a:t>4 </a:t>
             </a:r>
             <a:r>
-              <a:rPr kumimoji="1" lang="ja-JP" altLang="en-US"/>
+              <a:rPr lang="ja-JP" altLang="en-US"/>
               <a:t>レベル</a:t>
             </a:r>
           </a:p>
           <a:p>
             <a:pPr lvl="4"/>
             <a:r>
-              <a:rPr kumimoji="1" lang="ja-JP" altLang="en-US"/>
+              <a:rPr lang="ja-JP" altLang="en-US"/>
               <a:t>第 </a:t>
             </a:r>
             <a:r>
-              <a:rPr kumimoji="1" lang="en-US" altLang="ja-JP"/>
+              <a:rPr lang="en-US" altLang="ja-JP"/>
               <a:t>5 </a:t>
             </a:r>
             <a:r>
-              <a:rPr kumimoji="1" lang="ja-JP" altLang="en-US"/>
+              <a:rPr lang="ja-JP" altLang="en-US"/>
               <a:t>レベル</a:t>
             </a:r>
-          </a:p>
-        </p:txBody>
-      </p:sp>
-      <p:sp>
-        <p:nvSpPr>
-          <p:cNvPr id="5" name="日付プレースホルダー 4">
-            <a:extLst>
-              <a:ext uri="{FF2B5EF4-FFF2-40B4-BE49-F238E27FC236}">
-                <a16:creationId xmlns:a16="http://schemas.microsoft.com/office/drawing/2014/main" id="{840C054F-E256-4364-8C3B-BC6BBFAFEAC5}"/>
-              </a:ext>
-            </a:extLst>
-          </p:cNvPr>
+            <a:endParaRPr lang="en-US" dirty="0"/>
+          </a:p>
+        </p:txBody>
+      </p:sp>
+      <p:sp>
+        <p:nvSpPr>
+          <p:cNvPr id="5" name="Date Placeholder 4"/>
           <p:cNvSpPr>
             <a:spLocks noGrp="1"/>
           </p:cNvSpPr>
@@ -1576,7 +1410,7 @@
           <a:p>
             <a:fld id="{BCC3470B-979D-4AC3-9CEF-E2615858CE2E}" type="datetimeFigureOut">
               <a:rPr kumimoji="1" lang="ja-JP" altLang="en-US" smtClean="0"/>
-              <a:t>2017/9/9</a:t>
+              <a:t>2023/8/25</a:t>
             </a:fld>
             <a:endParaRPr kumimoji="1" lang="ja-JP" altLang="en-US"/>
           </a:p>
@@ -1584,13 +1418,7 @@
       </p:sp>
       <p:sp>
         <p:nvSpPr>
-          <p:cNvPr id="6" name="フッター プレースホルダー 5">
-            <a:extLst>
-              <a:ext uri="{FF2B5EF4-FFF2-40B4-BE49-F238E27FC236}">
-                <a16:creationId xmlns:a16="http://schemas.microsoft.com/office/drawing/2014/main" id="{F04279D4-EDFB-458F-8F75-2B792679193B}"/>
-              </a:ext>
-            </a:extLst>
-          </p:cNvPr>
+          <p:cNvPr id="6" name="Footer Placeholder 5"/>
           <p:cNvSpPr>
             <a:spLocks noGrp="1"/>
           </p:cNvSpPr>
@@ -1609,13 +1437,7 @@
       </p:sp>
       <p:sp>
         <p:nvSpPr>
-          <p:cNvPr id="7" name="スライド番号プレースホルダー 6">
-            <a:extLst>
-              <a:ext uri="{FF2B5EF4-FFF2-40B4-BE49-F238E27FC236}">
-                <a16:creationId xmlns:a16="http://schemas.microsoft.com/office/drawing/2014/main" id="{330EFC22-26C8-43E2-9D75-36E84925B9F2}"/>
-              </a:ext>
-            </a:extLst>
-          </p:cNvPr>
+          <p:cNvPr id="7" name="Slide Number Placeholder 6"/>
           <p:cNvSpPr>
             <a:spLocks noGrp="1"/>
           </p:cNvSpPr>
@@ -1639,7 +1461,7 @@
     </p:spTree>
     <p:extLst>
       <p:ext uri="{BB962C8B-B14F-4D97-AF65-F5344CB8AC3E}">
-        <p14:creationId xmlns:p14="http://schemas.microsoft.com/office/powerpoint/2010/main" val="3052735013"/>
+        <p14:creationId xmlns:p14="http://schemas.microsoft.com/office/powerpoint/2010/main" val="284721594"/>
       </p:ext>
     </p:extLst>
   </p:cSld>
@@ -1668,13 +1490,7 @@
       </p:grpSpPr>
       <p:sp>
         <p:nvSpPr>
-          <p:cNvPr id="2" name="タイトル 1">
-            <a:extLst>
-              <a:ext uri="{FF2B5EF4-FFF2-40B4-BE49-F238E27FC236}">
-                <a16:creationId xmlns:a16="http://schemas.microsoft.com/office/drawing/2014/main" id="{1F5067ED-0838-4E65-BD26-8B88ADE57E81}"/>
-              </a:ext>
-            </a:extLst>
-          </p:cNvPr>
+          <p:cNvPr id="2" name="Title 1"/>
           <p:cNvSpPr>
             <a:spLocks noGrp="1"/>
           </p:cNvSpPr>
@@ -1684,8 +1500,8 @@
         </p:nvSpPr>
         <p:spPr>
           <a:xfrm>
-            <a:off x="629841" y="365126"/>
-            <a:ext cx="7886700" cy="1325563"/>
+            <a:off x="839788" y="365125"/>
+            <a:ext cx="10515600" cy="1325563"/>
           </a:xfrm>
         </p:spPr>
         <p:txBody>
@@ -1693,21 +1509,16 @@
           <a:lstStyle/>
           <a:p>
             <a:r>
-              <a:rPr kumimoji="1" lang="ja-JP" altLang="en-US"/>
+              <a:rPr lang="ja-JP" altLang="en-US"/>
               <a:t>マスター タイトルの書式設定</a:t>
             </a:r>
-          </a:p>
-        </p:txBody>
-      </p:sp>
-      <p:sp>
-        <p:nvSpPr>
-          <p:cNvPr id="3" name="テキスト プレースホルダー 2">
-            <a:extLst>
-              <a:ext uri="{FF2B5EF4-FFF2-40B4-BE49-F238E27FC236}">
-                <a16:creationId xmlns:a16="http://schemas.microsoft.com/office/drawing/2014/main" id="{9CE39B44-D81E-4092-8FCA-BD64DB707D9B}"/>
-              </a:ext>
-            </a:extLst>
-          </p:cNvPr>
+            <a:endParaRPr lang="en-US" dirty="0"/>
+          </a:p>
+        </p:txBody>
+      </p:sp>
+      <p:sp>
+        <p:nvSpPr>
+          <p:cNvPr id="3" name="Text Placeholder 2"/>
           <p:cNvSpPr>
             <a:spLocks noGrp="1"/>
           </p:cNvSpPr>
@@ -1717,8 +1528,8 @@
         </p:nvSpPr>
         <p:spPr>
           <a:xfrm>
-            <a:off x="629842" y="1681163"/>
-            <a:ext cx="3868340" cy="823912"/>
+            <a:off x="839788" y="1681163"/>
+            <a:ext cx="5157787" cy="823912"/>
           </a:xfrm>
         </p:spPr>
         <p:txBody>
@@ -1764,7 +1575,7 @@
           <a:p>
             <a:pPr lvl="0"/>
             <a:r>
-              <a:rPr kumimoji="1" lang="ja-JP" altLang="en-US"/>
+              <a:rPr lang="ja-JP" altLang="en-US"/>
               <a:t>マスター テキストの書式設定</a:t>
             </a:r>
           </a:p>
@@ -1772,13 +1583,7 @@
       </p:sp>
       <p:sp>
         <p:nvSpPr>
-          <p:cNvPr id="4" name="コンテンツ プレースホルダー 3">
-            <a:extLst>
-              <a:ext uri="{FF2B5EF4-FFF2-40B4-BE49-F238E27FC236}">
-                <a16:creationId xmlns:a16="http://schemas.microsoft.com/office/drawing/2014/main" id="{F964C5E1-E238-4DB8-831C-92C909C7BBD6}"/>
-              </a:ext>
-            </a:extLst>
-          </p:cNvPr>
+          <p:cNvPr id="4" name="Content Placeholder 3"/>
           <p:cNvSpPr>
             <a:spLocks noGrp="1"/>
           </p:cNvSpPr>
@@ -1788,8 +1593,8 @@
         </p:nvSpPr>
         <p:spPr>
           <a:xfrm>
-            <a:off x="629842" y="2505075"/>
-            <a:ext cx="3868340" cy="3684588"/>
+            <a:off x="839788" y="2505075"/>
+            <a:ext cx="5157787" cy="3684588"/>
           </a:xfrm>
         </p:spPr>
         <p:txBody>
@@ -1798,81 +1603,76 @@
           <a:p>
             <a:pPr lvl="0"/>
             <a:r>
-              <a:rPr kumimoji="1" lang="ja-JP" altLang="en-US"/>
+              <a:rPr lang="ja-JP" altLang="en-US"/>
               <a:t>マスター テキストの書式設定</a:t>
             </a:r>
           </a:p>
           <a:p>
             <a:pPr lvl="1"/>
             <a:r>
-              <a:rPr kumimoji="1" lang="ja-JP" altLang="en-US"/>
+              <a:rPr lang="ja-JP" altLang="en-US"/>
               <a:t>第 </a:t>
             </a:r>
             <a:r>
-              <a:rPr kumimoji="1" lang="en-US" altLang="ja-JP"/>
+              <a:rPr lang="en-US" altLang="ja-JP"/>
               <a:t>2 </a:t>
             </a:r>
             <a:r>
-              <a:rPr kumimoji="1" lang="ja-JP" altLang="en-US"/>
+              <a:rPr lang="ja-JP" altLang="en-US"/>
               <a:t>レベル</a:t>
             </a:r>
           </a:p>
           <a:p>
             <a:pPr lvl="2"/>
             <a:r>
-              <a:rPr kumimoji="1" lang="ja-JP" altLang="en-US"/>
+              <a:rPr lang="ja-JP" altLang="en-US"/>
               <a:t>第 </a:t>
             </a:r>
             <a:r>
-              <a:rPr kumimoji="1" lang="en-US" altLang="ja-JP"/>
+              <a:rPr lang="en-US" altLang="ja-JP"/>
               <a:t>3 </a:t>
             </a:r>
             <a:r>
-              <a:rPr kumimoji="1" lang="ja-JP" altLang="en-US"/>
+              <a:rPr lang="ja-JP" altLang="en-US"/>
               <a:t>レベル</a:t>
             </a:r>
           </a:p>
           <a:p>
             <a:pPr lvl="3"/>
             <a:r>
-              <a:rPr kumimoji="1" lang="ja-JP" altLang="en-US"/>
+              <a:rPr lang="ja-JP" altLang="en-US"/>
               <a:t>第 </a:t>
             </a:r>
             <a:r>
-              <a:rPr kumimoji="1" lang="en-US" altLang="ja-JP"/>
+              <a:rPr lang="en-US" altLang="ja-JP"/>
               <a:t>4 </a:t>
             </a:r>
             <a:r>
-              <a:rPr kumimoji="1" lang="ja-JP" altLang="en-US"/>
+              <a:rPr lang="ja-JP" altLang="en-US"/>
               <a:t>レベル</a:t>
             </a:r>
           </a:p>
           <a:p>
             <a:pPr lvl="4"/>
             <a:r>
-              <a:rPr kumimoji="1" lang="ja-JP" altLang="en-US"/>
+              <a:rPr lang="ja-JP" altLang="en-US"/>
               <a:t>第 </a:t>
             </a:r>
             <a:r>
-              <a:rPr kumimoji="1" lang="en-US" altLang="ja-JP"/>
+              <a:rPr lang="en-US" altLang="ja-JP"/>
               <a:t>5 </a:t>
             </a:r>
             <a:r>
-              <a:rPr kumimoji="1" lang="ja-JP" altLang="en-US"/>
+              <a:rPr lang="ja-JP" altLang="en-US"/>
               <a:t>レベル</a:t>
             </a:r>
-          </a:p>
-        </p:txBody>
-      </p:sp>
-      <p:sp>
-        <p:nvSpPr>
-          <p:cNvPr id="5" name="テキスト プレースホルダー 4">
-            <a:extLst>
-              <a:ext uri="{FF2B5EF4-FFF2-40B4-BE49-F238E27FC236}">
-                <a16:creationId xmlns:a16="http://schemas.microsoft.com/office/drawing/2014/main" id="{50A464FE-14E8-4CD3-A5FB-3E837627C2B7}"/>
-              </a:ext>
-            </a:extLst>
-          </p:cNvPr>
+            <a:endParaRPr lang="en-US" dirty="0"/>
+          </a:p>
+        </p:txBody>
+      </p:sp>
+      <p:sp>
+        <p:nvSpPr>
+          <p:cNvPr id="5" name="Text Placeholder 4"/>
           <p:cNvSpPr>
             <a:spLocks noGrp="1"/>
           </p:cNvSpPr>
@@ -1882,8 +1682,8 @@
         </p:nvSpPr>
         <p:spPr>
           <a:xfrm>
-            <a:off x="4629150" y="1681163"/>
-            <a:ext cx="3887391" cy="823912"/>
+            <a:off x="6172200" y="1681163"/>
+            <a:ext cx="5183188" cy="823912"/>
           </a:xfrm>
         </p:spPr>
         <p:txBody>
@@ -1929,7 +1729,7 @@
           <a:p>
             <a:pPr lvl="0"/>
             <a:r>
-              <a:rPr kumimoji="1" lang="ja-JP" altLang="en-US"/>
+              <a:rPr lang="ja-JP" altLang="en-US"/>
               <a:t>マスター テキストの書式設定</a:t>
             </a:r>
           </a:p>
@@ -1937,13 +1737,7 @@
       </p:sp>
       <p:sp>
         <p:nvSpPr>
-          <p:cNvPr id="6" name="コンテンツ プレースホルダー 5">
-            <a:extLst>
-              <a:ext uri="{FF2B5EF4-FFF2-40B4-BE49-F238E27FC236}">
-                <a16:creationId xmlns:a16="http://schemas.microsoft.com/office/drawing/2014/main" id="{FD529878-3AA1-495B-AF8C-2446DFB6BD0A}"/>
-              </a:ext>
-            </a:extLst>
-          </p:cNvPr>
+          <p:cNvPr id="6" name="Content Placeholder 5"/>
           <p:cNvSpPr>
             <a:spLocks noGrp="1"/>
           </p:cNvSpPr>
@@ -1953,8 +1747,8 @@
         </p:nvSpPr>
         <p:spPr>
           <a:xfrm>
-            <a:off x="4629150" y="2505075"/>
-            <a:ext cx="3887391" cy="3684588"/>
+            <a:off x="6172200" y="2505075"/>
+            <a:ext cx="5183188" cy="3684588"/>
           </a:xfrm>
         </p:spPr>
         <p:txBody>
@@ -1963,81 +1757,76 @@
           <a:p>
             <a:pPr lvl="0"/>
             <a:r>
-              <a:rPr kumimoji="1" lang="ja-JP" altLang="en-US"/>
+              <a:rPr lang="ja-JP" altLang="en-US"/>
               <a:t>マスター テキストの書式設定</a:t>
             </a:r>
           </a:p>
           <a:p>
             <a:pPr lvl="1"/>
             <a:r>
-              <a:rPr kumimoji="1" lang="ja-JP" altLang="en-US"/>
+              <a:rPr lang="ja-JP" altLang="en-US"/>
               <a:t>第 </a:t>
             </a:r>
             <a:r>
-              <a:rPr kumimoji="1" lang="en-US" altLang="ja-JP"/>
+              <a:rPr lang="en-US" altLang="ja-JP"/>
               <a:t>2 </a:t>
             </a:r>
             <a:r>
-              <a:rPr kumimoji="1" lang="ja-JP" altLang="en-US"/>
+              <a:rPr lang="ja-JP" altLang="en-US"/>
               <a:t>レベル</a:t>
             </a:r>
           </a:p>
           <a:p>
             <a:pPr lvl="2"/>
             <a:r>
-              <a:rPr kumimoji="1" lang="ja-JP" altLang="en-US"/>
+              <a:rPr lang="ja-JP" altLang="en-US"/>
               <a:t>第 </a:t>
             </a:r>
             <a:r>
-              <a:rPr kumimoji="1" lang="en-US" altLang="ja-JP"/>
+              <a:rPr lang="en-US" altLang="ja-JP"/>
               <a:t>3 </a:t>
             </a:r>
             <a:r>
-              <a:rPr kumimoji="1" lang="ja-JP" altLang="en-US"/>
+              <a:rPr lang="ja-JP" altLang="en-US"/>
               <a:t>レベル</a:t>
             </a:r>
           </a:p>
           <a:p>
             <a:pPr lvl="3"/>
             <a:r>
-              <a:rPr kumimoji="1" lang="ja-JP" altLang="en-US"/>
+              <a:rPr lang="ja-JP" altLang="en-US"/>
               <a:t>第 </a:t>
             </a:r>
             <a:r>
-              <a:rPr kumimoji="1" lang="en-US" altLang="ja-JP"/>
+              <a:rPr lang="en-US" altLang="ja-JP"/>
               <a:t>4 </a:t>
             </a:r>
             <a:r>
-              <a:rPr kumimoji="1" lang="ja-JP" altLang="en-US"/>
+              <a:rPr lang="ja-JP" altLang="en-US"/>
               <a:t>レベル</a:t>
             </a:r>
           </a:p>
           <a:p>
             <a:pPr lvl="4"/>
             <a:r>
-              <a:rPr kumimoji="1" lang="ja-JP" altLang="en-US"/>
+              <a:rPr lang="ja-JP" altLang="en-US"/>
               <a:t>第 </a:t>
             </a:r>
             <a:r>
-              <a:rPr kumimoji="1" lang="en-US" altLang="ja-JP"/>
+              <a:rPr lang="en-US" altLang="ja-JP"/>
               <a:t>5 </a:t>
             </a:r>
             <a:r>
-              <a:rPr kumimoji="1" lang="ja-JP" altLang="en-US"/>
+              <a:rPr lang="ja-JP" altLang="en-US"/>
               <a:t>レベル</a:t>
             </a:r>
-          </a:p>
-        </p:txBody>
-      </p:sp>
-      <p:sp>
-        <p:nvSpPr>
-          <p:cNvPr id="7" name="日付プレースホルダー 6">
-            <a:extLst>
-              <a:ext uri="{FF2B5EF4-FFF2-40B4-BE49-F238E27FC236}">
-                <a16:creationId xmlns:a16="http://schemas.microsoft.com/office/drawing/2014/main" id="{FA5144D1-CDBF-4195-AECA-AD06E108486E}"/>
-              </a:ext>
-            </a:extLst>
-          </p:cNvPr>
+            <a:endParaRPr lang="en-US" dirty="0"/>
+          </a:p>
+        </p:txBody>
+      </p:sp>
+      <p:sp>
+        <p:nvSpPr>
+          <p:cNvPr id="7" name="Date Placeholder 6"/>
           <p:cNvSpPr>
             <a:spLocks noGrp="1"/>
           </p:cNvSpPr>
@@ -2052,7 +1841,7 @@
           <a:p>
             <a:fld id="{BCC3470B-979D-4AC3-9CEF-E2615858CE2E}" type="datetimeFigureOut">
               <a:rPr kumimoji="1" lang="ja-JP" altLang="en-US" smtClean="0"/>
-              <a:t>2017/9/9</a:t>
+              <a:t>2023/8/25</a:t>
             </a:fld>
             <a:endParaRPr kumimoji="1" lang="ja-JP" altLang="en-US"/>
           </a:p>
@@ -2060,13 +1849,7 @@
       </p:sp>
       <p:sp>
         <p:nvSpPr>
-          <p:cNvPr id="8" name="フッター プレースホルダー 7">
-            <a:extLst>
-              <a:ext uri="{FF2B5EF4-FFF2-40B4-BE49-F238E27FC236}">
-                <a16:creationId xmlns:a16="http://schemas.microsoft.com/office/drawing/2014/main" id="{A4CC6E82-D470-49A1-B2E2-2F0CE2B1A445}"/>
-              </a:ext>
-            </a:extLst>
-          </p:cNvPr>
+          <p:cNvPr id="8" name="Footer Placeholder 7"/>
           <p:cNvSpPr>
             <a:spLocks noGrp="1"/>
           </p:cNvSpPr>
@@ -2085,13 +1868,7 @@
       </p:sp>
       <p:sp>
         <p:nvSpPr>
-          <p:cNvPr id="9" name="スライド番号プレースホルダー 8">
-            <a:extLst>
-              <a:ext uri="{FF2B5EF4-FFF2-40B4-BE49-F238E27FC236}">
-                <a16:creationId xmlns:a16="http://schemas.microsoft.com/office/drawing/2014/main" id="{62C52876-658A-42FB-9DD7-77BCB77F43CC}"/>
-              </a:ext>
-            </a:extLst>
-          </p:cNvPr>
+          <p:cNvPr id="9" name="Slide Number Placeholder 8"/>
           <p:cNvSpPr>
             <a:spLocks noGrp="1"/>
           </p:cNvSpPr>
@@ -2115,7 +1892,7 @@
     </p:spTree>
     <p:extLst>
       <p:ext uri="{BB962C8B-B14F-4D97-AF65-F5344CB8AC3E}">
-        <p14:creationId xmlns:p14="http://schemas.microsoft.com/office/powerpoint/2010/main" val="2498931311"/>
+        <p14:creationId xmlns:p14="http://schemas.microsoft.com/office/powerpoint/2010/main" val="1247083935"/>
       </p:ext>
     </p:extLst>
   </p:cSld>
@@ -2144,13 +1921,7 @@
       </p:grpSpPr>
       <p:sp>
         <p:nvSpPr>
-          <p:cNvPr id="2" name="タイトル 1">
-            <a:extLst>
-              <a:ext uri="{FF2B5EF4-FFF2-40B4-BE49-F238E27FC236}">
-                <a16:creationId xmlns:a16="http://schemas.microsoft.com/office/drawing/2014/main" id="{79FF38F5-536E-47BE-9249-EE31E17A586F}"/>
-              </a:ext>
-            </a:extLst>
-          </p:cNvPr>
+          <p:cNvPr id="2" name="Title 1"/>
           <p:cNvSpPr>
             <a:spLocks noGrp="1"/>
           </p:cNvSpPr>
@@ -2164,21 +1935,16 @@
           <a:lstStyle/>
           <a:p>
             <a:r>
-              <a:rPr kumimoji="1" lang="ja-JP" altLang="en-US"/>
+              <a:rPr lang="ja-JP" altLang="en-US"/>
               <a:t>マスター タイトルの書式設定</a:t>
             </a:r>
-          </a:p>
-        </p:txBody>
-      </p:sp>
-      <p:sp>
-        <p:nvSpPr>
-          <p:cNvPr id="3" name="日付プレースホルダー 2">
-            <a:extLst>
-              <a:ext uri="{FF2B5EF4-FFF2-40B4-BE49-F238E27FC236}">
-                <a16:creationId xmlns:a16="http://schemas.microsoft.com/office/drawing/2014/main" id="{07CB3045-FB54-46B7-B046-4F9A3B847F2B}"/>
-              </a:ext>
-            </a:extLst>
-          </p:cNvPr>
+            <a:endParaRPr lang="en-US" dirty="0"/>
+          </a:p>
+        </p:txBody>
+      </p:sp>
+      <p:sp>
+        <p:nvSpPr>
+          <p:cNvPr id="3" name="Date Placeholder 2"/>
           <p:cNvSpPr>
             <a:spLocks noGrp="1"/>
           </p:cNvSpPr>
@@ -2193,7 +1959,7 @@
           <a:p>
             <a:fld id="{BCC3470B-979D-4AC3-9CEF-E2615858CE2E}" type="datetimeFigureOut">
               <a:rPr kumimoji="1" lang="ja-JP" altLang="en-US" smtClean="0"/>
-              <a:t>2017/9/9</a:t>
+              <a:t>2023/8/25</a:t>
             </a:fld>
             <a:endParaRPr kumimoji="1" lang="ja-JP" altLang="en-US"/>
           </a:p>
@@ -2201,13 +1967,7 @@
       </p:sp>
       <p:sp>
         <p:nvSpPr>
-          <p:cNvPr id="4" name="フッター プレースホルダー 3">
-            <a:extLst>
-              <a:ext uri="{FF2B5EF4-FFF2-40B4-BE49-F238E27FC236}">
-                <a16:creationId xmlns:a16="http://schemas.microsoft.com/office/drawing/2014/main" id="{5ECED15D-9C74-469C-8E3C-B91843A74D4B}"/>
-              </a:ext>
-            </a:extLst>
-          </p:cNvPr>
+          <p:cNvPr id="4" name="Footer Placeholder 3"/>
           <p:cNvSpPr>
             <a:spLocks noGrp="1"/>
           </p:cNvSpPr>
@@ -2226,13 +1986,7 @@
       </p:sp>
       <p:sp>
         <p:nvSpPr>
-          <p:cNvPr id="5" name="スライド番号プレースホルダー 4">
-            <a:extLst>
-              <a:ext uri="{FF2B5EF4-FFF2-40B4-BE49-F238E27FC236}">
-                <a16:creationId xmlns:a16="http://schemas.microsoft.com/office/drawing/2014/main" id="{AAF8A85A-1042-46F4-93FA-E8F4AB4AB7F6}"/>
-              </a:ext>
-            </a:extLst>
-          </p:cNvPr>
+          <p:cNvPr id="5" name="Slide Number Placeholder 4"/>
           <p:cNvSpPr>
             <a:spLocks noGrp="1"/>
           </p:cNvSpPr>
@@ -2256,7 +2010,7 @@
     </p:spTree>
     <p:extLst>
       <p:ext uri="{BB962C8B-B14F-4D97-AF65-F5344CB8AC3E}">
-        <p14:creationId xmlns:p14="http://schemas.microsoft.com/office/powerpoint/2010/main" val="732835344"/>
+        <p14:creationId xmlns:p14="http://schemas.microsoft.com/office/powerpoint/2010/main" val="1301567292"/>
       </p:ext>
     </p:extLst>
   </p:cSld>
@@ -2285,13 +2039,7 @@
       </p:grpSpPr>
       <p:sp>
         <p:nvSpPr>
-          <p:cNvPr id="2" name="日付プレースホルダー 1">
-            <a:extLst>
-              <a:ext uri="{FF2B5EF4-FFF2-40B4-BE49-F238E27FC236}">
-                <a16:creationId xmlns:a16="http://schemas.microsoft.com/office/drawing/2014/main" id="{FCB3A632-2E6D-47AA-9D41-B542EB614177}"/>
-              </a:ext>
-            </a:extLst>
-          </p:cNvPr>
+          <p:cNvPr id="2" name="Date Placeholder 1"/>
           <p:cNvSpPr>
             <a:spLocks noGrp="1"/>
           </p:cNvSpPr>
@@ -2306,7 +2054,7 @@
           <a:p>
             <a:fld id="{BCC3470B-979D-4AC3-9CEF-E2615858CE2E}" type="datetimeFigureOut">
               <a:rPr kumimoji="1" lang="ja-JP" altLang="en-US" smtClean="0"/>
-              <a:t>2017/9/9</a:t>
+              <a:t>2023/8/25</a:t>
             </a:fld>
             <a:endParaRPr kumimoji="1" lang="ja-JP" altLang="en-US"/>
           </a:p>
@@ -2314,13 +2062,7 @@
       </p:sp>
       <p:sp>
         <p:nvSpPr>
-          <p:cNvPr id="3" name="フッター プレースホルダー 2">
-            <a:extLst>
-              <a:ext uri="{FF2B5EF4-FFF2-40B4-BE49-F238E27FC236}">
-                <a16:creationId xmlns:a16="http://schemas.microsoft.com/office/drawing/2014/main" id="{51DE58E0-D604-44D9-AB0A-579CF23A7F38}"/>
-              </a:ext>
-            </a:extLst>
-          </p:cNvPr>
+          <p:cNvPr id="3" name="Footer Placeholder 2"/>
           <p:cNvSpPr>
             <a:spLocks noGrp="1"/>
           </p:cNvSpPr>
@@ -2339,13 +2081,7 @@
       </p:sp>
       <p:sp>
         <p:nvSpPr>
-          <p:cNvPr id="4" name="スライド番号プレースホルダー 3">
-            <a:extLst>
-              <a:ext uri="{FF2B5EF4-FFF2-40B4-BE49-F238E27FC236}">
-                <a16:creationId xmlns:a16="http://schemas.microsoft.com/office/drawing/2014/main" id="{8E3B1122-36C1-4EF6-B192-4791749ADDC8}"/>
-              </a:ext>
-            </a:extLst>
-          </p:cNvPr>
+          <p:cNvPr id="4" name="Slide Number Placeholder 3"/>
           <p:cNvSpPr>
             <a:spLocks noGrp="1"/>
           </p:cNvSpPr>
@@ -2369,7 +2105,7 @@
     </p:spTree>
     <p:extLst>
       <p:ext uri="{BB962C8B-B14F-4D97-AF65-F5344CB8AC3E}">
-        <p14:creationId xmlns:p14="http://schemas.microsoft.com/office/powerpoint/2010/main" val="2554930808"/>
+        <p14:creationId xmlns:p14="http://schemas.microsoft.com/office/powerpoint/2010/main" val="605413165"/>
       </p:ext>
     </p:extLst>
   </p:cSld>
@@ -2398,13 +2134,7 @@
       </p:grpSpPr>
       <p:sp>
         <p:nvSpPr>
-          <p:cNvPr id="2" name="タイトル 1">
-            <a:extLst>
-              <a:ext uri="{FF2B5EF4-FFF2-40B4-BE49-F238E27FC236}">
-                <a16:creationId xmlns:a16="http://schemas.microsoft.com/office/drawing/2014/main" id="{32EB93E2-742C-40DA-A8F0-09D81B36FCED}"/>
-              </a:ext>
-            </a:extLst>
-          </p:cNvPr>
+          <p:cNvPr id="2" name="Title 1"/>
           <p:cNvSpPr>
             <a:spLocks noGrp="1"/>
           </p:cNvSpPr>
@@ -2414,8 +2144,8 @@
         </p:nvSpPr>
         <p:spPr>
           <a:xfrm>
-            <a:off x="629841" y="457200"/>
-            <a:ext cx="2949178" cy="1600200"/>
+            <a:off x="839788" y="457200"/>
+            <a:ext cx="3932237" cy="1600200"/>
           </a:xfrm>
         </p:spPr>
         <p:txBody>
@@ -2427,21 +2157,16 @@
           </a:lstStyle>
           <a:p>
             <a:r>
-              <a:rPr kumimoji="1" lang="ja-JP" altLang="en-US"/>
+              <a:rPr lang="ja-JP" altLang="en-US"/>
               <a:t>マスター タイトルの書式設定</a:t>
             </a:r>
-          </a:p>
-        </p:txBody>
-      </p:sp>
-      <p:sp>
-        <p:nvSpPr>
-          <p:cNvPr id="3" name="コンテンツ プレースホルダー 2">
-            <a:extLst>
-              <a:ext uri="{FF2B5EF4-FFF2-40B4-BE49-F238E27FC236}">
-                <a16:creationId xmlns:a16="http://schemas.microsoft.com/office/drawing/2014/main" id="{AC474D4D-1C0D-458D-9FF6-A1A57723BB58}"/>
-              </a:ext>
-            </a:extLst>
-          </p:cNvPr>
+            <a:endParaRPr lang="en-US" dirty="0"/>
+          </a:p>
+        </p:txBody>
+      </p:sp>
+      <p:sp>
+        <p:nvSpPr>
+          <p:cNvPr id="3" name="Content Placeholder 2"/>
           <p:cNvSpPr>
             <a:spLocks noGrp="1"/>
           </p:cNvSpPr>
@@ -2451,8 +2176,8 @@
         </p:nvSpPr>
         <p:spPr>
           <a:xfrm>
-            <a:off x="3887391" y="987426"/>
-            <a:ext cx="4629150" cy="4873625"/>
+            <a:off x="5183188" y="987425"/>
+            <a:ext cx="6172200" cy="4873625"/>
           </a:xfrm>
         </p:spPr>
         <p:txBody>
@@ -2489,81 +2214,76 @@
           <a:p>
             <a:pPr lvl="0"/>
             <a:r>
-              <a:rPr kumimoji="1" lang="ja-JP" altLang="en-US"/>
+              <a:rPr lang="ja-JP" altLang="en-US"/>
               <a:t>マスター テキストの書式設定</a:t>
             </a:r>
           </a:p>
           <a:p>
             <a:pPr lvl="1"/>
             <a:r>
-              <a:rPr kumimoji="1" lang="ja-JP" altLang="en-US"/>
+              <a:rPr lang="ja-JP" altLang="en-US"/>
               <a:t>第 </a:t>
             </a:r>
             <a:r>
-              <a:rPr kumimoji="1" lang="en-US" altLang="ja-JP"/>
+              <a:rPr lang="en-US" altLang="ja-JP"/>
               <a:t>2 </a:t>
             </a:r>
             <a:r>
-              <a:rPr kumimoji="1" lang="ja-JP" altLang="en-US"/>
+              <a:rPr lang="ja-JP" altLang="en-US"/>
               <a:t>レベル</a:t>
             </a:r>
           </a:p>
           <a:p>
             <a:pPr lvl="2"/>
             <a:r>
-              <a:rPr kumimoji="1" lang="ja-JP" altLang="en-US"/>
+              <a:rPr lang="ja-JP" altLang="en-US"/>
               <a:t>第 </a:t>
             </a:r>
             <a:r>
-              <a:rPr kumimoji="1" lang="en-US" altLang="ja-JP"/>
+              <a:rPr lang="en-US" altLang="ja-JP"/>
               <a:t>3 </a:t>
             </a:r>
             <a:r>
-              <a:rPr kumimoji="1" lang="ja-JP" altLang="en-US"/>
+              <a:rPr lang="ja-JP" altLang="en-US"/>
               <a:t>レベル</a:t>
             </a:r>
           </a:p>
           <a:p>
             <a:pPr lvl="3"/>
             <a:r>
-              <a:rPr kumimoji="1" lang="ja-JP" altLang="en-US"/>
+              <a:rPr lang="ja-JP" altLang="en-US"/>
               <a:t>第 </a:t>
             </a:r>
             <a:r>
-              <a:rPr kumimoji="1" lang="en-US" altLang="ja-JP"/>
+              <a:rPr lang="en-US" altLang="ja-JP"/>
               <a:t>4 </a:t>
             </a:r>
             <a:r>
-              <a:rPr kumimoji="1" lang="ja-JP" altLang="en-US"/>
+              <a:rPr lang="ja-JP" altLang="en-US"/>
               <a:t>レベル</a:t>
             </a:r>
           </a:p>
           <a:p>
             <a:pPr lvl="4"/>
             <a:r>
-              <a:rPr kumimoji="1" lang="ja-JP" altLang="en-US"/>
+              <a:rPr lang="ja-JP" altLang="en-US"/>
               <a:t>第 </a:t>
             </a:r>
             <a:r>
-              <a:rPr kumimoji="1" lang="en-US" altLang="ja-JP"/>
+              <a:rPr lang="en-US" altLang="ja-JP"/>
               <a:t>5 </a:t>
             </a:r>
             <a:r>
-              <a:rPr kumimoji="1" lang="ja-JP" altLang="en-US"/>
+              <a:rPr lang="ja-JP" altLang="en-US"/>
               <a:t>レベル</a:t>
             </a:r>
-          </a:p>
-        </p:txBody>
-      </p:sp>
-      <p:sp>
-        <p:nvSpPr>
-          <p:cNvPr id="4" name="テキスト プレースホルダー 3">
-            <a:extLst>
-              <a:ext uri="{FF2B5EF4-FFF2-40B4-BE49-F238E27FC236}">
-                <a16:creationId xmlns:a16="http://schemas.microsoft.com/office/drawing/2014/main" id="{D59A0723-E6D5-4A19-818C-2CC237DCE793}"/>
-              </a:ext>
-            </a:extLst>
-          </p:cNvPr>
+            <a:endParaRPr lang="en-US" dirty="0"/>
+          </a:p>
+        </p:txBody>
+      </p:sp>
+      <p:sp>
+        <p:nvSpPr>
+          <p:cNvPr id="4" name="Text Placeholder 3"/>
           <p:cNvSpPr>
             <a:spLocks noGrp="1"/>
           </p:cNvSpPr>
@@ -2573,8 +2293,8 @@
         </p:nvSpPr>
         <p:spPr>
           <a:xfrm>
-            <a:off x="629841" y="2057400"/>
-            <a:ext cx="2949178" cy="3811588"/>
+            <a:off x="839788" y="2057400"/>
+            <a:ext cx="3932237" cy="3811588"/>
           </a:xfrm>
         </p:spPr>
         <p:txBody>
@@ -2620,7 +2340,7 @@
           <a:p>
             <a:pPr lvl="0"/>
             <a:r>
-              <a:rPr kumimoji="1" lang="ja-JP" altLang="en-US"/>
+              <a:rPr lang="ja-JP" altLang="en-US"/>
               <a:t>マスター テキストの書式設定</a:t>
             </a:r>
           </a:p>
@@ -2628,13 +2348,7 @@
       </p:sp>
       <p:sp>
         <p:nvSpPr>
-          <p:cNvPr id="5" name="日付プレースホルダー 4">
-            <a:extLst>
-              <a:ext uri="{FF2B5EF4-FFF2-40B4-BE49-F238E27FC236}">
-                <a16:creationId xmlns:a16="http://schemas.microsoft.com/office/drawing/2014/main" id="{EC8AFEC2-77A9-4086-B939-E2C58F4BF6C5}"/>
-              </a:ext>
-            </a:extLst>
-          </p:cNvPr>
+          <p:cNvPr id="5" name="Date Placeholder 4"/>
           <p:cNvSpPr>
             <a:spLocks noGrp="1"/>
           </p:cNvSpPr>
@@ -2649,7 +2363,7 @@
           <a:p>
             <a:fld id="{BCC3470B-979D-4AC3-9CEF-E2615858CE2E}" type="datetimeFigureOut">
               <a:rPr kumimoji="1" lang="ja-JP" altLang="en-US" smtClean="0"/>
-              <a:t>2017/9/9</a:t>
+              <a:t>2023/8/25</a:t>
             </a:fld>
             <a:endParaRPr kumimoji="1" lang="ja-JP" altLang="en-US"/>
           </a:p>
@@ -2657,13 +2371,7 @@
       </p:sp>
       <p:sp>
         <p:nvSpPr>
-          <p:cNvPr id="6" name="フッター プレースホルダー 5">
-            <a:extLst>
-              <a:ext uri="{FF2B5EF4-FFF2-40B4-BE49-F238E27FC236}">
-                <a16:creationId xmlns:a16="http://schemas.microsoft.com/office/drawing/2014/main" id="{CCCE669C-F3A1-498F-87BB-AFC7E57A09BB}"/>
-              </a:ext>
-            </a:extLst>
-          </p:cNvPr>
+          <p:cNvPr id="6" name="Footer Placeholder 5"/>
           <p:cNvSpPr>
             <a:spLocks noGrp="1"/>
           </p:cNvSpPr>
@@ -2682,13 +2390,7 @@
       </p:sp>
       <p:sp>
         <p:nvSpPr>
-          <p:cNvPr id="7" name="スライド番号プレースホルダー 6">
-            <a:extLst>
-              <a:ext uri="{FF2B5EF4-FFF2-40B4-BE49-F238E27FC236}">
-                <a16:creationId xmlns:a16="http://schemas.microsoft.com/office/drawing/2014/main" id="{D25A9716-FF4B-4EE9-93B4-F37325C18E42}"/>
-              </a:ext>
-            </a:extLst>
-          </p:cNvPr>
+          <p:cNvPr id="7" name="Slide Number Placeholder 6"/>
           <p:cNvSpPr>
             <a:spLocks noGrp="1"/>
           </p:cNvSpPr>
@@ -2712,7 +2414,7 @@
     </p:spTree>
     <p:extLst>
       <p:ext uri="{BB962C8B-B14F-4D97-AF65-F5344CB8AC3E}">
-        <p14:creationId xmlns:p14="http://schemas.microsoft.com/office/powerpoint/2010/main" val="1651372392"/>
+        <p14:creationId xmlns:p14="http://schemas.microsoft.com/office/powerpoint/2010/main" val="1644532823"/>
       </p:ext>
     </p:extLst>
   </p:cSld>
@@ -2741,13 +2443,7 @@
       </p:grpSpPr>
       <p:sp>
         <p:nvSpPr>
-          <p:cNvPr id="2" name="タイトル 1">
-            <a:extLst>
-              <a:ext uri="{FF2B5EF4-FFF2-40B4-BE49-F238E27FC236}">
-                <a16:creationId xmlns:a16="http://schemas.microsoft.com/office/drawing/2014/main" id="{F6BE48DE-0EBA-4D97-9DBF-1EC753EBE759}"/>
-              </a:ext>
-            </a:extLst>
-          </p:cNvPr>
+          <p:cNvPr id="2" name="Title 1"/>
           <p:cNvSpPr>
             <a:spLocks noGrp="1"/>
           </p:cNvSpPr>
@@ -2757,8 +2453,8 @@
         </p:nvSpPr>
         <p:spPr>
           <a:xfrm>
-            <a:off x="629841" y="457200"/>
-            <a:ext cx="2949178" cy="1600200"/>
+            <a:off x="839788" y="457200"/>
+            <a:ext cx="3932237" cy="1600200"/>
           </a:xfrm>
         </p:spPr>
         <p:txBody>
@@ -2770,23 +2466,18 @@
           </a:lstStyle>
           <a:p>
             <a:r>
-              <a:rPr kumimoji="1" lang="ja-JP" altLang="en-US"/>
+              <a:rPr lang="ja-JP" altLang="en-US"/>
               <a:t>マスター タイトルの書式設定</a:t>
             </a:r>
-          </a:p>
-        </p:txBody>
-      </p:sp>
-      <p:sp>
-        <p:nvSpPr>
-          <p:cNvPr id="3" name="図プレースホルダー 2">
-            <a:extLst>
-              <a:ext uri="{FF2B5EF4-FFF2-40B4-BE49-F238E27FC236}">
-                <a16:creationId xmlns:a16="http://schemas.microsoft.com/office/drawing/2014/main" id="{2B35F2B9-EF3E-4AC9-8F35-B559A54EBBA6}"/>
-              </a:ext>
-            </a:extLst>
-          </p:cNvPr>
-          <p:cNvSpPr>
-            <a:spLocks noGrp="1"/>
+            <a:endParaRPr lang="en-US" dirty="0"/>
+          </a:p>
+        </p:txBody>
+      </p:sp>
+      <p:sp>
+        <p:nvSpPr>
+          <p:cNvPr id="3" name="Picture Placeholder 2"/>
+          <p:cNvSpPr>
+            <a:spLocks noGrp="1" noChangeAspect="1"/>
           </p:cNvSpPr>
           <p:nvPr>
             <p:ph type="pic" idx="1"/>
@@ -2794,8 +2485,73 @@
         </p:nvSpPr>
         <p:spPr>
           <a:xfrm>
-            <a:off x="3887391" y="987426"/>
-            <a:ext cx="4629150" cy="4873625"/>
+            <a:off x="5183188" y="987425"/>
+            <a:ext cx="6172200" cy="4873625"/>
+          </a:xfrm>
+        </p:spPr>
+        <p:txBody>
+          <a:bodyPr anchor="t"/>
+          <a:lstStyle>
+            <a:lvl1pPr marL="0" indent="0">
+              <a:buNone/>
+              <a:defRPr sz="3200"/>
+            </a:lvl1pPr>
+            <a:lvl2pPr marL="457200" indent="0">
+              <a:buNone/>
+              <a:defRPr sz="2800"/>
+            </a:lvl2pPr>
+            <a:lvl3pPr marL="914400" indent="0">
+              <a:buNone/>
+              <a:defRPr sz="2400"/>
+            </a:lvl3pPr>
+            <a:lvl4pPr marL="1371600" indent="0">
+              <a:buNone/>
+              <a:defRPr sz="2000"/>
+            </a:lvl4pPr>
+            <a:lvl5pPr marL="1828800" indent="0">
+              <a:buNone/>
+              <a:defRPr sz="2000"/>
+            </a:lvl5pPr>
+            <a:lvl6pPr marL="2286000" indent="0">
+              <a:buNone/>
+              <a:defRPr sz="2000"/>
+            </a:lvl6pPr>
+            <a:lvl7pPr marL="2743200" indent="0">
+              <a:buNone/>
+              <a:defRPr sz="2000"/>
+            </a:lvl7pPr>
+            <a:lvl8pPr marL="3200400" indent="0">
+              <a:buNone/>
+              <a:defRPr sz="2000"/>
+            </a:lvl8pPr>
+            <a:lvl9pPr marL="3657600" indent="0">
+              <a:buNone/>
+              <a:defRPr sz="2000"/>
+            </a:lvl9pPr>
+          </a:lstStyle>
+          <a:p>
+            <a:r>
+              <a:rPr lang="ja-JP" altLang="en-US"/>
+              <a:t>アイコンをクリックして図を追加</a:t>
+            </a:r>
+            <a:endParaRPr lang="en-US" dirty="0"/>
+          </a:p>
+        </p:txBody>
+      </p:sp>
+      <p:sp>
+        <p:nvSpPr>
+          <p:cNvPr id="4" name="Text Placeholder 3"/>
+          <p:cNvSpPr>
+            <a:spLocks noGrp="1"/>
+          </p:cNvSpPr>
+          <p:nvPr>
+            <p:ph type="body" sz="half" idx="2"/>
+          </p:nvPr>
+        </p:nvSpPr>
+        <p:spPr>
+          <a:xfrm>
+            <a:off x="839788" y="2057400"/>
+            <a:ext cx="3932237" cy="3811588"/>
           </a:xfrm>
         </p:spPr>
         <p:txBody>
@@ -2803,73 +2559,6 @@
           <a:lstStyle>
             <a:lvl1pPr marL="0" indent="0">
               <a:buNone/>
-              <a:defRPr sz="3200"/>
-            </a:lvl1pPr>
-            <a:lvl2pPr marL="457200" indent="0">
-              <a:buNone/>
-              <a:defRPr sz="2800"/>
-            </a:lvl2pPr>
-            <a:lvl3pPr marL="914400" indent="0">
-              <a:buNone/>
-              <a:defRPr sz="2400"/>
-            </a:lvl3pPr>
-            <a:lvl4pPr marL="1371600" indent="0">
-              <a:buNone/>
-              <a:defRPr sz="2000"/>
-            </a:lvl4pPr>
-            <a:lvl5pPr marL="1828800" indent="0">
-              <a:buNone/>
-              <a:defRPr sz="2000"/>
-            </a:lvl5pPr>
-            <a:lvl6pPr marL="2286000" indent="0">
-              <a:buNone/>
-              <a:defRPr sz="2000"/>
-            </a:lvl6pPr>
-            <a:lvl7pPr marL="2743200" indent="0">
-              <a:buNone/>
-              <a:defRPr sz="2000"/>
-            </a:lvl7pPr>
-            <a:lvl8pPr marL="3200400" indent="0">
-              <a:buNone/>
-              <a:defRPr sz="2000"/>
-            </a:lvl8pPr>
-            <a:lvl9pPr marL="3657600" indent="0">
-              <a:buNone/>
-              <a:defRPr sz="2000"/>
-            </a:lvl9pPr>
-          </a:lstStyle>
-          <a:p>
-            <a:endParaRPr kumimoji="1" lang="ja-JP" altLang="en-US"/>
-          </a:p>
-        </p:txBody>
-      </p:sp>
-      <p:sp>
-        <p:nvSpPr>
-          <p:cNvPr id="4" name="テキスト プレースホルダー 3">
-            <a:extLst>
-              <a:ext uri="{FF2B5EF4-FFF2-40B4-BE49-F238E27FC236}">
-                <a16:creationId xmlns:a16="http://schemas.microsoft.com/office/drawing/2014/main" id="{C7480445-5168-40B5-ABFE-461FF3C35C05}"/>
-              </a:ext>
-            </a:extLst>
-          </p:cNvPr>
-          <p:cNvSpPr>
-            <a:spLocks noGrp="1"/>
-          </p:cNvSpPr>
-          <p:nvPr>
-            <p:ph type="body" sz="half" idx="2"/>
-          </p:nvPr>
-        </p:nvSpPr>
-        <p:spPr>
-          <a:xfrm>
-            <a:off x="629841" y="2057400"/>
-            <a:ext cx="2949178" cy="3811588"/>
-          </a:xfrm>
-        </p:spPr>
-        <p:txBody>
-          <a:bodyPr/>
-          <a:lstStyle>
-            <a:lvl1pPr marL="0" indent="0">
-              <a:buNone/>
               <a:defRPr sz="1600"/>
             </a:lvl1pPr>
             <a:lvl2pPr marL="457200" indent="0">
@@ -2908,7 +2597,7 @@
           <a:p>
             <a:pPr lvl="0"/>
             <a:r>
-              <a:rPr kumimoji="1" lang="ja-JP" altLang="en-US"/>
+              <a:rPr lang="ja-JP" altLang="en-US"/>
               <a:t>マスター テキストの書式設定</a:t>
             </a:r>
           </a:p>
@@ -2916,13 +2605,7 @@
       </p:sp>
       <p:sp>
         <p:nvSpPr>
-          <p:cNvPr id="5" name="日付プレースホルダー 4">
-            <a:extLst>
-              <a:ext uri="{FF2B5EF4-FFF2-40B4-BE49-F238E27FC236}">
-                <a16:creationId xmlns:a16="http://schemas.microsoft.com/office/drawing/2014/main" id="{521ECF7E-BD91-4A78-BA11-C7AA653C7969}"/>
-              </a:ext>
-            </a:extLst>
-          </p:cNvPr>
+          <p:cNvPr id="5" name="Date Placeholder 4"/>
           <p:cNvSpPr>
             <a:spLocks noGrp="1"/>
           </p:cNvSpPr>
@@ -2937,7 +2620,7 @@
           <a:p>
             <a:fld id="{BCC3470B-979D-4AC3-9CEF-E2615858CE2E}" type="datetimeFigureOut">
               <a:rPr kumimoji="1" lang="ja-JP" altLang="en-US" smtClean="0"/>
-              <a:t>2017/9/9</a:t>
+              <a:t>2023/8/25</a:t>
             </a:fld>
             <a:endParaRPr kumimoji="1" lang="ja-JP" altLang="en-US"/>
           </a:p>
@@ -2945,13 +2628,7 @@
       </p:sp>
       <p:sp>
         <p:nvSpPr>
-          <p:cNvPr id="6" name="フッター プレースホルダー 5">
-            <a:extLst>
-              <a:ext uri="{FF2B5EF4-FFF2-40B4-BE49-F238E27FC236}">
-                <a16:creationId xmlns:a16="http://schemas.microsoft.com/office/drawing/2014/main" id="{837EC663-4A4A-43E3-884F-DFCBF1673EEA}"/>
-              </a:ext>
-            </a:extLst>
-          </p:cNvPr>
+          <p:cNvPr id="6" name="Footer Placeholder 5"/>
           <p:cNvSpPr>
             <a:spLocks noGrp="1"/>
           </p:cNvSpPr>
@@ -2970,13 +2647,7 @@
       </p:sp>
       <p:sp>
         <p:nvSpPr>
-          <p:cNvPr id="7" name="スライド番号プレースホルダー 6">
-            <a:extLst>
-              <a:ext uri="{FF2B5EF4-FFF2-40B4-BE49-F238E27FC236}">
-                <a16:creationId xmlns:a16="http://schemas.microsoft.com/office/drawing/2014/main" id="{C39F6F37-892C-4014-A0C6-77EF3492C846}"/>
-              </a:ext>
-            </a:extLst>
-          </p:cNvPr>
+          <p:cNvPr id="7" name="Slide Number Placeholder 6"/>
           <p:cNvSpPr>
             <a:spLocks noGrp="1"/>
           </p:cNvSpPr>
@@ -3000,7 +2671,7 @@
     </p:spTree>
     <p:extLst>
       <p:ext uri="{BB962C8B-B14F-4D97-AF65-F5344CB8AC3E}">
-        <p14:creationId xmlns:p14="http://schemas.microsoft.com/office/powerpoint/2010/main" val="764307389"/>
+        <p14:creationId xmlns:p14="http://schemas.microsoft.com/office/powerpoint/2010/main" val="4111446665"/>
       </p:ext>
     </p:extLst>
   </p:cSld>
@@ -3034,13 +2705,7 @@
       </p:grpSpPr>
       <p:sp>
         <p:nvSpPr>
-          <p:cNvPr id="2" name="タイトル プレースホルダー 1">
-            <a:extLst>
-              <a:ext uri="{FF2B5EF4-FFF2-40B4-BE49-F238E27FC236}">
-                <a16:creationId xmlns:a16="http://schemas.microsoft.com/office/drawing/2014/main" id="{DB27D74D-F45C-4C91-B82A-E0A4952D99BC}"/>
-              </a:ext>
-            </a:extLst>
-          </p:cNvPr>
+          <p:cNvPr id="2" name="Title Placeholder 1"/>
           <p:cNvSpPr>
             <a:spLocks noGrp="1"/>
           </p:cNvSpPr>
@@ -3050,8 +2715,8 @@
         </p:nvSpPr>
         <p:spPr>
           <a:xfrm>
-            <a:off x="628650" y="365126"/>
-            <a:ext cx="7886700" cy="1325563"/>
+            <a:off x="838200" y="365125"/>
+            <a:ext cx="10515600" cy="1325563"/>
           </a:xfrm>
           <a:prstGeom prst="rect">
             <a:avLst/>
@@ -3064,21 +2729,16 @@
           <a:lstStyle/>
           <a:p>
             <a:r>
-              <a:rPr kumimoji="1" lang="ja-JP" altLang="en-US"/>
+              <a:rPr lang="ja-JP" altLang="en-US"/>
               <a:t>マスター タイトルの書式設定</a:t>
             </a:r>
-          </a:p>
-        </p:txBody>
-      </p:sp>
-      <p:sp>
-        <p:nvSpPr>
-          <p:cNvPr id="3" name="テキスト プレースホルダー 2">
-            <a:extLst>
-              <a:ext uri="{FF2B5EF4-FFF2-40B4-BE49-F238E27FC236}">
-                <a16:creationId xmlns:a16="http://schemas.microsoft.com/office/drawing/2014/main" id="{C0B8D245-CCE6-404F-82D7-72BA357D8D7E}"/>
-              </a:ext>
-            </a:extLst>
-          </p:cNvPr>
+            <a:endParaRPr lang="en-US" dirty="0"/>
+          </a:p>
+        </p:txBody>
+      </p:sp>
+      <p:sp>
+        <p:nvSpPr>
+          <p:cNvPr id="3" name="Text Placeholder 2"/>
           <p:cNvSpPr>
             <a:spLocks noGrp="1"/>
           </p:cNvSpPr>
@@ -3088,8 +2748,8 @@
         </p:nvSpPr>
         <p:spPr>
           <a:xfrm>
-            <a:off x="628650" y="1825625"/>
-            <a:ext cx="7886700" cy="4351338"/>
+            <a:off x="838200" y="1825625"/>
+            <a:ext cx="10515600" cy="4351338"/>
           </a:xfrm>
           <a:prstGeom prst="rect">
             <a:avLst/>
@@ -3103,81 +2763,76 @@
           <a:p>
             <a:pPr lvl="0"/>
             <a:r>
-              <a:rPr kumimoji="1" lang="ja-JP" altLang="en-US"/>
+              <a:rPr lang="ja-JP" altLang="en-US"/>
               <a:t>マスター テキストの書式設定</a:t>
             </a:r>
           </a:p>
           <a:p>
             <a:pPr lvl="1"/>
             <a:r>
-              <a:rPr kumimoji="1" lang="ja-JP" altLang="en-US"/>
+              <a:rPr lang="ja-JP" altLang="en-US"/>
               <a:t>第 </a:t>
             </a:r>
             <a:r>
-              <a:rPr kumimoji="1" lang="en-US" altLang="ja-JP"/>
+              <a:rPr lang="en-US" altLang="ja-JP"/>
               <a:t>2 </a:t>
             </a:r>
             <a:r>
-              <a:rPr kumimoji="1" lang="ja-JP" altLang="en-US"/>
+              <a:rPr lang="ja-JP" altLang="en-US"/>
               <a:t>レベル</a:t>
             </a:r>
           </a:p>
           <a:p>
             <a:pPr lvl="2"/>
             <a:r>
-              <a:rPr kumimoji="1" lang="ja-JP" altLang="en-US"/>
+              <a:rPr lang="ja-JP" altLang="en-US"/>
               <a:t>第 </a:t>
             </a:r>
             <a:r>
-              <a:rPr kumimoji="1" lang="en-US" altLang="ja-JP"/>
+              <a:rPr lang="en-US" altLang="ja-JP"/>
               <a:t>3 </a:t>
             </a:r>
             <a:r>
-              <a:rPr kumimoji="1" lang="ja-JP" altLang="en-US"/>
+              <a:rPr lang="ja-JP" altLang="en-US"/>
               <a:t>レベル</a:t>
             </a:r>
           </a:p>
           <a:p>
             <a:pPr lvl="3"/>
             <a:r>
-              <a:rPr kumimoji="1" lang="ja-JP" altLang="en-US"/>
+              <a:rPr lang="ja-JP" altLang="en-US"/>
               <a:t>第 </a:t>
             </a:r>
             <a:r>
-              <a:rPr kumimoji="1" lang="en-US" altLang="ja-JP"/>
+              <a:rPr lang="en-US" altLang="ja-JP"/>
               <a:t>4 </a:t>
             </a:r>
             <a:r>
-              <a:rPr kumimoji="1" lang="ja-JP" altLang="en-US"/>
+              <a:rPr lang="ja-JP" altLang="en-US"/>
               <a:t>レベル</a:t>
             </a:r>
           </a:p>
           <a:p>
             <a:pPr lvl="4"/>
             <a:r>
-              <a:rPr kumimoji="1" lang="ja-JP" altLang="en-US"/>
+              <a:rPr lang="ja-JP" altLang="en-US"/>
               <a:t>第 </a:t>
             </a:r>
             <a:r>
-              <a:rPr kumimoji="1" lang="en-US" altLang="ja-JP"/>
+              <a:rPr lang="en-US" altLang="ja-JP"/>
               <a:t>5 </a:t>
             </a:r>
             <a:r>
-              <a:rPr kumimoji="1" lang="ja-JP" altLang="en-US"/>
+              <a:rPr lang="ja-JP" altLang="en-US"/>
               <a:t>レベル</a:t>
             </a:r>
-          </a:p>
-        </p:txBody>
-      </p:sp>
-      <p:sp>
-        <p:nvSpPr>
-          <p:cNvPr id="4" name="日付プレースホルダー 3">
-            <a:extLst>
-              <a:ext uri="{FF2B5EF4-FFF2-40B4-BE49-F238E27FC236}">
-                <a16:creationId xmlns:a16="http://schemas.microsoft.com/office/drawing/2014/main" id="{70295F89-3A91-48EB-9192-772ADF1B5864}"/>
-              </a:ext>
-            </a:extLst>
-          </p:cNvPr>
+            <a:endParaRPr lang="en-US" dirty="0"/>
+          </a:p>
+        </p:txBody>
+      </p:sp>
+      <p:sp>
+        <p:nvSpPr>
+          <p:cNvPr id="4" name="Date Placeholder 3"/>
           <p:cNvSpPr>
             <a:spLocks noGrp="1"/>
           </p:cNvSpPr>
@@ -3187,8 +2842,8 @@
         </p:nvSpPr>
         <p:spPr>
           <a:xfrm>
-            <a:off x="628650" y="6356351"/>
-            <a:ext cx="2057400" cy="365125"/>
+            <a:off x="838200" y="6356350"/>
+            <a:ext cx="2743200" cy="365125"/>
           </a:xfrm>
           <a:prstGeom prst="rect">
             <a:avLst/>
@@ -3210,7 +2865,7 @@
           <a:p>
             <a:fld id="{BCC3470B-979D-4AC3-9CEF-E2615858CE2E}" type="datetimeFigureOut">
               <a:rPr kumimoji="1" lang="ja-JP" altLang="en-US" smtClean="0"/>
-              <a:t>2017/9/9</a:t>
+              <a:t>2023/8/25</a:t>
             </a:fld>
             <a:endParaRPr kumimoji="1" lang="ja-JP" altLang="en-US"/>
           </a:p>
@@ -3218,13 +2873,7 @@
       </p:sp>
       <p:sp>
         <p:nvSpPr>
-          <p:cNvPr id="5" name="フッター プレースホルダー 4">
-            <a:extLst>
-              <a:ext uri="{FF2B5EF4-FFF2-40B4-BE49-F238E27FC236}">
-                <a16:creationId xmlns:a16="http://schemas.microsoft.com/office/drawing/2014/main" id="{E47E0B0A-84E7-454B-8F60-7C126E1EDC76}"/>
-              </a:ext>
-            </a:extLst>
-          </p:cNvPr>
+          <p:cNvPr id="5" name="Footer Placeholder 4"/>
           <p:cNvSpPr>
             <a:spLocks noGrp="1"/>
           </p:cNvSpPr>
@@ -3234,8 +2883,8 @@
         </p:nvSpPr>
         <p:spPr>
           <a:xfrm>
-            <a:off x="3028950" y="6356351"/>
-            <a:ext cx="3086100" cy="365125"/>
+            <a:off x="4038600" y="6356350"/>
+            <a:ext cx="4114800" cy="365125"/>
           </a:xfrm>
           <a:prstGeom prst="rect">
             <a:avLst/>
@@ -3261,13 +2910,7 @@
       </p:sp>
       <p:sp>
         <p:nvSpPr>
-          <p:cNvPr id="6" name="スライド番号プレースホルダー 5">
-            <a:extLst>
-              <a:ext uri="{FF2B5EF4-FFF2-40B4-BE49-F238E27FC236}">
-                <a16:creationId xmlns:a16="http://schemas.microsoft.com/office/drawing/2014/main" id="{84A3534F-9767-433C-9943-7509C1C58129}"/>
-              </a:ext>
-            </a:extLst>
-          </p:cNvPr>
+          <p:cNvPr id="6" name="Slide Number Placeholder 5"/>
           <p:cNvSpPr>
             <a:spLocks noGrp="1"/>
           </p:cNvSpPr>
@@ -3277,8 +2920,8 @@
         </p:nvSpPr>
         <p:spPr>
           <a:xfrm>
-            <a:off x="6457950" y="6356351"/>
-            <a:ext cx="2057400" cy="365125"/>
+            <a:off x="8610600" y="6356350"/>
+            <a:ext cx="2743200" cy="365125"/>
           </a:xfrm>
           <a:prstGeom prst="rect">
             <a:avLst/>
@@ -3309,23 +2952,23 @@
     </p:spTree>
     <p:extLst>
       <p:ext uri="{BB962C8B-B14F-4D97-AF65-F5344CB8AC3E}">
-        <p14:creationId xmlns:p14="http://schemas.microsoft.com/office/powerpoint/2010/main" val="554696255"/>
+        <p14:creationId xmlns:p14="http://schemas.microsoft.com/office/powerpoint/2010/main" val="2352307116"/>
       </p:ext>
     </p:extLst>
   </p:cSld>
   <p:clrMap bg1="lt1" tx1="dk1" bg2="lt2" tx2="dk2" accent1="accent1" accent2="accent2" accent3="accent3" accent4="accent4" accent5="accent5" accent6="accent6" hlink="hlink" folHlink="folHlink"/>
   <p:sldLayoutIdLst>
-    <p:sldLayoutId id="2147483649" r:id="rId1"/>
-    <p:sldLayoutId id="2147483650" r:id="rId2"/>
-    <p:sldLayoutId id="2147483651" r:id="rId3"/>
-    <p:sldLayoutId id="2147483652" r:id="rId4"/>
-    <p:sldLayoutId id="2147483653" r:id="rId5"/>
-    <p:sldLayoutId id="2147483654" r:id="rId6"/>
-    <p:sldLayoutId id="2147483655" r:id="rId7"/>
-    <p:sldLayoutId id="2147483656" r:id="rId8"/>
-    <p:sldLayoutId id="2147483657" r:id="rId9"/>
-    <p:sldLayoutId id="2147483658" r:id="rId10"/>
-    <p:sldLayoutId id="2147483659" r:id="rId11"/>
+    <p:sldLayoutId id="2147483661" r:id="rId1"/>
+    <p:sldLayoutId id="2147483662" r:id="rId2"/>
+    <p:sldLayoutId id="2147483663" r:id="rId3"/>
+    <p:sldLayoutId id="2147483664" r:id="rId4"/>
+    <p:sldLayoutId id="2147483665" r:id="rId5"/>
+    <p:sldLayoutId id="2147483666" r:id="rId6"/>
+    <p:sldLayoutId id="2147483667" r:id="rId7"/>
+    <p:sldLayoutId id="2147483668" r:id="rId8"/>
+    <p:sldLayoutId id="2147483669" r:id="rId9"/>
+    <p:sldLayoutId id="2147483670" r:id="rId10"/>
+    <p:sldLayoutId id="2147483671" r:id="rId11"/>
   </p:sldLayoutIdLst>
   <p:txStyles>
     <p:titleStyle>
@@ -3337,7 +2980,7 @@
           <a:spcPct val="0"/>
         </a:spcBef>
         <a:buNone/>
-        <a:defRPr kumimoji="1" sz="4400" kern="1200">
+        <a:defRPr sz="4400" kern="1200">
           <a:solidFill>
             <a:schemeClr val="tx1"/>
           </a:solidFill>
@@ -3357,7 +3000,7 @@
         </a:spcBef>
         <a:buFont typeface="Arial" panose="020B0604020202020204" pitchFamily="34" charset="0"/>
         <a:buChar char="•"/>
-        <a:defRPr kumimoji="1" sz="2800" kern="1200">
+        <a:defRPr sz="2800" kern="1200">
           <a:solidFill>
             <a:schemeClr val="tx1"/>
           </a:solidFill>
@@ -3375,7 +3018,7 @@
         </a:spcBef>
         <a:buFont typeface="Arial" panose="020B0604020202020204" pitchFamily="34" charset="0"/>
         <a:buChar char="•"/>
-        <a:defRPr kumimoji="1" sz="2400" kern="1200">
+        <a:defRPr sz="2400" kern="1200">
           <a:solidFill>
             <a:schemeClr val="tx1"/>
           </a:solidFill>
@@ -3393,7 +3036,7 @@
         </a:spcBef>
         <a:buFont typeface="Arial" panose="020B0604020202020204" pitchFamily="34" charset="0"/>
         <a:buChar char="•"/>
-        <a:defRPr kumimoji="1" sz="2000" kern="1200">
+        <a:defRPr sz="2000" kern="1200">
           <a:solidFill>
             <a:schemeClr val="tx1"/>
           </a:solidFill>
@@ -3411,7 +3054,7 @@
         </a:spcBef>
         <a:buFont typeface="Arial" panose="020B0604020202020204" pitchFamily="34" charset="0"/>
         <a:buChar char="•"/>
-        <a:defRPr kumimoji="1" sz="1800" kern="1200">
+        <a:defRPr sz="1800" kern="1200">
           <a:solidFill>
             <a:schemeClr val="tx1"/>
           </a:solidFill>
@@ -3429,7 +3072,7 @@
         </a:spcBef>
         <a:buFont typeface="Arial" panose="020B0604020202020204" pitchFamily="34" charset="0"/>
         <a:buChar char="•"/>
-        <a:defRPr kumimoji="1" sz="1800" kern="1200">
+        <a:defRPr sz="1800" kern="1200">
           <a:solidFill>
             <a:schemeClr val="tx1"/>
           </a:solidFill>
@@ -3447,7 +3090,7 @@
         </a:spcBef>
         <a:buFont typeface="Arial" panose="020B0604020202020204" pitchFamily="34" charset="0"/>
         <a:buChar char="•"/>
-        <a:defRPr kumimoji="1" sz="1800" kern="1200">
+        <a:defRPr sz="1800" kern="1200">
           <a:solidFill>
             <a:schemeClr val="tx1"/>
           </a:solidFill>
@@ -3465,7 +3108,7 @@
         </a:spcBef>
         <a:buFont typeface="Arial" panose="020B0604020202020204" pitchFamily="34" charset="0"/>
         <a:buChar char="•"/>
-        <a:defRPr kumimoji="1" sz="1800" kern="1200">
+        <a:defRPr sz="1800" kern="1200">
           <a:solidFill>
             <a:schemeClr val="tx1"/>
           </a:solidFill>
@@ -3483,7 +3126,7 @@
         </a:spcBef>
         <a:buFont typeface="Arial" panose="020B0604020202020204" pitchFamily="34" charset="0"/>
         <a:buChar char="•"/>
-        <a:defRPr kumimoji="1" sz="1800" kern="1200">
+        <a:defRPr sz="1800" kern="1200">
           <a:solidFill>
             <a:schemeClr val="tx1"/>
           </a:solidFill>
@@ -3501,7 +3144,7 @@
         </a:spcBef>
         <a:buFont typeface="Arial" panose="020B0604020202020204" pitchFamily="34" charset="0"/>
         <a:buChar char="•"/>
-        <a:defRPr kumimoji="1" sz="1800" kern="1200">
+        <a:defRPr sz="1800" kern="1200">
           <a:solidFill>
             <a:schemeClr val="tx1"/>
           </a:solidFill>
@@ -3513,10 +3156,10 @@
     </p:bodyStyle>
     <p:otherStyle>
       <a:defPPr>
-        <a:defRPr lang="ja-JP"/>
+        <a:defRPr lang="en-US"/>
       </a:defPPr>
       <a:lvl1pPr marL="0" algn="l" defTabSz="914400" rtl="0" eaLnBrk="1" latinLnBrk="0" hangingPunct="1">
-        <a:defRPr kumimoji="1" sz="1800" kern="1200">
+        <a:defRPr sz="1800" kern="1200">
           <a:solidFill>
             <a:schemeClr val="tx1"/>
           </a:solidFill>
@@ -3526,7 +3169,7 @@
         </a:defRPr>
       </a:lvl1pPr>
       <a:lvl2pPr marL="457200" algn="l" defTabSz="914400" rtl="0" eaLnBrk="1" latinLnBrk="0" hangingPunct="1">
-        <a:defRPr kumimoji="1" sz="1800" kern="1200">
+        <a:defRPr sz="1800" kern="1200">
           <a:solidFill>
             <a:schemeClr val="tx1"/>
           </a:solidFill>
@@ -3536,7 +3179,7 @@
         </a:defRPr>
       </a:lvl2pPr>
       <a:lvl3pPr marL="914400" algn="l" defTabSz="914400" rtl="0" eaLnBrk="1" latinLnBrk="0" hangingPunct="1">
-        <a:defRPr kumimoji="1" sz="1800" kern="1200">
+        <a:defRPr sz="1800" kern="1200">
           <a:solidFill>
             <a:schemeClr val="tx1"/>
           </a:solidFill>
@@ -3546,7 +3189,7 @@
         </a:defRPr>
       </a:lvl3pPr>
       <a:lvl4pPr marL="1371600" algn="l" defTabSz="914400" rtl="0" eaLnBrk="1" latinLnBrk="0" hangingPunct="1">
-        <a:defRPr kumimoji="1" sz="1800" kern="1200">
+        <a:defRPr sz="1800" kern="1200">
           <a:solidFill>
             <a:schemeClr val="tx1"/>
           </a:solidFill>
@@ -3556,7 +3199,7 @@
         </a:defRPr>
       </a:lvl4pPr>
       <a:lvl5pPr marL="1828800" algn="l" defTabSz="914400" rtl="0" eaLnBrk="1" latinLnBrk="0" hangingPunct="1">
-        <a:defRPr kumimoji="1" sz="1800" kern="1200">
+        <a:defRPr sz="1800" kern="1200">
           <a:solidFill>
             <a:schemeClr val="tx1"/>
           </a:solidFill>
@@ -3566,7 +3209,7 @@
         </a:defRPr>
       </a:lvl5pPr>
       <a:lvl6pPr marL="2286000" algn="l" defTabSz="914400" rtl="0" eaLnBrk="1" latinLnBrk="0" hangingPunct="1">
-        <a:defRPr kumimoji="1" sz="1800" kern="1200">
+        <a:defRPr sz="1800" kern="1200">
           <a:solidFill>
             <a:schemeClr val="tx1"/>
           </a:solidFill>
@@ -3576,7 +3219,7 @@
         </a:defRPr>
       </a:lvl6pPr>
       <a:lvl7pPr marL="2743200" algn="l" defTabSz="914400" rtl="0" eaLnBrk="1" latinLnBrk="0" hangingPunct="1">
-        <a:defRPr kumimoji="1" sz="1800" kern="1200">
+        <a:defRPr sz="1800" kern="1200">
           <a:solidFill>
             <a:schemeClr val="tx1"/>
           </a:solidFill>
@@ -3586,7 +3229,7 @@
         </a:defRPr>
       </a:lvl7pPr>
       <a:lvl8pPr marL="3200400" algn="l" defTabSz="914400" rtl="0" eaLnBrk="1" latinLnBrk="0" hangingPunct="1">
-        <a:defRPr kumimoji="1" sz="1800" kern="1200">
+        <a:defRPr sz="1800" kern="1200">
           <a:solidFill>
             <a:schemeClr val="tx1"/>
           </a:solidFill>
@@ -3596,7 +3239,7 @@
         </a:defRPr>
       </a:lvl8pPr>
       <a:lvl9pPr marL="3657600" algn="l" defTabSz="914400" rtl="0" eaLnBrk="1" latinLnBrk="0" hangingPunct="1">
-        <a:defRPr kumimoji="1" sz="1800" kern="1200">
+        <a:defRPr sz="1800" kern="1200">
           <a:solidFill>
             <a:schemeClr val="tx1"/>
           </a:solidFill>
@@ -3627,12 +3270,48 @@
           <a:chExt cx="0" cy="0"/>
         </a:xfrm>
       </p:grpSpPr>
+      <p:pic>
+        <p:nvPicPr>
+          <p:cNvPr id="6" name="図 5">
+            <a:extLst>
+              <a:ext uri="{FF2B5EF4-FFF2-40B4-BE49-F238E27FC236}">
+                <a16:creationId xmlns:a16="http://schemas.microsoft.com/office/drawing/2014/main" id="{C0E7336F-69EB-3543-3F04-22F04F769621}"/>
+              </a:ext>
+            </a:extLst>
+          </p:cNvPr>
+          <p:cNvPicPr>
+            <a:picLocks noChangeAspect="1"/>
+          </p:cNvPicPr>
+          <p:nvPr/>
+        </p:nvPicPr>
+        <p:blipFill>
+          <a:blip r:embed="rId2">
+            <a:extLst>
+              <a:ext uri="{28A0092B-C50C-407E-A947-70E740481C1C}">
+                <a14:useLocalDpi xmlns:a14="http://schemas.microsoft.com/office/drawing/2010/main" val="0"/>
+              </a:ext>
+            </a:extLst>
+          </a:blip>
+          <a:stretch>
+            <a:fillRect/>
+          </a:stretch>
+        </p:blipFill>
+        <p:spPr>
+          <a:xfrm>
+            <a:off x="838200" y="892146"/>
+            <a:ext cx="6030773" cy="3171739"/>
+          </a:xfrm>
+          <a:prstGeom prst="rect">
+            <a:avLst/>
+          </a:prstGeom>
+        </p:spPr>
+      </p:pic>
       <p:sp>
         <p:nvSpPr>
           <p:cNvPr id="2" name="タイトル 1">
             <a:extLst>
               <a:ext uri="{FF2B5EF4-FFF2-40B4-BE49-F238E27FC236}">
-                <a16:creationId xmlns:a16="http://schemas.microsoft.com/office/drawing/2014/main" id="{6884715C-9165-483A-9401-1D235DC31BB2}"/>
+                <a16:creationId xmlns:a16="http://schemas.microsoft.com/office/drawing/2014/main" id="{F9A1451B-504E-4EAC-B7E4-07A4B7A2A9F5}"/>
               </a:ext>
             </a:extLst>
           </p:cNvPr>
@@ -3643,7 +3322,12 @@
             <p:ph type="title"/>
           </p:nvPr>
         </p:nvSpPr>
-        <p:spPr/>
+        <p:spPr>
+          <a:xfrm>
+            <a:off x="838200" y="365126"/>
+            <a:ext cx="10515600" cy="829494"/>
+          </a:xfrm>
+        </p:spPr>
         <p:txBody>
           <a:bodyPr>
             <a:normAutofit/>
@@ -3651,7 +3335,7 @@
           <a:lstStyle/>
           <a:p>
             <a:r>
-              <a:rPr lang="en-US" altLang="ja-JP">
+              <a:rPr lang="en-US" altLang="ja-JP" sz="4000" dirty="0">
                 <a:solidFill>
                   <a:schemeClr val="accent1"/>
                 </a:solidFill>
@@ -3661,7 +3345,7 @@
               <a:t>3.</a:t>
             </a:r>
             <a:r>
-              <a:rPr lang="ja-JP" altLang="en-US">
+              <a:rPr lang="ja-JP" altLang="en-US" sz="4000" dirty="0">
                 <a:solidFill>
                   <a:schemeClr val="accent1"/>
                 </a:solidFill>
@@ -3671,7 +3355,7 @@
               <a:t> </a:t>
             </a:r>
             <a:r>
-              <a:rPr kumimoji="1" lang="ja-JP" altLang="en-US">
+              <a:rPr kumimoji="1" lang="ja-JP" altLang="en-US" sz="4000" dirty="0">
                 <a:solidFill>
                   <a:schemeClr val="accent1"/>
                 </a:solidFill>
@@ -3680,18 +3364,159 @@
               </a:rPr>
               <a:t>統計的パターン認識</a:t>
             </a:r>
-          </a:p>
-        </p:txBody>
-      </p:sp>
-      <p:sp>
-        <p:nvSpPr>
-          <p:cNvPr id="3" name="コンテンツ プレースホルダー 2">
+            <a:endParaRPr lang="ja-JP" altLang="en-US" sz="4000" dirty="0">
+              <a:solidFill>
+                <a:schemeClr val="accent1"/>
+              </a:solidFill>
+              <a:latin typeface="メイリオ" panose="020B0604030504040204" pitchFamily="50" charset="-128"/>
+              <a:ea typeface="メイリオ" panose="020B0604030504040204" pitchFamily="50" charset="-128"/>
+            </a:endParaRPr>
+          </a:p>
+        </p:txBody>
+      </p:sp>
+      <p:sp>
+        <p:nvSpPr>
+          <p:cNvPr id="5" name="テキスト ボックス 4">
             <a:extLst>
               <a:ext uri="{FF2B5EF4-FFF2-40B4-BE49-F238E27FC236}">
-                <a16:creationId xmlns:a16="http://schemas.microsoft.com/office/drawing/2014/main" id="{91CFC393-CB3A-4852-85F8-B850944514E8}"/>
+                <a16:creationId xmlns:a16="http://schemas.microsoft.com/office/drawing/2014/main" id="{E979BD5E-4176-A88C-DBED-0029D8B05292}"/>
               </a:ext>
             </a:extLst>
           </p:cNvPr>
+          <p:cNvSpPr txBox="1"/>
+          <p:nvPr/>
+        </p:nvSpPr>
+        <p:spPr>
+          <a:xfrm>
+            <a:off x="7453506" y="5211575"/>
+            <a:ext cx="4559053" cy="1077218"/>
+          </a:xfrm>
+          <a:prstGeom prst="rect">
+            <a:avLst/>
+          </a:prstGeom>
+          <a:noFill/>
+        </p:spPr>
+        <p:txBody>
+          <a:bodyPr wrap="square" rtlCol="0">
+            <a:spAutoFit/>
+          </a:bodyPr>
+          <a:lstStyle/>
+          <a:p>
+            <a:pPr marL="285750" indent="-285750">
+              <a:spcBef>
+                <a:spcPts val="600"/>
+              </a:spcBef>
+              <a:buFont typeface="Arial" panose="020B0604020202020204" pitchFamily="34" charset="0"/>
+              <a:buChar char="•"/>
+            </a:pPr>
+            <a:r>
+              <a:rPr lang="ja-JP" altLang="en-US" dirty="0"/>
+              <a:t>荒木雅弘</a:t>
+            </a:r>
+            <a:r>
+              <a:rPr lang="en-US" altLang="ja-JP" dirty="0"/>
+              <a:t> :『</a:t>
+            </a:r>
+            <a:r>
+              <a:rPr lang="ja-JP" altLang="en-US" dirty="0"/>
+              <a:t>イラストで学ぶ音声認識</a:t>
+            </a:r>
+            <a:r>
+              <a:rPr lang="en-US" altLang="ja-JP" dirty="0"/>
+              <a:t>』</a:t>
+            </a:r>
+          </a:p>
+          <a:p>
+            <a:pPr>
+              <a:spcBef>
+                <a:spcPts val="600"/>
+              </a:spcBef>
+            </a:pPr>
+            <a:r>
+              <a:rPr lang="ja-JP" altLang="en-US" dirty="0"/>
+              <a:t>　（講談社</a:t>
+            </a:r>
+            <a:r>
+              <a:rPr lang="en-US" altLang="ja-JP" dirty="0"/>
+              <a:t>,</a:t>
+            </a:r>
+            <a:r>
+              <a:rPr lang="ja-JP" altLang="en-US" dirty="0"/>
+              <a:t> </a:t>
+            </a:r>
+            <a:r>
+              <a:rPr lang="en-US" altLang="ja-JP" dirty="0"/>
+              <a:t>2015</a:t>
+            </a:r>
+            <a:r>
+              <a:rPr lang="ja-JP" altLang="en-US" dirty="0"/>
+              <a:t>年）</a:t>
+            </a:r>
+            <a:endParaRPr lang="en-US" altLang="ja-JP" dirty="0"/>
+          </a:p>
+          <a:p>
+            <a:pPr marL="285750" indent="-285750">
+              <a:spcBef>
+                <a:spcPts val="600"/>
+              </a:spcBef>
+              <a:buFont typeface="Arial" panose="020B0604020202020204" pitchFamily="34" charset="0"/>
+              <a:buChar char="•"/>
+            </a:pPr>
+            <a:r>
+              <a:rPr lang="ja-JP" altLang="en-US" dirty="0">
+                <a:hlinkClick r:id="rId3"/>
+              </a:rPr>
+              <a:t>サポートページ</a:t>
+            </a:r>
+            <a:endParaRPr lang="en-US" dirty="0"/>
+          </a:p>
+        </p:txBody>
+      </p:sp>
+      <p:pic>
+        <p:nvPicPr>
+          <p:cNvPr id="3" name="図 2">
+            <a:extLst>
+              <a:ext uri="{FF2B5EF4-FFF2-40B4-BE49-F238E27FC236}">
+                <a16:creationId xmlns:a16="http://schemas.microsoft.com/office/drawing/2014/main" id="{F7698FEA-6294-08A1-296D-5D1B60E2FCC4}"/>
+              </a:ext>
+            </a:extLst>
+          </p:cNvPr>
+          <p:cNvPicPr>
+            <a:picLocks noChangeAspect="1"/>
+          </p:cNvPicPr>
+          <p:nvPr/>
+        </p:nvPicPr>
+        <p:blipFill>
+          <a:blip r:embed="rId4">
+            <a:extLst>
+              <a:ext uri="{28A0092B-C50C-407E-A947-70E740481C1C}">
+                <a14:useLocalDpi xmlns:a14="http://schemas.microsoft.com/office/drawing/2010/main" val="0"/>
+              </a:ext>
+            </a:extLst>
+          </a:blip>
+          <a:stretch>
+            <a:fillRect/>
+          </a:stretch>
+        </p:blipFill>
+        <p:spPr>
+          <a:xfrm>
+            <a:off x="8366615" y="1053081"/>
+            <a:ext cx="2725188" cy="3867171"/>
+          </a:xfrm>
+          <a:prstGeom prst="rect">
+            <a:avLst/>
+          </a:prstGeom>
+        </p:spPr>
+      </p:pic>
+      <p:sp>
+        <p:nvSpPr>
+          <p:cNvPr id="7" name="コンテンツ プレースホルダー 2">
+            <a:extLst>
+              <a:ext uri="{FF2B5EF4-FFF2-40B4-BE49-F238E27FC236}">
+                <a16:creationId xmlns:a16="http://schemas.microsoft.com/office/drawing/2014/main" id="{1BBBF547-AFA4-E491-EC8F-36D566715F6A}"/>
+              </a:ext>
+            </a:extLst>
+          </p:cNvPr>
           <p:cNvSpPr>
             <a:spLocks noGrp="1"/>
           </p:cNvSpPr>
@@ -3699,14 +3524,19 @@
             <p:ph idx="1"/>
           </p:nvPr>
         </p:nvSpPr>
-        <p:spPr/>
+        <p:spPr>
+          <a:xfrm>
+            <a:off x="626971" y="4104606"/>
+            <a:ext cx="6692113" cy="2493704"/>
+          </a:xfrm>
+        </p:spPr>
         <p:txBody>
           <a:bodyPr>
             <a:normAutofit/>
           </a:bodyPr>
           <a:lstStyle/>
           <a:p>
-            <a:pPr marL="0" lvl="0" indent="0">
+            <a:pPr marL="0" indent="0">
               <a:lnSpc>
                 <a:spcPct val="100000"/>
               </a:lnSpc>
@@ -3719,26 +3549,26 @@
               <a:buNone/>
             </a:pPr>
             <a:r>
-              <a:rPr kumimoji="1" lang="en-US" altLang="ja-JP">
+              <a:rPr kumimoji="1" lang="en-US" altLang="ja-JP" sz="2400" dirty="0">
                 <a:latin typeface="メイリオ" panose="020B0604030504040204" pitchFamily="50" charset="-128"/>
                 <a:ea typeface="メイリオ" panose="020B0604030504040204" pitchFamily="50" charset="-128"/>
               </a:rPr>
               <a:t>3.1 </a:t>
             </a:r>
             <a:r>
-              <a:rPr kumimoji="1" lang="ja-JP" altLang="en-US">
+              <a:rPr kumimoji="1" lang="ja-JP" altLang="en-US" sz="2400" dirty="0">
                 <a:latin typeface="メイリオ" panose="020B0604030504040204" pitchFamily="50" charset="-128"/>
                 <a:ea typeface="メイリオ" panose="020B0604030504040204" pitchFamily="50" charset="-128"/>
               </a:rPr>
               <a:t>パターン認識とは</a:t>
             </a:r>
-            <a:endParaRPr kumimoji="1" lang="en-US" altLang="ja-JP">
+            <a:endParaRPr kumimoji="1" lang="en-US" altLang="ja-JP" sz="2400" dirty="0">
               <a:latin typeface="メイリオ" panose="020B0604030504040204" pitchFamily="50" charset="-128"/>
               <a:ea typeface="メイリオ" panose="020B0604030504040204" pitchFamily="50" charset="-128"/>
             </a:endParaRPr>
           </a:p>
           <a:p>
-            <a:pPr marL="0" lvl="0" indent="0">
+            <a:pPr marL="0" indent="0">
               <a:lnSpc>
                 <a:spcPct val="100000"/>
               </a:lnSpc>
@@ -3751,26 +3581,26 @@
               <a:buNone/>
             </a:pPr>
             <a:r>
-              <a:rPr kumimoji="1" lang="en-US" altLang="ja-JP">
+              <a:rPr kumimoji="1" lang="en-US" altLang="ja-JP" sz="2400" dirty="0">
                 <a:latin typeface="メイリオ" panose="020B0604030504040204" pitchFamily="50" charset="-128"/>
                 <a:ea typeface="メイリオ" panose="020B0604030504040204" pitchFamily="50" charset="-128"/>
               </a:rPr>
               <a:t>3.2 </a:t>
             </a:r>
             <a:r>
-              <a:rPr kumimoji="1" lang="ja-JP" altLang="en-US">
+              <a:rPr kumimoji="1" lang="ja-JP" altLang="en-US" sz="2400" dirty="0">
                 <a:latin typeface="メイリオ" panose="020B0604030504040204" pitchFamily="50" charset="-128"/>
                 <a:ea typeface="メイリオ" panose="020B0604030504040204" pitchFamily="50" charset="-128"/>
               </a:rPr>
               <a:t>統計的パターン認識の考え方</a:t>
             </a:r>
-            <a:endParaRPr kumimoji="1" lang="en-US" altLang="ja-JP">
+            <a:endParaRPr kumimoji="1" lang="en-US" altLang="ja-JP" sz="2400" dirty="0">
               <a:latin typeface="メイリオ" panose="020B0604030504040204" pitchFamily="50" charset="-128"/>
               <a:ea typeface="メイリオ" panose="020B0604030504040204" pitchFamily="50" charset="-128"/>
             </a:endParaRPr>
           </a:p>
           <a:p>
-            <a:pPr marL="0" lvl="0" indent="0">
+            <a:pPr marL="0" indent="0">
               <a:lnSpc>
                 <a:spcPct val="100000"/>
               </a:lnSpc>
@@ -3783,26 +3613,26 @@
               <a:buNone/>
             </a:pPr>
             <a:r>
-              <a:rPr kumimoji="1" lang="en-US" altLang="ja-JP">
+              <a:rPr kumimoji="1" lang="en-US" altLang="ja-JP" sz="2400" dirty="0">
                 <a:latin typeface="メイリオ" panose="020B0604030504040204" pitchFamily="50" charset="-128"/>
                 <a:ea typeface="メイリオ" panose="020B0604030504040204" pitchFamily="50" charset="-128"/>
               </a:rPr>
               <a:t>3.3 </a:t>
             </a:r>
             <a:r>
-              <a:rPr kumimoji="1" lang="ja-JP" altLang="en-US">
+              <a:rPr kumimoji="1" lang="ja-JP" altLang="en-US" sz="2400" dirty="0">
                 <a:latin typeface="メイリオ" panose="020B0604030504040204" pitchFamily="50" charset="-128"/>
                 <a:ea typeface="メイリオ" panose="020B0604030504040204" pitchFamily="50" charset="-128"/>
               </a:rPr>
               <a:t>生成モデルの学習</a:t>
             </a:r>
-            <a:endParaRPr kumimoji="1" lang="en-US" altLang="ja-JP">
+            <a:endParaRPr kumimoji="1" lang="en-US" altLang="ja-JP" sz="2400" dirty="0">
               <a:latin typeface="メイリオ" panose="020B0604030504040204" pitchFamily="50" charset="-128"/>
               <a:ea typeface="メイリオ" panose="020B0604030504040204" pitchFamily="50" charset="-128"/>
             </a:endParaRPr>
           </a:p>
           <a:p>
-            <a:pPr marL="0" lvl="0" indent="0">
+            <a:pPr marL="0" indent="0">
               <a:lnSpc>
                 <a:spcPct val="100000"/>
               </a:lnSpc>
@@ -3815,26 +3645,26 @@
               <a:buNone/>
             </a:pPr>
             <a:r>
-              <a:rPr kumimoji="1" lang="en-US" altLang="ja-JP">
+              <a:rPr kumimoji="1" lang="en-US" altLang="ja-JP" sz="2400" dirty="0">
                 <a:latin typeface="メイリオ" panose="020B0604030504040204" pitchFamily="50" charset="-128"/>
                 <a:ea typeface="メイリオ" panose="020B0604030504040204" pitchFamily="50" charset="-128"/>
               </a:rPr>
               <a:t>3.4 </a:t>
             </a:r>
             <a:r>
-              <a:rPr kumimoji="1" lang="ja-JP" altLang="en-US">
+              <a:rPr kumimoji="1" lang="ja-JP" altLang="en-US" sz="2400" dirty="0">
                 <a:latin typeface="メイリオ" panose="020B0604030504040204" pitchFamily="50" charset="-128"/>
                 <a:ea typeface="メイリオ" panose="020B0604030504040204" pitchFamily="50" charset="-128"/>
               </a:rPr>
               <a:t>識別モデルの学習</a:t>
             </a:r>
-            <a:endParaRPr kumimoji="1" lang="en-US" altLang="ja-JP">
+            <a:endParaRPr kumimoji="1" lang="en-US" altLang="ja-JP" sz="2400" dirty="0">
               <a:latin typeface="メイリオ" panose="020B0604030504040204" pitchFamily="50" charset="-128"/>
               <a:ea typeface="メイリオ" panose="020B0604030504040204" pitchFamily="50" charset="-128"/>
             </a:endParaRPr>
           </a:p>
           <a:p>
-            <a:pPr marL="0" lvl="0" indent="0">
+            <a:pPr marL="0" indent="0">
               <a:lnSpc>
                 <a:spcPct val="100000"/>
               </a:lnSpc>
@@ -3847,20 +3677,20 @@
               <a:buNone/>
             </a:pPr>
             <a:r>
-              <a:rPr kumimoji="1" lang="en-US" altLang="ja-JP">
+              <a:rPr kumimoji="1" lang="en-US" altLang="ja-JP" sz="2400" dirty="0">
                 <a:latin typeface="メイリオ" panose="020B0604030504040204" pitchFamily="50" charset="-128"/>
                 <a:ea typeface="メイリオ" panose="020B0604030504040204" pitchFamily="50" charset="-128"/>
               </a:rPr>
               <a:t>3.5 </a:t>
             </a:r>
             <a:r>
-              <a:rPr kumimoji="1" lang="ja-JP" altLang="en-US">
+              <a:rPr kumimoji="1" lang="ja-JP" altLang="en-US" sz="2400" dirty="0">
                 <a:latin typeface="メイリオ" panose="020B0604030504040204" pitchFamily="50" charset="-128"/>
                 <a:ea typeface="メイリオ" panose="020B0604030504040204" pitchFamily="50" charset="-128"/>
               </a:rPr>
               <a:t>統計的音声認識の概要</a:t>
             </a:r>
-            <a:endParaRPr lang="en-US" altLang="ja-JP">
+            <a:endParaRPr lang="en-US" altLang="ja-JP" sz="2400" dirty="0">
               <a:latin typeface="メイリオ" panose="020B0604030504040204" pitchFamily="50" charset="-128"/>
               <a:ea typeface="メイリオ" panose="020B0604030504040204" pitchFamily="50" charset="-128"/>
             </a:endParaRPr>
@@ -3870,7 +3700,7 @@
     </p:spTree>
     <p:extLst>
       <p:ext uri="{BB962C8B-B14F-4D97-AF65-F5344CB8AC3E}">
-        <p14:creationId xmlns:p14="http://schemas.microsoft.com/office/powerpoint/2010/main" val="2941153007"/>
+        <p14:creationId xmlns:p14="http://schemas.microsoft.com/office/powerpoint/2010/main" val="144594472"/>
       </p:ext>
     </p:extLst>
   </p:cSld>
@@ -3913,7 +3743,12 @@
             <p:ph type="title"/>
           </p:nvPr>
         </p:nvSpPr>
-        <p:spPr/>
+        <p:spPr>
+          <a:xfrm>
+            <a:off x="838200" y="365125"/>
+            <a:ext cx="10515600" cy="1083285"/>
+          </a:xfrm>
+        </p:spPr>
         <p:txBody>
           <a:bodyPr>
             <a:normAutofit/>
@@ -3921,7 +3756,7 @@
           <a:lstStyle/>
           <a:p>
             <a:r>
-              <a:rPr lang="en-US" altLang="ja-JP">
+              <a:rPr lang="en-US" altLang="ja-JP" dirty="0">
                 <a:solidFill>
                   <a:schemeClr val="accent1"/>
                 </a:solidFill>
@@ -3931,7 +3766,7 @@
               <a:t>3.5 </a:t>
             </a:r>
             <a:r>
-              <a:rPr lang="ja-JP" altLang="en-US">
+              <a:rPr lang="ja-JP" altLang="en-US" dirty="0">
                 <a:solidFill>
                   <a:schemeClr val="accent1"/>
                 </a:solidFill>
@@ -3940,7 +3775,7 @@
               </a:rPr>
               <a:t>統計的音声認識の概要</a:t>
             </a:r>
-            <a:endParaRPr kumimoji="1" lang="ja-JP" altLang="en-US">
+            <a:endParaRPr kumimoji="1" lang="ja-JP" altLang="en-US" dirty="0">
               <a:solidFill>
                 <a:schemeClr val="accent1"/>
               </a:solidFill>
@@ -3978,8 +3813,8 @@
         </p:blipFill>
         <p:spPr>
           <a:xfrm>
-            <a:off x="542791" y="1878041"/>
-            <a:ext cx="7972559" cy="4192975"/>
+            <a:off x="1540097" y="1332512"/>
+            <a:ext cx="8885790" cy="4673267"/>
           </a:xfrm>
           <a:prstGeom prst="rect">
             <a:avLst/>
@@ -4032,7 +3867,12 @@
             <p:ph type="title"/>
           </p:nvPr>
         </p:nvSpPr>
-        <p:spPr/>
+        <p:spPr>
+          <a:xfrm>
+            <a:off x="838200" y="365125"/>
+            <a:ext cx="10515600" cy="973557"/>
+          </a:xfrm>
+        </p:spPr>
         <p:txBody>
           <a:bodyPr>
             <a:normAutofit/>
@@ -4040,7 +3880,7 @@
           <a:lstStyle/>
           <a:p>
             <a:r>
-              <a:rPr kumimoji="1" lang="en-US" altLang="ja-JP">
+              <a:rPr kumimoji="1" lang="en-US" altLang="ja-JP" dirty="0">
                 <a:solidFill>
                   <a:schemeClr val="accent1"/>
                 </a:solidFill>
@@ -4050,7 +3890,7 @@
               <a:t>3.1 </a:t>
             </a:r>
             <a:r>
-              <a:rPr kumimoji="1" lang="ja-JP" altLang="en-US">
+              <a:rPr kumimoji="1" lang="ja-JP" altLang="en-US" dirty="0">
                 <a:solidFill>
                   <a:schemeClr val="accent1"/>
                 </a:solidFill>
@@ -4080,8 +3920,8 @@
         </p:nvSpPr>
         <p:spPr>
           <a:xfrm>
-            <a:off x="628650" y="1424066"/>
-            <a:ext cx="7886700" cy="4752897"/>
+            <a:off x="1126541" y="1424067"/>
+            <a:ext cx="10227259" cy="4752897"/>
           </a:xfrm>
         </p:spPr>
         <p:txBody>
@@ -4100,13 +3940,13 @@
               </a:spcAft>
             </a:pPr>
             <a:r>
-              <a:rPr kumimoji="1" lang="ja-JP" altLang="en-US">
+              <a:rPr kumimoji="1" lang="ja-JP" altLang="en-US" dirty="0">
                 <a:latin typeface="メイリオ" panose="020B0604030504040204" pitchFamily="50" charset="-128"/>
                 <a:ea typeface="メイリオ" panose="020B0604030504040204" pitchFamily="50" charset="-128"/>
               </a:rPr>
               <a:t>パターン認識の定義</a:t>
             </a:r>
-            <a:endParaRPr kumimoji="1" lang="en-US" altLang="ja-JP">
+            <a:endParaRPr kumimoji="1" lang="en-US" altLang="ja-JP" dirty="0">
               <a:latin typeface="メイリオ" panose="020B0604030504040204" pitchFamily="50" charset="-128"/>
               <a:ea typeface="メイリオ" panose="020B0604030504040204" pitchFamily="50" charset="-128"/>
             </a:endParaRPr>
@@ -4124,13 +3964,13 @@
               </a:spcAft>
             </a:pPr>
             <a:r>
-              <a:rPr lang="ja-JP" altLang="en-US">
+              <a:rPr lang="ja-JP" altLang="en-US" dirty="0">
                 <a:latin typeface="メイリオ" panose="020B0604030504040204" pitchFamily="50" charset="-128"/>
                 <a:ea typeface="メイリオ" panose="020B0604030504040204" pitchFamily="50" charset="-128"/>
               </a:rPr>
               <a:t>人間が五感によって知覚することができる信号を、予め持っている概念の一つに対応させる技術</a:t>
             </a:r>
-            <a:endParaRPr kumimoji="1" lang="en-US" altLang="ja-JP">
+            <a:endParaRPr kumimoji="1" lang="en-US" altLang="ja-JP" dirty="0">
               <a:latin typeface="メイリオ" panose="020B0604030504040204" pitchFamily="50" charset="-128"/>
               <a:ea typeface="メイリオ" panose="020B0604030504040204" pitchFamily="50" charset="-128"/>
             </a:endParaRPr>
@@ -4147,7 +3987,7 @@
                 <a:spcPts val="600"/>
               </a:spcAft>
             </a:pPr>
-            <a:endParaRPr kumimoji="1" lang="ja-JP" altLang="en-US">
+            <a:endParaRPr kumimoji="1" lang="ja-JP" altLang="en-US" dirty="0">
               <a:latin typeface="メイリオ" panose="020B0604030504040204" pitchFamily="50" charset="-128"/>
               <a:ea typeface="メイリオ" panose="020B0604030504040204" pitchFamily="50" charset="-128"/>
             </a:endParaRPr>
@@ -4182,7 +4022,7 @@
         </p:blipFill>
         <p:spPr>
           <a:xfrm>
-            <a:off x="1476904" y="2847077"/>
+            <a:off x="3000905" y="2847077"/>
             <a:ext cx="6520347" cy="3788404"/>
           </a:xfrm>
           <a:prstGeom prst="rect">
@@ -4238,7 +4078,7 @@
         </p:nvSpPr>
         <p:spPr>
           <a:xfrm>
-            <a:off x="628650" y="365127"/>
+            <a:off x="577747" y="365126"/>
             <a:ext cx="7886700" cy="961504"/>
           </a:xfrm>
         </p:spPr>
@@ -4249,7 +4089,7 @@
           <a:lstStyle/>
           <a:p>
             <a:r>
-              <a:rPr kumimoji="1" lang="en-US" altLang="ja-JP">
+              <a:rPr kumimoji="1" lang="en-US" altLang="ja-JP" dirty="0">
                 <a:solidFill>
                   <a:schemeClr val="accent1"/>
                 </a:solidFill>
@@ -4259,7 +4099,7 @@
               <a:t>3.1 </a:t>
             </a:r>
             <a:r>
-              <a:rPr kumimoji="1" lang="ja-JP" altLang="en-US">
+              <a:rPr kumimoji="1" lang="ja-JP" altLang="en-US" dirty="0">
                 <a:solidFill>
                   <a:schemeClr val="accent1"/>
                 </a:solidFill>
@@ -4289,8 +4129,8 @@
         </p:nvSpPr>
         <p:spPr>
           <a:xfrm>
-            <a:off x="628650" y="1326630"/>
-            <a:ext cx="7886700" cy="5044190"/>
+            <a:off x="811987" y="1326630"/>
+            <a:ext cx="10409530" cy="5044190"/>
           </a:xfrm>
         </p:spPr>
         <p:txBody>
@@ -4311,13 +4151,13 @@
               </a:spcAft>
             </a:pPr>
             <a:r>
-              <a:rPr kumimoji="1" lang="ja-JP" altLang="en-US">
+              <a:rPr kumimoji="1" lang="ja-JP" altLang="en-US" dirty="0">
                 <a:latin typeface="メイリオ" panose="020B0604030504040204" pitchFamily="50" charset="-128"/>
                 <a:ea typeface="メイリオ" panose="020B0604030504040204" pitchFamily="50" charset="-128"/>
               </a:rPr>
               <a:t>パターン認識の難しさの分類</a:t>
             </a:r>
-            <a:endParaRPr kumimoji="1" lang="en-US" altLang="ja-JP">
+            <a:endParaRPr kumimoji="1" lang="en-US" altLang="ja-JP" dirty="0">
               <a:latin typeface="メイリオ" panose="020B0604030504040204" pitchFamily="50" charset="-128"/>
               <a:ea typeface="メイリオ" panose="020B0604030504040204" pitchFamily="50" charset="-128"/>
             </a:endParaRPr>
@@ -4335,13 +4175,13 @@
               </a:spcAft>
             </a:pPr>
             <a:r>
-              <a:rPr kumimoji="1" lang="ja-JP" altLang="en-US">
+              <a:rPr kumimoji="1" lang="ja-JP" altLang="en-US" dirty="0">
                 <a:latin typeface="メイリオ" panose="020B0604030504040204" pitchFamily="50" charset="-128"/>
                 <a:ea typeface="メイリオ" panose="020B0604030504040204" pitchFamily="50" charset="-128"/>
               </a:rPr>
               <a:t>１入力１出力</a:t>
             </a:r>
-            <a:endParaRPr kumimoji="1" lang="en-US" altLang="ja-JP">
+            <a:endParaRPr kumimoji="1" lang="en-US" altLang="ja-JP" dirty="0">
               <a:latin typeface="メイリオ" panose="020B0604030504040204" pitchFamily="50" charset="-128"/>
               <a:ea typeface="メイリオ" panose="020B0604030504040204" pitchFamily="50" charset="-128"/>
             </a:endParaRPr>
@@ -4359,13 +4199,13 @@
               </a:spcAft>
             </a:pPr>
             <a:r>
-              <a:rPr kumimoji="1" lang="ja-JP" altLang="en-US">
+              <a:rPr kumimoji="1" lang="ja-JP" altLang="en-US" dirty="0">
                 <a:latin typeface="メイリオ" panose="020B0604030504040204" pitchFamily="50" charset="-128"/>
                 <a:ea typeface="メイリオ" panose="020B0604030504040204" pitchFamily="50" charset="-128"/>
               </a:rPr>
               <a:t>最も基本的な設定</a:t>
             </a:r>
-            <a:endParaRPr kumimoji="1" lang="en-US" altLang="ja-JP">
+            <a:endParaRPr kumimoji="1" lang="en-US" altLang="ja-JP" dirty="0">
               <a:latin typeface="メイリオ" panose="020B0604030504040204" pitchFamily="50" charset="-128"/>
               <a:ea typeface="メイリオ" panose="020B0604030504040204" pitchFamily="50" charset="-128"/>
             </a:endParaRPr>
@@ -4383,13 +4223,13 @@
               </a:spcAft>
             </a:pPr>
             <a:r>
-              <a:rPr kumimoji="1" lang="ja-JP" altLang="en-US">
+              <a:rPr kumimoji="1" lang="ja-JP" altLang="en-US" dirty="0">
                 <a:latin typeface="メイリオ" panose="020B0604030504040204" pitchFamily="50" charset="-128"/>
                 <a:ea typeface="メイリオ" panose="020B0604030504040204" pitchFamily="50" charset="-128"/>
               </a:rPr>
               <a:t>１つのベクトルを引数とするクラス毎の識別関数を設定し、最大値を出力するものを求める</a:t>
             </a:r>
-            <a:endParaRPr kumimoji="1" lang="en-US" altLang="ja-JP">
+            <a:endParaRPr kumimoji="1" lang="en-US" altLang="ja-JP" dirty="0">
               <a:latin typeface="メイリオ" panose="020B0604030504040204" pitchFamily="50" charset="-128"/>
               <a:ea typeface="メイリオ" panose="020B0604030504040204" pitchFamily="50" charset="-128"/>
             </a:endParaRPr>
@@ -4407,27 +4247,27 @@
               </a:spcAft>
             </a:pPr>
             <a:r>
-              <a:rPr kumimoji="1" lang="ja-JP" altLang="en-US">
+              <a:rPr kumimoji="1" lang="ja-JP" altLang="en-US" dirty="0">
                 <a:latin typeface="メイリオ" panose="020B0604030504040204" pitchFamily="50" charset="-128"/>
                 <a:ea typeface="メイリオ" panose="020B0604030504040204" pitchFamily="50" charset="-128"/>
               </a:rPr>
               <a:t>複数入力</a:t>
             </a:r>
             <a:r>
-              <a:rPr kumimoji="1" lang="en-US" altLang="ja-JP">
+              <a:rPr kumimoji="1" lang="en-US" altLang="ja-JP" dirty="0">
                 <a:latin typeface="メイリオ" panose="020B0604030504040204" pitchFamily="50" charset="-128"/>
                 <a:ea typeface="メイリオ" panose="020B0604030504040204" pitchFamily="50" charset="-128"/>
               </a:rPr>
               <a:t>1</a:t>
             </a:r>
             <a:r>
-              <a:rPr kumimoji="1" lang="ja-JP" altLang="en-US">
+              <a:rPr kumimoji="1" lang="ja-JP" altLang="en-US" dirty="0">
                 <a:latin typeface="メイリオ" panose="020B0604030504040204" pitchFamily="50" charset="-128"/>
                 <a:ea typeface="メイリオ" panose="020B0604030504040204" pitchFamily="50" charset="-128"/>
               </a:rPr>
               <a:t>出力</a:t>
             </a:r>
-            <a:endParaRPr kumimoji="1" lang="en-US" altLang="ja-JP">
+            <a:endParaRPr kumimoji="1" lang="en-US" altLang="ja-JP" dirty="0">
               <a:latin typeface="メイリオ" panose="020B0604030504040204" pitchFamily="50" charset="-128"/>
               <a:ea typeface="メイリオ" panose="020B0604030504040204" pitchFamily="50" charset="-128"/>
             </a:endParaRPr>
@@ -4445,13 +4285,13 @@
               </a:spcAft>
             </a:pPr>
             <a:r>
-              <a:rPr kumimoji="1" lang="ja-JP" altLang="en-US">
+              <a:rPr kumimoji="1" lang="ja-JP" altLang="en-US" dirty="0">
                 <a:latin typeface="メイリオ" panose="020B0604030504040204" pitchFamily="50" charset="-128"/>
                 <a:ea typeface="メイリオ" panose="020B0604030504040204" pitchFamily="50" charset="-128"/>
               </a:rPr>
               <a:t>入力が不定長の場合は、識別関数の構造に工夫が必要</a:t>
             </a:r>
-            <a:endParaRPr kumimoji="1" lang="en-US" altLang="ja-JP">
+            <a:endParaRPr kumimoji="1" lang="en-US" altLang="ja-JP" dirty="0">
               <a:latin typeface="メイリオ" panose="020B0604030504040204" pitchFamily="50" charset="-128"/>
               <a:ea typeface="メイリオ" panose="020B0604030504040204" pitchFamily="50" charset="-128"/>
             </a:endParaRPr>
@@ -4469,20 +4309,20 @@
               </a:spcAft>
             </a:pPr>
             <a:r>
-              <a:rPr lang="en-US" altLang="ja-JP">
+              <a:rPr lang="en-US" altLang="ja-JP" dirty="0">
                 <a:latin typeface="メイリオ" panose="020B0604030504040204" pitchFamily="50" charset="-128"/>
                 <a:ea typeface="メイリオ" panose="020B0604030504040204" pitchFamily="50" charset="-128"/>
               </a:rPr>
               <a:t>1</a:t>
             </a:r>
             <a:r>
-              <a:rPr lang="ja-JP" altLang="en-US">
+              <a:rPr lang="ja-JP" altLang="en-US" dirty="0">
                 <a:latin typeface="メイリオ" panose="020B0604030504040204" pitchFamily="50" charset="-128"/>
                 <a:ea typeface="メイリオ" panose="020B0604030504040204" pitchFamily="50" charset="-128"/>
               </a:rPr>
               <a:t>入力複数出力</a:t>
             </a:r>
-            <a:endParaRPr lang="en-US" altLang="ja-JP">
+            <a:endParaRPr lang="en-US" altLang="ja-JP" dirty="0">
               <a:latin typeface="メイリオ" panose="020B0604030504040204" pitchFamily="50" charset="-128"/>
               <a:ea typeface="メイリオ" panose="020B0604030504040204" pitchFamily="50" charset="-128"/>
             </a:endParaRPr>
@@ -4500,13 +4340,13 @@
               </a:spcAft>
             </a:pPr>
             <a:r>
-              <a:rPr lang="ja-JP" altLang="en-US">
+              <a:rPr lang="ja-JP" altLang="en-US" dirty="0">
                 <a:latin typeface="メイリオ" panose="020B0604030504040204" pitchFamily="50" charset="-128"/>
                 <a:ea typeface="メイリオ" panose="020B0604030504040204" pitchFamily="50" charset="-128"/>
               </a:rPr>
               <a:t>出力毎に識別器を作成すればよい</a:t>
             </a:r>
-            <a:endParaRPr lang="en-US" altLang="ja-JP">
+            <a:endParaRPr lang="en-US" altLang="ja-JP" dirty="0">
               <a:latin typeface="メイリオ" panose="020B0604030504040204" pitchFamily="50" charset="-128"/>
               <a:ea typeface="メイリオ" panose="020B0604030504040204" pitchFamily="50" charset="-128"/>
             </a:endParaRPr>
@@ -4524,13 +4364,13 @@
               </a:spcAft>
             </a:pPr>
             <a:r>
-              <a:rPr lang="ja-JP" altLang="en-US">
+              <a:rPr lang="ja-JP" altLang="en-US" dirty="0">
                 <a:latin typeface="メイリオ" panose="020B0604030504040204" pitchFamily="50" charset="-128"/>
                 <a:ea typeface="メイリオ" panose="020B0604030504040204" pitchFamily="50" charset="-128"/>
               </a:rPr>
               <a:t>複数入力複数出力</a:t>
             </a:r>
-            <a:endParaRPr lang="en-US" altLang="ja-JP">
+            <a:endParaRPr lang="en-US" altLang="ja-JP" dirty="0">
               <a:latin typeface="メイリオ" panose="020B0604030504040204" pitchFamily="50" charset="-128"/>
               <a:ea typeface="メイリオ" panose="020B0604030504040204" pitchFamily="50" charset="-128"/>
             </a:endParaRPr>
@@ -4548,13 +4388,13 @@
               </a:spcAft>
             </a:pPr>
             <a:r>
-              <a:rPr lang="ja-JP" altLang="en-US">
+              <a:rPr lang="ja-JP" altLang="en-US" dirty="0">
                 <a:latin typeface="メイリオ" panose="020B0604030504040204" pitchFamily="50" charset="-128"/>
                 <a:ea typeface="メイリオ" panose="020B0604030504040204" pitchFamily="50" charset="-128"/>
               </a:rPr>
               <a:t>探索処理が必要になり、最も複雑</a:t>
             </a:r>
-            <a:endParaRPr lang="en-US" altLang="ja-JP">
+            <a:endParaRPr lang="en-US" altLang="ja-JP" dirty="0">
               <a:latin typeface="メイリオ" panose="020B0604030504040204" pitchFamily="50" charset="-128"/>
               <a:ea typeface="メイリオ" panose="020B0604030504040204" pitchFamily="50" charset="-128"/>
             </a:endParaRPr>
@@ -4572,7 +4412,7 @@
               </a:spcAft>
               <a:buNone/>
             </a:pPr>
-            <a:endParaRPr kumimoji="1" lang="en-US" altLang="ja-JP">
+            <a:endParaRPr kumimoji="1" lang="en-US" altLang="ja-JP" dirty="0">
               <a:latin typeface="メイリオ" panose="020B0604030504040204" pitchFamily="50" charset="-128"/>
               <a:ea typeface="メイリオ" panose="020B0604030504040204" pitchFamily="50" charset="-128"/>
             </a:endParaRPr>
@@ -4589,7 +4429,7 @@
                 <a:spcPts val="600"/>
               </a:spcAft>
             </a:pPr>
-            <a:endParaRPr kumimoji="1" lang="ja-JP" altLang="en-US">
+            <a:endParaRPr kumimoji="1" lang="ja-JP" altLang="en-US" dirty="0">
               <a:latin typeface="メイリオ" panose="020B0604030504040204" pitchFamily="50" charset="-128"/>
               <a:ea typeface="メイリオ" panose="020B0604030504040204" pitchFamily="50" charset="-128"/>
             </a:endParaRPr>
@@ -4610,7 +4450,7 @@
         </p:nvSpPr>
         <p:spPr>
           <a:xfrm>
-            <a:off x="6175949" y="5741233"/>
+            <a:off x="4201363" y="5280375"/>
             <a:ext cx="1528996" cy="374754"/>
           </a:xfrm>
           <a:prstGeom prst="rect">
@@ -4645,7 +4485,7 @@
           <a:p>
             <a:pPr algn="ctr"/>
             <a:r>
-              <a:rPr kumimoji="1" lang="ja-JP" altLang="en-US">
+              <a:rPr lang="ja-JP" altLang="en-US">
                 <a:solidFill>
                   <a:schemeClr val="tx1"/>
                 </a:solidFill>
@@ -4701,7 +4541,12 @@
             <p:ph type="title"/>
           </p:nvPr>
         </p:nvSpPr>
-        <p:spPr/>
+        <p:spPr>
+          <a:xfrm>
+            <a:off x="838200" y="365125"/>
+            <a:ext cx="10515600" cy="856513"/>
+          </a:xfrm>
+        </p:spPr>
         <p:txBody>
           <a:bodyPr>
             <a:normAutofit/>
@@ -4709,7 +4554,7 @@
           <a:lstStyle/>
           <a:p>
             <a:r>
-              <a:rPr kumimoji="1" lang="en-US" altLang="ja-JP" sz="4000">
+              <a:rPr lang="en-US" altLang="ja-JP" sz="4000" dirty="0">
                 <a:solidFill>
                   <a:schemeClr val="accent1"/>
                 </a:solidFill>
@@ -4719,7 +4564,7 @@
               <a:t>3.2 </a:t>
             </a:r>
             <a:r>
-              <a:rPr kumimoji="1" lang="ja-JP" altLang="en-US" sz="4000">
+              <a:rPr lang="ja-JP" altLang="en-US" sz="4000" dirty="0">
                 <a:solidFill>
                   <a:schemeClr val="accent1"/>
                 </a:solidFill>
@@ -4749,8 +4594,8 @@
         </p:nvSpPr>
         <p:spPr>
           <a:xfrm>
-            <a:off x="546204" y="1450870"/>
-            <a:ext cx="7886700" cy="4351338"/>
+            <a:off x="838200" y="1221638"/>
+            <a:ext cx="10456469" cy="4351338"/>
           </a:xfrm>
         </p:spPr>
         <p:txBody>
@@ -4769,7 +4614,7 @@
               </a:spcAft>
             </a:pPr>
             <a:r>
-              <a:rPr lang="ja-JP" altLang="en-US">
+              <a:rPr lang="ja-JP" altLang="en-US" dirty="0">
                 <a:solidFill>
                   <a:prstClr val="black"/>
                 </a:solidFill>
@@ -4778,7 +4623,7 @@
               </a:rPr>
               <a:t>１入力１出力のパターン認識</a:t>
             </a:r>
-            <a:endParaRPr lang="ja-JP" altLang="en-US"/>
+            <a:endParaRPr lang="ja-JP" altLang="en-US" dirty="0"/>
           </a:p>
           <a:p>
             <a:pPr lvl="1">
@@ -4793,7 +4638,7 @@
               </a:spcAft>
             </a:pPr>
             <a:r>
-              <a:rPr lang="ja-JP" altLang="en-US">
+              <a:rPr lang="ja-JP" altLang="en-US" dirty="0">
                 <a:solidFill>
                   <a:prstClr val="black"/>
                 </a:solidFill>
@@ -4803,7 +4648,7 @@
               <a:t>入力：特徴ベクトル（</a:t>
             </a:r>
             <a:r>
-              <a:rPr lang="en-US" altLang="ja-JP" i="1">
+              <a:rPr lang="en-US" altLang="ja-JP" i="1" dirty="0">
                 <a:solidFill>
                   <a:prstClr val="black"/>
                 </a:solidFill>
@@ -4813,7 +4658,7 @@
               <a:t>d</a:t>
             </a:r>
             <a:r>
-              <a:rPr lang="ja-JP" altLang="en-US">
+              <a:rPr lang="ja-JP" altLang="en-US" dirty="0">
                 <a:solidFill>
                   <a:prstClr val="black"/>
                 </a:solidFill>
@@ -4822,7 +4667,7 @@
               </a:rPr>
               <a:t>次元空間上の点）</a:t>
             </a:r>
-            <a:endParaRPr lang="en-US" altLang="ja-JP">
+            <a:endParaRPr lang="en-US" altLang="ja-JP" dirty="0">
               <a:solidFill>
                 <a:prstClr val="black"/>
               </a:solidFill>
@@ -4843,7 +4688,7 @@
               </a:spcAft>
             </a:pPr>
             <a:r>
-              <a:rPr lang="ja-JP" altLang="en-US">
+              <a:rPr lang="ja-JP" altLang="en-US" dirty="0">
                 <a:solidFill>
                   <a:prstClr val="black"/>
                 </a:solidFill>
@@ -4853,7 +4698,7 @@
               <a:t>出力：クラス </a:t>
             </a:r>
             <a:r>
-              <a:rPr lang="en-US" altLang="ja-JP" i="1">
+              <a:rPr lang="en-US" altLang="ja-JP" i="1" dirty="0">
                 <a:solidFill>
                   <a:prstClr val="black"/>
                 </a:solidFill>
@@ -4863,7 +4708,7 @@
               <a:t>ω</a:t>
             </a:r>
             <a:r>
-              <a:rPr lang="en-US" altLang="ja-JP" i="1" baseline="-25000">
+              <a:rPr lang="en-US" altLang="ja-JP" i="1" baseline="-25000" dirty="0">
                 <a:solidFill>
                   <a:prstClr val="black"/>
                 </a:solidFill>
@@ -4873,27 +4718,37 @@
               <a:t>1</a:t>
             </a:r>
             <a:r>
-              <a:rPr lang="en-US" altLang="ja-JP" i="1">
+              <a:rPr lang="en-US" altLang="ja-JP" i="1" dirty="0">
                 <a:solidFill>
                   <a:prstClr val="black"/>
                 </a:solidFill>
                 <a:latin typeface="Century Schoolbook" panose="02040604050505020304" pitchFamily="18" charset="0"/>
                 <a:ea typeface="メイリオ" panose="020B0604030504040204" pitchFamily="50" charset="-128"/>
               </a:rPr>
-              <a:t>,...,ω</a:t>
-            </a:r>
-            <a:r>
-              <a:rPr lang="en-US" altLang="ja-JP" i="1" baseline="-25000">
+              <a:t>,...,</a:t>
+            </a:r>
+            <a:r>
+              <a:rPr lang="en-US" altLang="ja-JP" i="1" dirty="0" err="1">
                 <a:solidFill>
                   <a:prstClr val="black"/>
                 </a:solidFill>
                 <a:latin typeface="Century Schoolbook" panose="02040604050505020304" pitchFamily="18" charset="0"/>
                 <a:ea typeface="メイリオ" panose="020B0604030504040204" pitchFamily="50" charset="-128"/>
               </a:rPr>
+              <a:t>ω</a:t>
+            </a:r>
+            <a:r>
+              <a:rPr lang="en-US" altLang="ja-JP" i="1" baseline="-25000" dirty="0" err="1">
+                <a:solidFill>
+                  <a:prstClr val="black"/>
+                </a:solidFill>
+                <a:latin typeface="Century Schoolbook" panose="02040604050505020304" pitchFamily="18" charset="0"/>
+                <a:ea typeface="メイリオ" panose="020B0604030504040204" pitchFamily="50" charset="-128"/>
+              </a:rPr>
               <a:t>c</a:t>
             </a:r>
             <a:r>
-              <a:rPr lang="ja-JP" altLang="en-US">
+              <a:rPr lang="ja-JP" altLang="en-US" dirty="0">
                 <a:solidFill>
                   <a:prstClr val="black"/>
                 </a:solidFill>
@@ -4902,7 +4757,7 @@
               </a:rPr>
               <a:t> のいずれか</a:t>
             </a:r>
-            <a:endParaRPr lang="en-US" altLang="ja-JP">
+            <a:endParaRPr lang="en-US" altLang="ja-JP" dirty="0">
               <a:solidFill>
                 <a:prstClr val="black"/>
               </a:solidFill>
@@ -4923,7 +4778,7 @@
               </a:spcAft>
               <a:buNone/>
             </a:pPr>
-            <a:endParaRPr kumimoji="1" lang="ja-JP" altLang="en-US"/>
+            <a:endParaRPr kumimoji="1" lang="ja-JP" altLang="en-US" dirty="0"/>
           </a:p>
         </p:txBody>
       </p:sp>
@@ -4955,7 +4810,7 @@
         </p:blipFill>
         <p:spPr>
           <a:xfrm>
-            <a:off x="1823480" y="3001286"/>
+            <a:off x="6288191" y="2320974"/>
             <a:ext cx="5497040" cy="3542229"/>
           </a:xfrm>
           <a:prstGeom prst="rect">
@@ -5009,7 +4864,12 @@
             <p:ph type="title"/>
           </p:nvPr>
         </p:nvSpPr>
-        <p:spPr/>
+        <p:spPr>
+          <a:xfrm>
+            <a:off x="838200" y="365126"/>
+            <a:ext cx="10515600" cy="885774"/>
+          </a:xfrm>
+        </p:spPr>
         <p:txBody>
           <a:bodyPr>
             <a:normAutofit/>
@@ -5017,7 +4877,7 @@
           <a:lstStyle/>
           <a:p>
             <a:r>
-              <a:rPr kumimoji="1" lang="en-US" altLang="ja-JP" sz="4000">
+              <a:rPr lang="en-US" altLang="ja-JP" sz="4000" dirty="0">
                 <a:solidFill>
                   <a:schemeClr val="accent1"/>
                 </a:solidFill>
@@ -5027,7 +4887,7 @@
               <a:t>3.2 </a:t>
             </a:r>
             <a:r>
-              <a:rPr kumimoji="1" lang="ja-JP" altLang="en-US" sz="4000">
+              <a:rPr lang="ja-JP" altLang="en-US" sz="4000" dirty="0">
                 <a:solidFill>
                   <a:schemeClr val="accent1"/>
                 </a:solidFill>
@@ -5057,8 +4917,8 @@
         </p:nvSpPr>
         <p:spPr>
           <a:xfrm>
-            <a:off x="628649" y="1540812"/>
-            <a:ext cx="8155587" cy="4807522"/>
+            <a:off x="1104596" y="1540812"/>
+            <a:ext cx="9203642" cy="4807522"/>
           </a:xfrm>
         </p:spPr>
         <p:txBody>
@@ -5067,7 +4927,7 @@
           </a:bodyPr>
           <a:lstStyle/>
           <a:p>
-            <a:pPr lvl="0">
+            <a:pPr>
               <a:lnSpc>
                 <a:spcPct val="100000"/>
               </a:lnSpc>
@@ -5079,7 +4939,7 @@
               </a:spcAft>
             </a:pPr>
             <a:r>
-              <a:rPr lang="ja-JP" altLang="en-US">
+              <a:rPr lang="ja-JP" altLang="en-US" dirty="0">
                 <a:solidFill>
                   <a:prstClr val="black"/>
                 </a:solidFill>
@@ -5088,7 +4948,7 @@
               </a:rPr>
               <a:t>統計的パターン認識</a:t>
             </a:r>
-            <a:endParaRPr lang="en-US" altLang="ja-JP">
+            <a:endParaRPr lang="en-US" altLang="ja-JP" dirty="0">
               <a:solidFill>
                 <a:prstClr val="black"/>
               </a:solidFill>
@@ -5109,28 +4969,28 @@
               </a:spcAft>
             </a:pPr>
             <a:r>
-              <a:rPr kumimoji="1" lang="ja-JP" altLang="en-US">
+              <a:rPr kumimoji="1" lang="ja-JP" altLang="en-US" dirty="0">
                 <a:latin typeface="Century Schoolbook" panose="02040604050505020304" pitchFamily="18" charset="0"/>
                 <a:ea typeface="メイリオ" panose="020B0604030504040204" pitchFamily="50" charset="-128"/>
               </a:rPr>
               <a:t>事後確率 </a:t>
             </a:r>
             <a:r>
-              <a:rPr kumimoji="1" lang="en-US" altLang="ja-JP" i="1">
+              <a:rPr kumimoji="1" lang="en-US" altLang="ja-JP" i="1" dirty="0">
                 <a:latin typeface="Century Schoolbook" panose="02040604050505020304" pitchFamily="18" charset="0"/>
                 <a:ea typeface="メイリオ" panose="020B0604030504040204" pitchFamily="50" charset="-128"/>
               </a:rPr>
               <a:t>P</a:t>
             </a:r>
             <a:r>
-              <a:rPr kumimoji="1" lang="en-US" altLang="ja-JP">
+              <a:rPr kumimoji="1" lang="en-US" altLang="ja-JP" dirty="0">
                 <a:latin typeface="Century Schoolbook" panose="02040604050505020304" pitchFamily="18" charset="0"/>
                 <a:ea typeface="メイリオ" panose="020B0604030504040204" pitchFamily="50" charset="-128"/>
               </a:rPr>
               <a:t>(</a:t>
             </a:r>
             <a:r>
-              <a:rPr lang="en-US" altLang="ja-JP" i="1">
+              <a:rPr lang="en-US" altLang="ja-JP" i="1" dirty="0" err="1">
                 <a:solidFill>
                   <a:prstClr val="black"/>
                 </a:solidFill>
@@ -5140,45 +5000,55 @@
               <a:t>ω</a:t>
             </a:r>
             <a:r>
-              <a:rPr lang="en-US" altLang="ja-JP" i="1" baseline="-25000">
+              <a:rPr lang="en-US" altLang="ja-JP" i="1" baseline="-25000" dirty="0" err="1">
                 <a:solidFill>
                   <a:prstClr val="black"/>
                 </a:solidFill>
                 <a:latin typeface="Century Schoolbook" panose="02040604050505020304" pitchFamily="18" charset="0"/>
                 <a:ea typeface="メイリオ" panose="020B0604030504040204" pitchFamily="50" charset="-128"/>
               </a:rPr>
-              <a:t>i </a:t>
-            </a:r>
-            <a:r>
-              <a:rPr kumimoji="1" lang="en-US" altLang="ja-JP">
+              <a:t>i</a:t>
+            </a:r>
+            <a:r>
+              <a:rPr lang="en-US" altLang="ja-JP" i="1" baseline="-25000" dirty="0">
+                <a:solidFill>
+                  <a:prstClr val="black"/>
+                </a:solidFill>
                 <a:latin typeface="Century Schoolbook" panose="02040604050505020304" pitchFamily="18" charset="0"/>
                 <a:ea typeface="メイリオ" panose="020B0604030504040204" pitchFamily="50" charset="-128"/>
               </a:rPr>
+              <a:t> </a:t>
+            </a:r>
+            <a:r>
+              <a:rPr kumimoji="1" lang="en-US" altLang="ja-JP" dirty="0">
+                <a:latin typeface="Century Schoolbook" panose="02040604050505020304" pitchFamily="18" charset="0"/>
+                <a:ea typeface="メイリオ" panose="020B0604030504040204" pitchFamily="50" charset="-128"/>
+              </a:rPr>
               <a:t>|</a:t>
             </a:r>
             <a:r>
-              <a:rPr kumimoji="1" lang="en-US" altLang="ja-JP" b="1" i="1">
+              <a:rPr kumimoji="1" lang="en-US" altLang="ja-JP" b="1" i="1" dirty="0">
                 <a:latin typeface="Century Schoolbook" panose="02040604050505020304" pitchFamily="18" charset="0"/>
                 <a:ea typeface="メイリオ" panose="020B0604030504040204" pitchFamily="50" charset="-128"/>
               </a:rPr>
               <a:t>x</a:t>
             </a:r>
             <a:r>
-              <a:rPr kumimoji="1" lang="en-US" altLang="ja-JP">
+              <a:rPr kumimoji="1" lang="en-US" altLang="ja-JP" dirty="0">
                 <a:latin typeface="Century Schoolbook" panose="02040604050505020304" pitchFamily="18" charset="0"/>
                 <a:ea typeface="メイリオ" panose="020B0604030504040204" pitchFamily="50" charset="-128"/>
               </a:rPr>
               <a:t>) </a:t>
             </a:r>
             <a:r>
-              <a:rPr kumimoji="1" lang="ja-JP" altLang="en-US">
+              <a:rPr kumimoji="1" lang="ja-JP" altLang="en-US" dirty="0">
                 <a:latin typeface="メイリオ" panose="020B0604030504040204" pitchFamily="50" charset="-128"/>
                 <a:ea typeface="メイリオ" panose="020B0604030504040204" pitchFamily="50" charset="-128"/>
               </a:rPr>
               <a:t>が最大となるクラス    </a:t>
             </a:r>
             <a:r>
-              <a:rPr lang="en-US" altLang="ja-JP" i="1">
+              <a:rPr lang="en-US" altLang="ja-JP" i="1" dirty="0">
                 <a:solidFill>
                   <a:prstClr val="black"/>
                 </a:solidFill>
@@ -5188,13 +5058,13 @@
               <a:t> </a:t>
             </a:r>
             <a:r>
-              <a:rPr kumimoji="1" lang="ja-JP" altLang="en-US">
+              <a:rPr kumimoji="1" lang="ja-JP" altLang="en-US" dirty="0">
                 <a:latin typeface="メイリオ" panose="020B0604030504040204" pitchFamily="50" charset="-128"/>
                 <a:ea typeface="メイリオ" panose="020B0604030504040204" pitchFamily="50" charset="-128"/>
               </a:rPr>
               <a:t>を求める</a:t>
             </a:r>
-            <a:endParaRPr kumimoji="1" lang="en-US" altLang="ja-JP">
+            <a:endParaRPr kumimoji="1" lang="en-US" altLang="ja-JP" dirty="0">
               <a:latin typeface="メイリオ" panose="020B0604030504040204" pitchFamily="50" charset="-128"/>
               <a:ea typeface="メイリオ" panose="020B0604030504040204" pitchFamily="50" charset="-128"/>
             </a:endParaRPr>
@@ -5212,13 +5082,13 @@
               </a:spcAft>
             </a:pPr>
             <a:r>
-              <a:rPr kumimoji="1" lang="ja-JP" altLang="en-US">
+              <a:rPr kumimoji="1" lang="ja-JP" altLang="en-US" dirty="0">
                 <a:latin typeface="メイリオ" panose="020B0604030504040204" pitchFamily="50" charset="-128"/>
                 <a:ea typeface="メイリオ" panose="020B0604030504040204" pitchFamily="50" charset="-128"/>
               </a:rPr>
               <a:t>生成モデル</a:t>
             </a:r>
-            <a:endParaRPr kumimoji="1" lang="en-US" altLang="ja-JP">
+            <a:endParaRPr kumimoji="1" lang="en-US" altLang="ja-JP" dirty="0">
               <a:latin typeface="メイリオ" panose="020B0604030504040204" pitchFamily="50" charset="-128"/>
               <a:ea typeface="メイリオ" panose="020B0604030504040204" pitchFamily="50" charset="-128"/>
             </a:endParaRPr>
@@ -5236,13 +5106,13 @@
               </a:spcAft>
             </a:pPr>
             <a:r>
-              <a:rPr kumimoji="1" lang="ja-JP" altLang="en-US">
+              <a:rPr kumimoji="1" lang="ja-JP" altLang="en-US" dirty="0">
                 <a:latin typeface="メイリオ" panose="020B0604030504040204" pitchFamily="50" charset="-128"/>
                 <a:ea typeface="メイリオ" panose="020B0604030504040204" pitchFamily="50" charset="-128"/>
               </a:rPr>
               <a:t>事後確率の式をベイズの定理で求めやすい確率に変形する</a:t>
             </a:r>
-            <a:endParaRPr kumimoji="1" lang="en-US" altLang="ja-JP">
+            <a:endParaRPr kumimoji="1" lang="en-US" altLang="ja-JP" dirty="0">
               <a:latin typeface="メイリオ" panose="020B0604030504040204" pitchFamily="50" charset="-128"/>
               <a:ea typeface="メイリオ" panose="020B0604030504040204" pitchFamily="50" charset="-128"/>
             </a:endParaRPr>
@@ -5259,7 +5129,7 @@
                 <a:spcPts val="600"/>
               </a:spcAft>
             </a:pPr>
-            <a:endParaRPr lang="en-US" altLang="ja-JP">
+            <a:endParaRPr lang="en-US" altLang="ja-JP" dirty="0">
               <a:latin typeface="メイリオ" panose="020B0604030504040204" pitchFamily="50" charset="-128"/>
               <a:ea typeface="メイリオ" panose="020B0604030504040204" pitchFamily="50" charset="-128"/>
             </a:endParaRPr>
@@ -5276,7 +5146,7 @@
                 <a:spcPts val="600"/>
               </a:spcAft>
             </a:pPr>
-            <a:endParaRPr kumimoji="1" lang="en-US" altLang="ja-JP">
+            <a:endParaRPr kumimoji="1" lang="en-US" altLang="ja-JP" dirty="0">
               <a:latin typeface="メイリオ" panose="020B0604030504040204" pitchFamily="50" charset="-128"/>
               <a:ea typeface="メイリオ" panose="020B0604030504040204" pitchFamily="50" charset="-128"/>
             </a:endParaRPr>
@@ -5293,7 +5163,7 @@
                 <a:spcPts val="600"/>
               </a:spcAft>
             </a:pPr>
-            <a:endParaRPr kumimoji="1" lang="en-US" altLang="ja-JP">
+            <a:endParaRPr kumimoji="1" lang="en-US" altLang="ja-JP" dirty="0">
               <a:latin typeface="メイリオ" panose="020B0604030504040204" pitchFamily="50" charset="-128"/>
               <a:ea typeface="メイリオ" panose="020B0604030504040204" pitchFamily="50" charset="-128"/>
             </a:endParaRPr>
@@ -5310,7 +5180,7 @@
                 <a:spcPts val="600"/>
               </a:spcAft>
             </a:pPr>
-            <a:endParaRPr kumimoji="1" lang="en-US" altLang="ja-JP">
+            <a:endParaRPr kumimoji="1" lang="en-US" altLang="ja-JP" dirty="0">
               <a:latin typeface="メイリオ" panose="020B0604030504040204" pitchFamily="50" charset="-128"/>
               <a:ea typeface="メイリオ" panose="020B0604030504040204" pitchFamily="50" charset="-128"/>
             </a:endParaRPr>
@@ -5328,13 +5198,13 @@
               </a:spcAft>
             </a:pPr>
             <a:r>
-              <a:rPr kumimoji="1" lang="ja-JP" altLang="en-US">
+              <a:rPr kumimoji="1" lang="ja-JP" altLang="en-US" dirty="0">
                 <a:latin typeface="メイリオ" panose="020B0604030504040204" pitchFamily="50" charset="-128"/>
                 <a:ea typeface="メイリオ" panose="020B0604030504040204" pitchFamily="50" charset="-128"/>
               </a:rPr>
               <a:t>識別モデル</a:t>
             </a:r>
-            <a:endParaRPr kumimoji="1" lang="en-US" altLang="ja-JP">
+            <a:endParaRPr kumimoji="1" lang="en-US" altLang="ja-JP" dirty="0">
               <a:latin typeface="メイリオ" panose="020B0604030504040204" pitchFamily="50" charset="-128"/>
               <a:ea typeface="メイリオ" panose="020B0604030504040204" pitchFamily="50" charset="-128"/>
             </a:endParaRPr>
@@ -5352,7 +5222,7 @@
               </a:spcAft>
             </a:pPr>
             <a:r>
-              <a:rPr kumimoji="1" lang="ja-JP" altLang="en-US">
+              <a:rPr kumimoji="1" lang="ja-JP" altLang="en-US" dirty="0">
                 <a:latin typeface="メイリオ" panose="020B0604030504040204" pitchFamily="50" charset="-128"/>
                 <a:ea typeface="メイリオ" panose="020B0604030504040204" pitchFamily="50" charset="-128"/>
               </a:rPr>
@@ -5383,7 +5253,7 @@
         </p:blipFill>
         <p:spPr>
           <a:xfrm>
-            <a:off x="6328763" y="2066852"/>
+            <a:off x="6799039" y="2044908"/>
             <a:ext cx="234013" cy="250915"/>
           </a:xfrm>
           <a:prstGeom prst="rect">
@@ -5413,7 +5283,7 @@
         </p:blipFill>
         <p:spPr>
           <a:xfrm>
-            <a:off x="2514766" y="3500204"/>
+            <a:off x="4038766" y="3500205"/>
             <a:ext cx="2994286" cy="1761723"/>
           </a:xfrm>
           <a:prstGeom prst="rect">
@@ -5451,52 +5321,6 @@
           <a:chExt cx="0" cy="0"/>
         </a:xfrm>
       </p:grpSpPr>
-      <p:sp>
-        <p:nvSpPr>
-          <p:cNvPr id="2" name="タイトル 1">
-            <a:extLst>
-              <a:ext uri="{FF2B5EF4-FFF2-40B4-BE49-F238E27FC236}">
-                <a16:creationId xmlns:a16="http://schemas.microsoft.com/office/drawing/2014/main" id="{B90F84AA-3A74-4B39-863C-3048B25BF10E}"/>
-              </a:ext>
-            </a:extLst>
-          </p:cNvPr>
-          <p:cNvSpPr>
-            <a:spLocks noGrp="1"/>
-          </p:cNvSpPr>
-          <p:nvPr>
-            <p:ph type="title"/>
-          </p:nvPr>
-        </p:nvSpPr>
-        <p:spPr/>
-        <p:txBody>
-          <a:bodyPr>
-            <a:normAutofit/>
-          </a:bodyPr>
-          <a:lstStyle/>
-          <a:p>
-            <a:r>
-              <a:rPr kumimoji="1" lang="en-US" altLang="ja-JP" sz="4000">
-                <a:solidFill>
-                  <a:schemeClr val="accent1"/>
-                </a:solidFill>
-                <a:latin typeface="メイリオ" panose="020B0604030504040204" pitchFamily="50" charset="-128"/>
-                <a:ea typeface="メイリオ" panose="020B0604030504040204" pitchFamily="50" charset="-128"/>
-              </a:rPr>
-              <a:t>3.2 </a:t>
-            </a:r>
-            <a:r>
-              <a:rPr kumimoji="1" lang="ja-JP" altLang="en-US" sz="4000">
-                <a:solidFill>
-                  <a:schemeClr val="accent1"/>
-                </a:solidFill>
-                <a:latin typeface="メイリオ" panose="020B0604030504040204" pitchFamily="50" charset="-128"/>
-                <a:ea typeface="メイリオ" panose="020B0604030504040204" pitchFamily="50" charset="-128"/>
-              </a:rPr>
-              <a:t>統計的パターン認識の考え方</a:t>
-            </a:r>
-          </a:p>
-        </p:txBody>
-      </p:sp>
       <p:pic>
         <p:nvPicPr>
           <p:cNvPr id="5" name="図 4">
@@ -5525,7 +5349,7 @@
         </p:blipFill>
         <p:spPr>
           <a:xfrm>
-            <a:off x="1091434" y="1307217"/>
+            <a:off x="2630064" y="1174439"/>
             <a:ext cx="6601202" cy="5318436"/>
           </a:xfrm>
           <a:prstGeom prst="rect">
@@ -5533,6 +5357,57 @@
           </a:prstGeom>
         </p:spPr>
       </p:pic>
+      <p:sp>
+        <p:nvSpPr>
+          <p:cNvPr id="2" name="タイトル 1">
+            <a:extLst>
+              <a:ext uri="{FF2B5EF4-FFF2-40B4-BE49-F238E27FC236}">
+                <a16:creationId xmlns:a16="http://schemas.microsoft.com/office/drawing/2014/main" id="{B90F84AA-3A74-4B39-863C-3048B25BF10E}"/>
+              </a:ext>
+            </a:extLst>
+          </p:cNvPr>
+          <p:cNvSpPr>
+            <a:spLocks noGrp="1"/>
+          </p:cNvSpPr>
+          <p:nvPr>
+            <p:ph type="title"/>
+          </p:nvPr>
+        </p:nvSpPr>
+        <p:spPr>
+          <a:xfrm>
+            <a:off x="838200" y="365126"/>
+            <a:ext cx="10515600" cy="809314"/>
+          </a:xfrm>
+        </p:spPr>
+        <p:txBody>
+          <a:bodyPr>
+            <a:normAutofit/>
+          </a:bodyPr>
+          <a:lstStyle/>
+          <a:p>
+            <a:r>
+              <a:rPr lang="en-US" altLang="ja-JP" sz="4000" dirty="0">
+                <a:solidFill>
+                  <a:schemeClr val="accent1"/>
+                </a:solidFill>
+                <a:latin typeface="メイリオ" panose="020B0604030504040204" pitchFamily="50" charset="-128"/>
+                <a:ea typeface="メイリオ" panose="020B0604030504040204" pitchFamily="50" charset="-128"/>
+              </a:rPr>
+              <a:t>3.2 </a:t>
+            </a:r>
+            <a:r>
+              <a:rPr lang="ja-JP" altLang="en-US" sz="4000" dirty="0">
+                <a:solidFill>
+                  <a:schemeClr val="accent1"/>
+                </a:solidFill>
+                <a:latin typeface="メイリオ" panose="020B0604030504040204" pitchFamily="50" charset="-128"/>
+                <a:ea typeface="メイリオ" panose="020B0604030504040204" pitchFamily="50" charset="-128"/>
+              </a:rPr>
+              <a:t>統計的パターン認識の考え方</a:t>
+            </a:r>
+          </a:p>
+        </p:txBody>
+      </p:sp>
     </p:spTree>
     <p:extLst>
       <p:ext uri="{BB962C8B-B14F-4D97-AF65-F5344CB8AC3E}">
@@ -5579,7 +5454,12 @@
             <p:ph type="title"/>
           </p:nvPr>
         </p:nvSpPr>
-        <p:spPr/>
+        <p:spPr>
+          <a:xfrm>
+            <a:off x="838200" y="365126"/>
+            <a:ext cx="10515600" cy="870830"/>
+          </a:xfrm>
+        </p:spPr>
         <p:txBody>
           <a:bodyPr>
             <a:normAutofit/>
@@ -5587,7 +5467,7 @@
           <a:lstStyle/>
           <a:p>
             <a:r>
-              <a:rPr kumimoji="1" lang="en-US" altLang="ja-JP">
+              <a:rPr kumimoji="1" lang="en-US" altLang="ja-JP" dirty="0">
                 <a:solidFill>
                   <a:schemeClr val="accent1"/>
                 </a:solidFill>
@@ -5597,7 +5477,7 @@
               <a:t>3.3 </a:t>
             </a:r>
             <a:r>
-              <a:rPr kumimoji="1" lang="ja-JP" altLang="en-US">
+              <a:rPr kumimoji="1" lang="ja-JP" altLang="en-US" dirty="0">
                 <a:solidFill>
                   <a:schemeClr val="accent1"/>
                 </a:solidFill>
@@ -5625,12 +5505,17 @@
             <p:ph idx="1"/>
           </p:nvPr>
         </p:nvSpPr>
-        <p:spPr/>
+        <p:spPr>
+          <a:xfrm>
+            <a:off x="838200" y="1342823"/>
+            <a:ext cx="10515600" cy="4351338"/>
+          </a:xfrm>
+        </p:spPr>
         <p:txBody>
           <a:bodyPr/>
           <a:lstStyle/>
           <a:p>
-            <a:pPr lvl="0">
+            <a:pPr>
               <a:lnSpc>
                 <a:spcPct val="100000"/>
               </a:lnSpc>
@@ -5642,7 +5527,7 @@
               </a:spcAft>
             </a:pPr>
             <a:r>
-              <a:rPr lang="ja-JP" altLang="en-US">
+              <a:rPr lang="ja-JP" altLang="en-US" dirty="0">
                 <a:solidFill>
                   <a:prstClr val="black"/>
                 </a:solidFill>
@@ -5651,7 +5536,7 @@
               </a:rPr>
               <a:t>最尤推定法</a:t>
             </a:r>
-            <a:endParaRPr lang="en-US" altLang="ja-JP">
+            <a:endParaRPr lang="en-US" altLang="ja-JP" dirty="0">
               <a:solidFill>
                 <a:prstClr val="black"/>
               </a:solidFill>
@@ -5672,7 +5557,7 @@
               </a:spcAft>
             </a:pPr>
             <a:r>
-              <a:rPr lang="ja-JP" altLang="en-US">
+              <a:rPr lang="ja-JP" altLang="en-US" dirty="0">
                 <a:solidFill>
                   <a:prstClr val="black"/>
                 </a:solidFill>
@@ -5682,7 +5567,7 @@
               <a:t>学習データ </a:t>
             </a:r>
             <a:r>
-              <a:rPr lang="en-US" altLang="ja-JP" i="1">
+              <a:rPr lang="en-US" altLang="ja-JP" i="1" dirty="0">
                 <a:solidFill>
                   <a:prstClr val="black"/>
                 </a:solidFill>
@@ -5692,7 +5577,7 @@
               <a:t>D</a:t>
             </a:r>
             <a:r>
-              <a:rPr lang="en-US" altLang="ja-JP">
+              <a:rPr lang="en-US" altLang="ja-JP" dirty="0">
                 <a:solidFill>
                   <a:prstClr val="black"/>
                 </a:solidFill>
@@ -5702,7 +5587,7 @@
               <a:t> </a:t>
             </a:r>
             <a:r>
-              <a:rPr lang="ja-JP" altLang="en-US">
+              <a:rPr lang="ja-JP" altLang="en-US" dirty="0">
                 <a:solidFill>
                   <a:prstClr val="black"/>
                 </a:solidFill>
@@ -5712,7 +5597,7 @@
               <a:t>に対する尤度 </a:t>
             </a:r>
             <a:r>
-              <a:rPr lang="en-US" altLang="ja-JP" i="1">
+              <a:rPr lang="en-US" altLang="ja-JP" i="1" dirty="0">
                 <a:solidFill>
                   <a:prstClr val="black"/>
                 </a:solidFill>
@@ -5722,7 +5607,7 @@
               <a:t>P</a:t>
             </a:r>
             <a:r>
-              <a:rPr lang="en-US" altLang="ja-JP">
+              <a:rPr lang="en-US" altLang="ja-JP" dirty="0">
                 <a:solidFill>
                   <a:prstClr val="black"/>
                 </a:solidFill>
@@ -5732,7 +5617,7 @@
               <a:t>(</a:t>
             </a:r>
             <a:r>
-              <a:rPr lang="en-US" altLang="ja-JP" i="1">
+              <a:rPr lang="en-US" altLang="ja-JP" i="1" dirty="0">
                 <a:solidFill>
                   <a:prstClr val="black"/>
                 </a:solidFill>
@@ -5742,7 +5627,7 @@
               <a:t>D</a:t>
             </a:r>
             <a:r>
-              <a:rPr lang="en-US" altLang="ja-JP">
+              <a:rPr lang="en-US" altLang="ja-JP" dirty="0">
                 <a:solidFill>
                   <a:prstClr val="black"/>
                 </a:solidFill>
@@ -5752,7 +5637,7 @@
               <a:t>; </a:t>
             </a:r>
             <a:r>
-              <a:rPr lang="en-US" altLang="ja-JP" i="1">
+              <a:rPr lang="en-US" altLang="ja-JP" i="1" dirty="0">
                 <a:solidFill>
                   <a:prstClr val="black"/>
                 </a:solidFill>
@@ -5762,7 +5647,7 @@
               <a:t>θ</a:t>
             </a:r>
             <a:r>
-              <a:rPr lang="en-US" altLang="ja-JP">
+              <a:rPr lang="en-US" altLang="ja-JP" dirty="0">
                 <a:solidFill>
                   <a:prstClr val="black"/>
                 </a:solidFill>
@@ -5772,7 +5657,7 @@
               <a:t>)</a:t>
             </a:r>
             <a:r>
-              <a:rPr lang="ja-JP" altLang="en-US">
+              <a:rPr lang="ja-JP" altLang="en-US" dirty="0">
                 <a:solidFill>
                   <a:prstClr val="black"/>
                 </a:solidFill>
@@ -5782,7 +5667,7 @@
               <a:t> </a:t>
             </a:r>
             <a:r>
-              <a:rPr lang="ja-JP" altLang="en-US">
+              <a:rPr lang="ja-JP" altLang="en-US" dirty="0">
                 <a:solidFill>
                   <a:prstClr val="black"/>
                 </a:solidFill>
@@ -5792,7 +5677,7 @@
               <a:t>が最大になるようにモデルのパラメータ </a:t>
             </a:r>
             <a:r>
-              <a:rPr lang="en-US" altLang="ja-JP" i="1">
+              <a:rPr lang="en-US" altLang="ja-JP" i="1" dirty="0">
                 <a:solidFill>
                   <a:prstClr val="black"/>
                 </a:solidFill>
@@ -5802,7 +5687,7 @@
               <a:t>θ </a:t>
             </a:r>
             <a:r>
-              <a:rPr lang="ja-JP" altLang="en-US">
+              <a:rPr lang="ja-JP" altLang="en-US" dirty="0">
                 <a:solidFill>
                   <a:prstClr val="black"/>
                 </a:solidFill>
@@ -5811,7 +5696,7 @@
               </a:rPr>
               <a:t> を定める</a:t>
             </a:r>
-            <a:endParaRPr lang="en-US" altLang="ja-JP">
+            <a:endParaRPr lang="en-US" altLang="ja-JP" dirty="0">
               <a:solidFill>
                 <a:prstClr val="black"/>
               </a:solidFill>
@@ -5832,7 +5717,7 @@
               </a:spcAft>
             </a:pPr>
             <a:r>
-              <a:rPr lang="ja-JP" altLang="en-US">
+              <a:rPr lang="ja-JP" altLang="en-US" dirty="0">
                 <a:solidFill>
                   <a:prstClr val="black"/>
                 </a:solidFill>
@@ -5841,7 +5726,7 @@
               </a:rPr>
               <a:t>事前確率の推定</a:t>
             </a:r>
-            <a:endParaRPr lang="en-US" altLang="ja-JP">
+            <a:endParaRPr lang="en-US" altLang="ja-JP" dirty="0">
               <a:solidFill>
                 <a:prstClr val="black"/>
               </a:solidFill>
@@ -5862,7 +5747,7 @@
               </a:spcAft>
             </a:pPr>
             <a:r>
-              <a:rPr lang="ja-JP" altLang="en-US">
+              <a:rPr lang="ja-JP" altLang="en-US" dirty="0">
                 <a:solidFill>
                   <a:prstClr val="black"/>
                 </a:solidFill>
@@ -5872,7 +5757,7 @@
               <a:t>学習データ中のクラス </a:t>
             </a:r>
             <a:r>
-              <a:rPr lang="en-US" altLang="ja-JP" i="1">
+              <a:rPr lang="en-US" altLang="ja-JP" i="1" dirty="0" err="1">
                 <a:solidFill>
                   <a:prstClr val="black"/>
                 </a:solidFill>
@@ -5882,7 +5767,7 @@
               <a:t>ω</a:t>
             </a:r>
             <a:r>
-              <a:rPr lang="en-US" altLang="ja-JP" i="1" baseline="-25000">
+              <a:rPr lang="en-US" altLang="ja-JP" i="1" baseline="-25000" dirty="0" err="1">
                 <a:solidFill>
                   <a:prstClr val="black"/>
                 </a:solidFill>
@@ -5892,7 +5777,7 @@
               <a:t>i</a:t>
             </a:r>
             <a:r>
-              <a:rPr lang="ja-JP" altLang="en-US">
+              <a:rPr lang="ja-JP" altLang="en-US" dirty="0">
                 <a:solidFill>
                   <a:prstClr val="black"/>
                 </a:solidFill>
@@ -5902,7 +5787,7 @@
               <a:t> のデータの個数 </a:t>
             </a:r>
             <a:r>
-              <a:rPr lang="en-US" altLang="ja-JP" i="1">
+              <a:rPr lang="en-US" altLang="ja-JP" i="1" dirty="0" err="1">
                 <a:solidFill>
                   <a:prstClr val="black"/>
                 </a:solidFill>
@@ -5912,7 +5797,7 @@
               <a:t>n</a:t>
             </a:r>
             <a:r>
-              <a:rPr lang="en-US" altLang="ja-JP" i="1" baseline="-25000">
+              <a:rPr lang="en-US" altLang="ja-JP" i="1" baseline="-25000" dirty="0" err="1">
                 <a:solidFill>
                   <a:prstClr val="black"/>
                 </a:solidFill>
@@ -5922,7 +5807,7 @@
               <a:t>i</a:t>
             </a:r>
             <a:r>
-              <a:rPr lang="ja-JP" altLang="en-US">
+              <a:rPr lang="ja-JP" altLang="en-US" dirty="0">
                 <a:solidFill>
                   <a:prstClr val="black"/>
                 </a:solidFill>
@@ -5932,7 +5817,7 @@
               <a:t> を、全データ数</a:t>
             </a:r>
             <a:r>
-              <a:rPr lang="en-US" altLang="ja-JP">
+              <a:rPr lang="en-US" altLang="ja-JP" dirty="0">
                 <a:solidFill>
                   <a:prstClr val="black"/>
                 </a:solidFill>
@@ -5942,7 +5827,7 @@
               <a:t> </a:t>
             </a:r>
             <a:r>
-              <a:rPr lang="en-US" altLang="ja-JP" i="1">
+              <a:rPr lang="en-US" altLang="ja-JP" i="1" dirty="0">
                 <a:solidFill>
                   <a:prstClr val="black"/>
                 </a:solidFill>
@@ -5952,7 +5837,7 @@
               <a:t>n </a:t>
             </a:r>
             <a:r>
-              <a:rPr lang="ja-JP" altLang="en-US">
+              <a:rPr lang="ja-JP" altLang="en-US" dirty="0">
                 <a:solidFill>
                   <a:prstClr val="black"/>
                 </a:solidFill>
@@ -5961,7 +5846,7 @@
               </a:rPr>
               <a:t>で割ったものが最尤推定値</a:t>
             </a:r>
-            <a:endParaRPr lang="en-US" altLang="ja-JP">
+            <a:endParaRPr lang="en-US" altLang="ja-JP" dirty="0">
               <a:solidFill>
                 <a:prstClr val="black"/>
               </a:solidFill>
@@ -5982,7 +5867,7 @@
               </a:spcAft>
               <a:buNone/>
             </a:pPr>
-            <a:endParaRPr kumimoji="1" lang="ja-JP" altLang="en-US"/>
+            <a:endParaRPr kumimoji="1" lang="ja-JP" altLang="en-US" dirty="0"/>
           </a:p>
         </p:txBody>
       </p:sp>
@@ -6008,7 +5893,7 @@
         </p:blipFill>
         <p:spPr>
           <a:xfrm>
-            <a:off x="2586880" y="4943297"/>
+            <a:off x="4535162" y="4445863"/>
             <a:ext cx="1736703" cy="643996"/>
           </a:xfrm>
           <a:prstGeom prst="rect">
@@ -6030,7 +5915,7 @@
         </p:nvSpPr>
         <p:spPr>
           <a:xfrm>
-            <a:off x="5883639" y="1514007"/>
+            <a:off x="7407639" y="1031206"/>
             <a:ext cx="2539690" cy="719527"/>
           </a:xfrm>
           <a:prstGeom prst="wedgeRectCallout">
@@ -6068,7 +5953,7 @@
           <a:p>
             <a:pPr algn="ctr"/>
             <a:r>
-              <a:rPr kumimoji="1" lang="ja-JP" altLang="en-US" sz="1600">
+              <a:rPr lang="ja-JP" altLang="en-US" sz="1600">
                 <a:solidFill>
                   <a:schemeClr val="tx1"/>
                 </a:solidFill>
@@ -6076,7 +5961,7 @@
               <a:t>パラメータ</a:t>
             </a:r>
             <a:r>
-              <a:rPr kumimoji="1" lang="en-US" altLang="ja-JP" sz="1600" i="1">
+              <a:rPr lang="en-US" altLang="ja-JP" sz="1600" i="1">
                 <a:solidFill>
                   <a:schemeClr val="tx1"/>
                 </a:solidFill>
@@ -6085,7 +5970,7 @@
               <a:t>θ</a:t>
             </a:r>
             <a:r>
-              <a:rPr kumimoji="1" lang="ja-JP" altLang="en-US" sz="1600">
+              <a:rPr lang="ja-JP" altLang="en-US" sz="1600">
                 <a:solidFill>
                   <a:schemeClr val="tx1"/>
                 </a:solidFill>
@@ -6093,7 +5978,7 @@
               <a:t>のモデルがデータ</a:t>
             </a:r>
             <a:r>
-              <a:rPr kumimoji="1" lang="en-US" altLang="ja-JP" sz="1600" i="1">
+              <a:rPr lang="en-US" altLang="ja-JP" sz="1600" i="1">
                 <a:solidFill>
                   <a:schemeClr val="tx1"/>
                 </a:solidFill>
@@ -6102,14 +5987,14 @@
               <a:t>D</a:t>
             </a:r>
             <a:r>
-              <a:rPr kumimoji="1" lang="ja-JP" altLang="en-US" sz="1600">
+              <a:rPr lang="ja-JP" altLang="en-US" sz="1600">
                 <a:solidFill>
                   <a:schemeClr val="tx1"/>
                 </a:solidFill>
               </a:rPr>
               <a:t>を生成する確率</a:t>
             </a:r>
-            <a:endParaRPr kumimoji="1" lang="en-US" altLang="ja-JP" sz="1600">
+            <a:endParaRPr lang="en-US" altLang="ja-JP" sz="1600">
               <a:solidFill>
                 <a:schemeClr val="tx1"/>
               </a:solidFill>
@@ -6165,7 +6050,7 @@
         </p:nvSpPr>
         <p:spPr>
           <a:xfrm>
-            <a:off x="628650" y="327651"/>
+            <a:off x="616458" y="327652"/>
             <a:ext cx="7886700" cy="828601"/>
           </a:xfrm>
         </p:spPr>
@@ -6176,7 +6061,7 @@
           <a:lstStyle/>
           <a:p>
             <a:r>
-              <a:rPr kumimoji="1" lang="en-US" altLang="ja-JP">
+              <a:rPr kumimoji="1" lang="en-US" altLang="ja-JP" dirty="0">
                 <a:solidFill>
                   <a:schemeClr val="accent1"/>
                 </a:solidFill>
@@ -6186,7 +6071,7 @@
               <a:t>3.3 </a:t>
             </a:r>
             <a:r>
-              <a:rPr kumimoji="1" lang="ja-JP" altLang="en-US">
+              <a:rPr kumimoji="1" lang="ja-JP" altLang="en-US" dirty="0">
                 <a:solidFill>
                   <a:schemeClr val="accent1"/>
                 </a:solidFill>
@@ -6216,8 +6101,8 @@
         </p:nvSpPr>
         <p:spPr>
           <a:xfrm>
-            <a:off x="486243" y="1156252"/>
-            <a:ext cx="7886700" cy="4580511"/>
+            <a:off x="811986" y="1156253"/>
+            <a:ext cx="9546337" cy="4580511"/>
           </a:xfrm>
         </p:spPr>
         <p:txBody>
@@ -6236,7 +6121,7 @@
               </a:spcAft>
             </a:pPr>
             <a:r>
-              <a:rPr lang="ja-JP" altLang="en-US">
+              <a:rPr lang="ja-JP" altLang="en-US" dirty="0">
                 <a:solidFill>
                   <a:prstClr val="black"/>
                 </a:solidFill>
@@ -6245,7 +6130,7 @@
               </a:rPr>
               <a:t>尤度関数の推定</a:t>
             </a:r>
-            <a:endParaRPr lang="en-US" altLang="ja-JP">
+            <a:endParaRPr lang="en-US" altLang="ja-JP" dirty="0">
               <a:solidFill>
                 <a:prstClr val="black"/>
               </a:solidFill>
@@ -6266,7 +6151,7 @@
               </a:spcAft>
             </a:pPr>
             <a:r>
-              <a:rPr lang="ja-JP" altLang="en-US">
+              <a:rPr lang="ja-JP" altLang="en-US" dirty="0">
                 <a:solidFill>
                   <a:prstClr val="black"/>
                 </a:solidFill>
@@ -6275,7 +6160,7 @@
               </a:rPr>
               <a:t>正規分布を仮定し、学習データから求まる平均と共分散行列をそのパラメータとする</a:t>
             </a:r>
-            <a:endParaRPr lang="en-US" altLang="ja-JP">
+            <a:endParaRPr lang="en-US" altLang="ja-JP" dirty="0">
               <a:solidFill>
                 <a:prstClr val="black"/>
               </a:solidFill>
@@ -6296,7 +6181,7 @@
               </a:spcAft>
               <a:buNone/>
             </a:pPr>
-            <a:endParaRPr kumimoji="1" lang="ja-JP" altLang="en-US"/>
+            <a:endParaRPr kumimoji="1" lang="ja-JP" altLang="en-US" dirty="0"/>
           </a:p>
         </p:txBody>
       </p:sp>
@@ -6328,7 +6213,7 @@
         </p:blipFill>
         <p:spPr>
           <a:xfrm>
-            <a:off x="1684218" y="2487301"/>
+            <a:off x="3208219" y="2487301"/>
             <a:ext cx="4611651" cy="4119662"/>
           </a:xfrm>
           <a:prstGeom prst="rect">
@@ -6382,7 +6267,12 @@
             <p:ph type="title"/>
           </p:nvPr>
         </p:nvSpPr>
-        <p:spPr/>
+        <p:spPr>
+          <a:xfrm>
+            <a:off x="838200" y="365125"/>
+            <a:ext cx="10515600" cy="856513"/>
+          </a:xfrm>
+        </p:spPr>
         <p:txBody>
           <a:bodyPr/>
           <a:lstStyle/>
@@ -6426,12 +6316,17 @@
             <p:ph idx="1"/>
           </p:nvPr>
         </p:nvSpPr>
-        <p:spPr/>
+        <p:spPr>
+          <a:xfrm>
+            <a:off x="838200" y="1335506"/>
+            <a:ext cx="10515600" cy="4351338"/>
+          </a:xfrm>
+        </p:spPr>
         <p:txBody>
           <a:bodyPr/>
           <a:lstStyle/>
           <a:p>
-            <a:pPr lvl="0">
+            <a:pPr>
               <a:lnSpc>
                 <a:spcPct val="100000"/>
               </a:lnSpc>
@@ -6443,7 +6338,7 @@
               </a:spcAft>
             </a:pPr>
             <a:r>
-              <a:rPr lang="ja-JP" altLang="en-US">
+              <a:rPr lang="ja-JP" altLang="en-US" dirty="0">
                 <a:solidFill>
                   <a:prstClr val="black"/>
                 </a:solidFill>
@@ -6452,7 +6347,7 @@
               </a:rPr>
               <a:t>対数線型モデルで事後確率の値を推定</a:t>
             </a:r>
-            <a:endParaRPr lang="en-US" altLang="ja-JP">
+            <a:endParaRPr lang="en-US" altLang="ja-JP" dirty="0">
               <a:solidFill>
                 <a:prstClr val="black"/>
               </a:solidFill>
@@ -6461,7 +6356,7 @@
             </a:endParaRPr>
           </a:p>
           <a:p>
-            <a:pPr lvl="0">
+            <a:pPr>
               <a:lnSpc>
                 <a:spcPct val="100000"/>
               </a:lnSpc>
@@ -6472,7 +6367,7 @@
                 <a:spcPts val="600"/>
               </a:spcAft>
             </a:pPr>
-            <a:endParaRPr lang="en-US" altLang="ja-JP">
+            <a:endParaRPr lang="en-US" altLang="ja-JP" dirty="0">
               <a:solidFill>
                 <a:prstClr val="black"/>
               </a:solidFill>
@@ -6481,7 +6376,7 @@
             </a:endParaRPr>
           </a:p>
           <a:p>
-            <a:pPr lvl="0">
+            <a:pPr>
               <a:lnSpc>
                 <a:spcPct val="100000"/>
               </a:lnSpc>
@@ -6492,7 +6387,7 @@
                 <a:spcPts val="600"/>
               </a:spcAft>
             </a:pPr>
-            <a:endParaRPr lang="en-US" altLang="ja-JP">
+            <a:endParaRPr lang="en-US" altLang="ja-JP" dirty="0">
               <a:solidFill>
                 <a:prstClr val="black"/>
               </a:solidFill>
@@ -6513,7 +6408,7 @@
               </a:spcAft>
             </a:pPr>
             <a:r>
-              <a:rPr lang="ja-JP" altLang="en-US">
+              <a:rPr lang="ja-JP" altLang="en-US" dirty="0">
                 <a:solidFill>
                   <a:prstClr val="black"/>
                 </a:solidFill>
@@ -6523,7 +6418,7 @@
               <a:t>素性関数 </a:t>
             </a:r>
             <a:r>
-              <a:rPr lang="en-US" altLang="ja-JP">
+              <a:rPr lang="en-US" altLang="ja-JP" dirty="0">
                 <a:solidFill>
                   <a:prstClr val="black"/>
                 </a:solidFill>
@@ -6533,7 +6428,7 @@
               <a:t>Φ(</a:t>
             </a:r>
             <a:r>
-              <a:rPr lang="en-US" altLang="ja-JP" b="1" i="1">
+              <a:rPr lang="en-US" altLang="ja-JP" b="1" i="1" dirty="0">
                 <a:solidFill>
                   <a:prstClr val="black"/>
                 </a:solidFill>
@@ -6543,7 +6438,7 @@
               <a:t>x</a:t>
             </a:r>
             <a:r>
-              <a:rPr lang="en-US" altLang="ja-JP">
+              <a:rPr lang="en-US" altLang="ja-JP" dirty="0">
                 <a:solidFill>
                   <a:prstClr val="black"/>
                 </a:solidFill>
@@ -6553,27 +6448,37 @@
               <a:t>,</a:t>
             </a:r>
             <a:r>
-              <a:rPr lang="en-US" altLang="ja-JP" i="1">
+              <a:rPr lang="en-US" altLang="ja-JP" i="1" dirty="0">
                 <a:solidFill>
                   <a:prstClr val="black"/>
                 </a:solidFill>
                 <a:latin typeface="Century Schoolbook" panose="02040604050505020304" pitchFamily="18" charset="0"/>
                 <a:ea typeface="メイリオ" panose="020B0604030504040204" pitchFamily="50" charset="-128"/>
               </a:rPr>
-              <a:t> ω</a:t>
-            </a:r>
-            <a:r>
-              <a:rPr lang="en-US" altLang="ja-JP" i="1" baseline="-25000">
+              <a:t> </a:t>
+            </a:r>
+            <a:r>
+              <a:rPr lang="en-US" altLang="ja-JP" i="1" dirty="0" err="1">
                 <a:solidFill>
                   <a:prstClr val="black"/>
                 </a:solidFill>
                 <a:latin typeface="Century Schoolbook" panose="02040604050505020304" pitchFamily="18" charset="0"/>
                 <a:ea typeface="メイリオ" panose="020B0604030504040204" pitchFamily="50" charset="-128"/>
               </a:rPr>
+              <a:t>ω</a:t>
+            </a:r>
+            <a:r>
+              <a:rPr lang="en-US" altLang="ja-JP" i="1" baseline="-25000" dirty="0" err="1">
+                <a:solidFill>
+                  <a:prstClr val="black"/>
+                </a:solidFill>
+                <a:latin typeface="Century Schoolbook" panose="02040604050505020304" pitchFamily="18" charset="0"/>
+                <a:ea typeface="メイリオ" panose="020B0604030504040204" pitchFamily="50" charset="-128"/>
+              </a:rPr>
               <a:t>i</a:t>
             </a:r>
             <a:r>
-              <a:rPr lang="ja-JP" altLang="en-US">
+              <a:rPr lang="ja-JP" altLang="en-US" dirty="0">
                 <a:solidFill>
                   <a:prstClr val="black"/>
                 </a:solidFill>
@@ -6583,7 +6488,7 @@
               <a:t> </a:t>
             </a:r>
             <a:r>
-              <a:rPr lang="en-US" altLang="ja-JP">
+              <a:rPr lang="en-US" altLang="ja-JP" dirty="0">
                 <a:solidFill>
                   <a:prstClr val="black"/>
                 </a:solidFill>
@@ -6606,7 +6511,7 @@
               </a:spcAft>
             </a:pPr>
             <a:r>
-              <a:rPr lang="ja-JP" altLang="en-US">
+              <a:rPr lang="ja-JP" altLang="en-US" dirty="0">
                 <a:solidFill>
                   <a:prstClr val="black"/>
                 </a:solidFill>
@@ -6616,7 +6521,7 @@
               <a:t>特徴とクラスの間にある関係が成り立つときに</a:t>
             </a:r>
             <a:r>
-              <a:rPr lang="en-US" altLang="ja-JP">
+              <a:rPr lang="en-US" altLang="ja-JP" dirty="0">
                 <a:solidFill>
                   <a:prstClr val="black"/>
                 </a:solidFill>
@@ -6626,7 +6531,7 @@
               <a:t>1</a:t>
             </a:r>
             <a:r>
-              <a:rPr lang="ja-JP" altLang="en-US">
+              <a:rPr lang="ja-JP" altLang="en-US" dirty="0">
                 <a:solidFill>
                   <a:prstClr val="black"/>
                 </a:solidFill>
@@ -6635,7 +6540,7 @@
               </a:rPr>
               <a:t>となる</a:t>
             </a:r>
-            <a:endParaRPr lang="en-US" altLang="ja-JP">
+            <a:endParaRPr lang="en-US" altLang="ja-JP" dirty="0">
               <a:solidFill>
                 <a:prstClr val="black"/>
               </a:solidFill>
@@ -6656,7 +6561,7 @@
               </a:spcAft>
             </a:pPr>
             <a:r>
-              <a:rPr lang="ja-JP" altLang="en-US">
+              <a:rPr lang="ja-JP" altLang="en-US" dirty="0">
                 <a:solidFill>
                   <a:prstClr val="black"/>
                 </a:solidFill>
@@ -6666,7 +6571,7 @@
               <a:t>正規化係数 </a:t>
             </a:r>
             <a:r>
-              <a:rPr lang="en-US" altLang="ja-JP" i="1">
+              <a:rPr lang="en-US" altLang="ja-JP" i="1" dirty="0">
                 <a:solidFill>
                   <a:prstClr val="black"/>
                 </a:solidFill>
@@ -6689,7 +6594,7 @@
               </a:spcAft>
             </a:pPr>
             <a:r>
-              <a:rPr lang="ja-JP" altLang="en-US">
+              <a:rPr lang="ja-JP" altLang="en-US" dirty="0">
                 <a:solidFill>
                   <a:prstClr val="black"/>
                 </a:solidFill>
@@ -6699,7 +6604,7 @@
               <a:t>全クラスに対する計算結果の和を </a:t>
             </a:r>
             <a:r>
-              <a:rPr lang="en-US" altLang="ja-JP" i="1">
+              <a:rPr lang="en-US" altLang="ja-JP" i="1" dirty="0">
                 <a:solidFill>
                   <a:prstClr val="black"/>
                 </a:solidFill>
@@ -6709,7 +6614,7 @@
               <a:t>Z </a:t>
             </a:r>
             <a:r>
-              <a:rPr lang="ja-JP" altLang="en-US">
+              <a:rPr lang="ja-JP" altLang="en-US" dirty="0">
                 <a:solidFill>
                   <a:prstClr val="black"/>
                 </a:solidFill>
@@ -6719,7 +6624,7 @@
               <a:t>とすることで、事後確率の値を全クラスに対して足すと</a:t>
             </a:r>
             <a:r>
-              <a:rPr lang="en-US" altLang="ja-JP">
+              <a:rPr lang="en-US" altLang="ja-JP" dirty="0">
                 <a:solidFill>
                   <a:prstClr val="black"/>
                 </a:solidFill>
@@ -6729,7 +6634,7 @@
               <a:t>1</a:t>
             </a:r>
             <a:r>
-              <a:rPr lang="ja-JP" altLang="en-US">
+              <a:rPr lang="ja-JP" altLang="en-US" dirty="0">
                 <a:solidFill>
                   <a:prstClr val="black"/>
                 </a:solidFill>
@@ -6738,7 +6643,7 @@
               </a:rPr>
               <a:t>となる</a:t>
             </a:r>
-            <a:endParaRPr lang="en-US" altLang="ja-JP">
+            <a:endParaRPr lang="en-US" altLang="ja-JP" dirty="0">
               <a:solidFill>
                 <a:prstClr val="black"/>
               </a:solidFill>
@@ -6759,7 +6664,7 @@
               </a:spcAft>
               <a:buNone/>
             </a:pPr>
-            <a:endParaRPr kumimoji="1" lang="ja-JP" altLang="en-US"/>
+            <a:endParaRPr kumimoji="1" lang="ja-JP" altLang="en-US" dirty="0"/>
           </a:p>
         </p:txBody>
       </p:sp>
@@ -6785,7 +6690,7 @@
         </p:blipFill>
         <p:spPr>
           <a:xfrm>
-            <a:off x="1798155" y="2472506"/>
+            <a:off x="3322155" y="2084801"/>
             <a:ext cx="5299718" cy="719618"/>
           </a:xfrm>
           <a:prstGeom prst="rect">
@@ -6809,7 +6714,7 @@
 <file path=ppt/theme/theme1.xml><?xml version="1.0" encoding="utf-8"?>
 <a:theme xmlns:a="http://schemas.openxmlformats.org/drawingml/2006/main" name="Office テーマ">
   <a:themeElements>
-    <a:clrScheme name="Office">
+    <a:clrScheme name="Office テーマ">
       <a:dk1>
         <a:sysClr val="windowText" lastClr="000000"/>
       </a:dk1>
@@ -6847,9 +6752,9 @@
         <a:srgbClr val="954F72"/>
       </a:folHlink>
     </a:clrScheme>
-    <a:fontScheme name="Office">
+    <a:fontScheme name="Office テーマ">
       <a:majorFont>
-        <a:latin typeface="游ゴシック Light" panose="020F0302020204030204"/>
+        <a:latin typeface="Calibri Light" panose="020F0302020204030204"/>
         <a:ea typeface=""/>
         <a:cs typeface=""/>
         <a:font script="Jpan" typeface="游ゴシック Light"/>
@@ -6882,26 +6787,9 @@
         <a:font script="Viet" typeface="Times New Roman"/>
         <a:font script="Uigh" typeface="Microsoft Uighur"/>
         <a:font script="Geor" typeface="Sylfaen"/>
-        <a:font script="Armn" typeface="Arial"/>
-        <a:font script="Bugi" typeface="Leelawadee UI"/>
-        <a:font script="Bopo" typeface="Microsoft JhengHei"/>
-        <a:font script="Java" typeface="Javanese Text"/>
-        <a:font script="Lisu" typeface="Segoe UI"/>
-        <a:font script="Mymr" typeface="Myanmar Text"/>
-        <a:font script="Nkoo" typeface="Ebrima"/>
-        <a:font script="Olck" typeface="Nirmala UI"/>
-        <a:font script="Osma" typeface="Ebrima"/>
-        <a:font script="Phag" typeface="Phagspa"/>
-        <a:font script="Syrn" typeface="Estrangelo Edessa"/>
-        <a:font script="Syrj" typeface="Estrangelo Edessa"/>
-        <a:font script="Syre" typeface="Estrangelo Edessa"/>
-        <a:font script="Sora" typeface="Nirmala UI"/>
-        <a:font script="Tale" typeface="Microsoft Tai Le"/>
-        <a:font script="Talu" typeface="Microsoft New Tai Lue"/>
-        <a:font script="Tfng" typeface="Ebrima"/>
       </a:majorFont>
       <a:minorFont>
-        <a:latin typeface="游ゴシック" panose="020F0502020204030204"/>
+        <a:latin typeface="Calibri" panose="020F0502020204030204"/>
         <a:ea typeface=""/>
         <a:cs typeface=""/>
         <a:font script="Jpan" typeface="游ゴシック"/>
@@ -6934,26 +6822,9 @@
         <a:font script="Viet" typeface="Arial"/>
         <a:font script="Uigh" typeface="Microsoft Uighur"/>
         <a:font script="Geor" typeface="Sylfaen"/>
-        <a:font script="Armn" typeface="Arial"/>
-        <a:font script="Bugi" typeface="Leelawadee UI"/>
-        <a:font script="Bopo" typeface="Microsoft JhengHei"/>
-        <a:font script="Java" typeface="Javanese Text"/>
-        <a:font script="Lisu" typeface="Segoe UI"/>
-        <a:font script="Mymr" typeface="Myanmar Text"/>
-        <a:font script="Nkoo" typeface="Ebrima"/>
-        <a:font script="Olck" typeface="Nirmala UI"/>
-        <a:font script="Osma" typeface="Ebrima"/>
-        <a:font script="Phag" typeface="Phagspa"/>
-        <a:font script="Syrn" typeface="Estrangelo Edessa"/>
-        <a:font script="Syrj" typeface="Estrangelo Edessa"/>
-        <a:font script="Syre" typeface="Estrangelo Edessa"/>
-        <a:font script="Sora" typeface="Nirmala UI"/>
-        <a:font script="Tale" typeface="Microsoft Tai Le"/>
-        <a:font script="Talu" typeface="Microsoft New Tai Lue"/>
-        <a:font script="Tfng" typeface="Ebrima"/>
       </a:minorFont>
     </a:fontScheme>
-    <a:fmtScheme name="Office">
+    <a:fmtScheme name="Office テーマ">
       <a:fillStyleLst>
         <a:solidFill>
           <a:schemeClr val="phClr"/>
@@ -7095,7 +6966,7 @@
   <a:extraClrSchemeLst/>
   <a:extLst>
     <a:ext uri="{05A4C25C-085E-4340-85A3-A5531E510DB2}">
-      <thm15:themeFamily xmlns:thm15="http://schemas.microsoft.com/office/thememl/2012/main" name="Office Theme" id="{62F939B6-93AF-4DB8-9C6B-D6C7DFDC589F}" vid="{4A3C46E8-61CC-4603-A589-7422A47A8E4A}"/>
+      <thm15:themeFamily xmlns:thm15="http://schemas.microsoft.com/office/thememl/2012/main" name="Office Theme 2013 - 2022" id="{62F939B6-93AF-4DB8-9C6B-D6C7DFDC589F}" vid="{4A3C46E8-61CC-4603-A589-7422A47A8E4A}"/>
     </a:ext>
   </a:extLst>
 </a:theme>
